--- a/Documents/Dissertacao/provenance_cake.pptx
+++ b/Documents/Dissertacao/provenance_cake.pptx
@@ -5,13 +5,17 @@
     <p:sldMasterId id="2147483648" r:id="rId1"/>
   </p:sldMasterIdLst>
   <p:sldIdLst>
-    <p:sldId id="256" r:id="rId2"/>
-    <p:sldId id="257" r:id="rId3"/>
-    <p:sldId id="258" r:id="rId4"/>
+    <p:sldId id="264" r:id="rId2"/>
+    <p:sldId id="258" r:id="rId3"/>
+    <p:sldId id="263" r:id="rId4"/>
     <p:sldId id="259" r:id="rId5"/>
     <p:sldId id="260" r:id="rId6"/>
     <p:sldId id="261" r:id="rId7"/>
     <p:sldId id="262" r:id="rId8"/>
+    <p:sldId id="265" r:id="rId9"/>
+    <p:sldId id="266" r:id="rId10"/>
+    <p:sldId id="267" r:id="rId11"/>
+    <p:sldId id="268" r:id="rId12"/>
   </p:sldIdLst>
   <p:sldSz cx="9144000" cy="6858000" type="screen4x3"/>
   <p:notesSz cx="6858000" cy="9144000"/>
@@ -295,7 +299,7 @@
             <a:fld id="{331B0D56-BC31-4997-A5B4-54E7FF55EA8B}" type="datetimeFigureOut">
               <a:rPr lang="en-US" smtClean="0"/>
               <a:pPr/>
-              <a:t>4/29/2013</a:t>
+              <a:t>5/1/2013</a:t>
             </a:fld>
             <a:endParaRPr lang="en-US"/>
           </a:p>
@@ -462,7 +466,7 @@
             <a:fld id="{331B0D56-BC31-4997-A5B4-54E7FF55EA8B}" type="datetimeFigureOut">
               <a:rPr lang="en-US" smtClean="0"/>
               <a:pPr/>
-              <a:t>4/29/2013</a:t>
+              <a:t>5/1/2013</a:t>
             </a:fld>
             <a:endParaRPr lang="en-US"/>
           </a:p>
@@ -639,7 +643,7 @@
             <a:fld id="{331B0D56-BC31-4997-A5B4-54E7FF55EA8B}" type="datetimeFigureOut">
               <a:rPr lang="en-US" smtClean="0"/>
               <a:pPr/>
-              <a:t>4/29/2013</a:t>
+              <a:t>5/1/2013</a:t>
             </a:fld>
             <a:endParaRPr lang="en-US"/>
           </a:p>
@@ -806,7 +810,7 @@
             <a:fld id="{331B0D56-BC31-4997-A5B4-54E7FF55EA8B}" type="datetimeFigureOut">
               <a:rPr lang="en-US" smtClean="0"/>
               <a:pPr/>
-              <a:t>4/29/2013</a:t>
+              <a:t>5/1/2013</a:t>
             </a:fld>
             <a:endParaRPr lang="en-US"/>
           </a:p>
@@ -1049,7 +1053,7 @@
             <a:fld id="{331B0D56-BC31-4997-A5B4-54E7FF55EA8B}" type="datetimeFigureOut">
               <a:rPr lang="en-US" smtClean="0"/>
               <a:pPr/>
-              <a:t>4/29/2013</a:t>
+              <a:t>5/1/2013</a:t>
             </a:fld>
             <a:endParaRPr lang="en-US"/>
           </a:p>
@@ -1334,7 +1338,7 @@
             <a:fld id="{331B0D56-BC31-4997-A5B4-54E7FF55EA8B}" type="datetimeFigureOut">
               <a:rPr lang="en-US" smtClean="0"/>
               <a:pPr/>
-              <a:t>4/29/2013</a:t>
+              <a:t>5/1/2013</a:t>
             </a:fld>
             <a:endParaRPr lang="en-US"/>
           </a:p>
@@ -1753,7 +1757,7 @@
             <a:fld id="{331B0D56-BC31-4997-A5B4-54E7FF55EA8B}" type="datetimeFigureOut">
               <a:rPr lang="en-US" smtClean="0"/>
               <a:pPr/>
-              <a:t>4/29/2013</a:t>
+              <a:t>5/1/2013</a:t>
             </a:fld>
             <a:endParaRPr lang="en-US"/>
           </a:p>
@@ -1868,7 +1872,7 @@
             <a:fld id="{331B0D56-BC31-4997-A5B4-54E7FF55EA8B}" type="datetimeFigureOut">
               <a:rPr lang="en-US" smtClean="0"/>
               <a:pPr/>
-              <a:t>4/29/2013</a:t>
+              <a:t>5/1/2013</a:t>
             </a:fld>
             <a:endParaRPr lang="en-US"/>
           </a:p>
@@ -1960,7 +1964,7 @@
             <a:fld id="{331B0D56-BC31-4997-A5B4-54E7FF55EA8B}" type="datetimeFigureOut">
               <a:rPr lang="en-US" smtClean="0"/>
               <a:pPr/>
-              <a:t>4/29/2013</a:t>
+              <a:t>5/1/2013</a:t>
             </a:fld>
             <a:endParaRPr lang="en-US"/>
           </a:p>
@@ -2234,7 +2238,7 @@
             <a:fld id="{331B0D56-BC31-4997-A5B4-54E7FF55EA8B}" type="datetimeFigureOut">
               <a:rPr lang="en-US" smtClean="0"/>
               <a:pPr/>
-              <a:t>4/29/2013</a:t>
+              <a:t>5/1/2013</a:t>
             </a:fld>
             <a:endParaRPr lang="en-US"/>
           </a:p>
@@ -2484,7 +2488,7 @@
             <a:fld id="{331B0D56-BC31-4997-A5B4-54E7FF55EA8B}" type="datetimeFigureOut">
               <a:rPr lang="en-US" smtClean="0"/>
               <a:pPr/>
-              <a:t>4/29/2013</a:t>
+              <a:t>5/1/2013</a:t>
             </a:fld>
             <a:endParaRPr lang="en-US"/>
           </a:p>
@@ -2694,7 +2698,7 @@
             <a:fld id="{331B0D56-BC31-4997-A5B4-54E7FF55EA8B}" type="datetimeFigureOut">
               <a:rPr lang="en-US" smtClean="0"/>
               <a:pPr/>
-              <a:t>4/29/2013</a:t>
+              <a:t>5/1/2013</a:t>
             </a:fld>
             <a:endParaRPr lang="en-US"/>
           </a:p>
@@ -3067,39 +3071,2997 @@
       </p:grpSpPr>
       <p:sp>
         <p:nvSpPr>
-          <p:cNvPr id="2" name="Title 1"/>
-          <p:cNvSpPr>
-            <a:spLocks noGrp="1"/>
-          </p:cNvSpPr>
-          <p:nvPr>
-            <p:ph type="ctrTitle"/>
-          </p:nvPr>
-        </p:nvSpPr>
-        <p:spPr/>
-        <p:txBody>
-          <a:bodyPr/>
-          <a:lstStyle/>
-          <a:p>
-            <a:endParaRPr lang="en-US"/>
-          </a:p>
-        </p:txBody>
-      </p:sp>
-      <p:sp>
-        <p:nvSpPr>
-          <p:cNvPr id="3" name="Subtitle 2"/>
-          <p:cNvSpPr>
-            <a:spLocks noGrp="1"/>
-          </p:cNvSpPr>
-          <p:nvPr>
-            <p:ph type="subTitle" idx="1"/>
-          </p:nvPr>
-        </p:nvSpPr>
-        <p:spPr/>
-        <p:txBody>
-          <a:bodyPr/>
-          <a:lstStyle/>
-          <a:p>
-            <a:endParaRPr lang="en-US"/>
+          <p:cNvPr id="4" name="Rectangle 3"/>
+          <p:cNvSpPr/>
+          <p:nvPr/>
+        </p:nvSpPr>
+        <p:spPr>
+          <a:xfrm>
+            <a:off x="4724400" y="609600"/>
+            <a:ext cx="762000" cy="762000"/>
+          </a:xfrm>
+          <a:prstGeom prst="rect">
+            <a:avLst/>
+          </a:prstGeom>
+        </p:spPr>
+        <p:style>
+          <a:lnRef idx="1">
+            <a:schemeClr val="accent1"/>
+          </a:lnRef>
+          <a:fillRef idx="2">
+            <a:schemeClr val="accent1"/>
+          </a:fillRef>
+          <a:effectRef idx="1">
+            <a:schemeClr val="accent1"/>
+          </a:effectRef>
+          <a:fontRef idx="minor">
+            <a:schemeClr val="dk1"/>
+          </a:fontRef>
+        </p:style>
+        <p:txBody>
+          <a:bodyPr rtlCol="0" anchor="ctr"/>
+          <a:lstStyle/>
+          <a:p>
+            <a:pPr algn="ctr"/>
+            <a:r>
+              <a:rPr lang="en-US" sz="1050" dirty="0" smtClean="0"/>
+              <a:t>P</a:t>
+            </a:r>
+            <a:endParaRPr lang="en-US" sz="1050" baseline="-25000" dirty="0"/>
+          </a:p>
+        </p:txBody>
+      </p:sp>
+      <p:sp>
+        <p:nvSpPr>
+          <p:cNvPr id="5" name="Oval 4"/>
+          <p:cNvSpPr/>
+          <p:nvPr/>
+        </p:nvSpPr>
+        <p:spPr>
+          <a:xfrm>
+            <a:off x="2057400" y="609600"/>
+            <a:ext cx="762000" cy="762000"/>
+          </a:xfrm>
+          <a:prstGeom prst="ellipse">
+            <a:avLst/>
+          </a:prstGeom>
+        </p:spPr>
+        <p:style>
+          <a:lnRef idx="1">
+            <a:schemeClr val="accent1"/>
+          </a:lnRef>
+          <a:fillRef idx="2">
+            <a:schemeClr val="accent1"/>
+          </a:fillRef>
+          <a:effectRef idx="1">
+            <a:schemeClr val="accent1"/>
+          </a:effectRef>
+          <a:fontRef idx="minor">
+            <a:schemeClr val="dk1"/>
+          </a:fontRef>
+        </p:style>
+        <p:txBody>
+          <a:bodyPr rtlCol="0" anchor="ctr"/>
+          <a:lstStyle/>
+          <a:p>
+            <a:pPr algn="ctr"/>
+            <a:r>
+              <a:rPr lang="en-US" sz="1050" dirty="0" smtClean="0"/>
+              <a:t>A</a:t>
+            </a:r>
+            <a:endParaRPr lang="en-US" sz="1050" dirty="0" smtClean="0"/>
+          </a:p>
+        </p:txBody>
+      </p:sp>
+      <p:sp>
+        <p:nvSpPr>
+          <p:cNvPr id="6" name="Octagon 5"/>
+          <p:cNvSpPr/>
+          <p:nvPr/>
+        </p:nvSpPr>
+        <p:spPr>
+          <a:xfrm>
+            <a:off x="2057400" y="2743200"/>
+            <a:ext cx="762000" cy="762000"/>
+          </a:xfrm>
+          <a:prstGeom prst="octagon">
+            <a:avLst/>
+          </a:prstGeom>
+        </p:spPr>
+        <p:style>
+          <a:lnRef idx="1">
+            <a:schemeClr val="accent1"/>
+          </a:lnRef>
+          <a:fillRef idx="2">
+            <a:schemeClr val="accent1"/>
+          </a:fillRef>
+          <a:effectRef idx="1">
+            <a:schemeClr val="accent1"/>
+          </a:effectRef>
+          <a:fontRef idx="minor">
+            <a:schemeClr val="dk1"/>
+          </a:fontRef>
+        </p:style>
+        <p:txBody>
+          <a:bodyPr rtlCol="0" anchor="ctr"/>
+          <a:lstStyle/>
+          <a:p>
+            <a:pPr algn="ctr"/>
+            <a:r>
+              <a:rPr lang="en-US" sz="1050" dirty="0" smtClean="0"/>
+              <a:t>Ag</a:t>
+            </a:r>
+            <a:endParaRPr lang="en-US" sz="1050" dirty="0"/>
+          </a:p>
+        </p:txBody>
+      </p:sp>
+      <p:sp>
+        <p:nvSpPr>
+          <p:cNvPr id="8" name="Rectangle 7"/>
+          <p:cNvSpPr/>
+          <p:nvPr/>
+        </p:nvSpPr>
+        <p:spPr>
+          <a:xfrm>
+            <a:off x="2057400" y="1676400"/>
+            <a:ext cx="762000" cy="762000"/>
+          </a:xfrm>
+          <a:prstGeom prst="rect">
+            <a:avLst/>
+          </a:prstGeom>
+        </p:spPr>
+        <p:style>
+          <a:lnRef idx="1">
+            <a:schemeClr val="accent1"/>
+          </a:lnRef>
+          <a:fillRef idx="2">
+            <a:schemeClr val="accent1"/>
+          </a:fillRef>
+          <a:effectRef idx="1">
+            <a:schemeClr val="accent1"/>
+          </a:effectRef>
+          <a:fontRef idx="minor">
+            <a:schemeClr val="dk1"/>
+          </a:fontRef>
+        </p:style>
+        <p:txBody>
+          <a:bodyPr rtlCol="0" anchor="ctr"/>
+          <a:lstStyle/>
+          <a:p>
+            <a:pPr algn="ctr"/>
+            <a:r>
+              <a:rPr lang="en-US" sz="1050" dirty="0" smtClean="0"/>
+              <a:t>P</a:t>
+            </a:r>
+            <a:endParaRPr lang="en-US" sz="1050" baseline="-25000" dirty="0"/>
+          </a:p>
+        </p:txBody>
+      </p:sp>
+      <p:sp>
+        <p:nvSpPr>
+          <p:cNvPr id="9" name="Oval 8"/>
+          <p:cNvSpPr/>
+          <p:nvPr/>
+        </p:nvSpPr>
+        <p:spPr>
+          <a:xfrm>
+            <a:off x="4724400" y="1676400"/>
+            <a:ext cx="762000" cy="762000"/>
+          </a:xfrm>
+          <a:prstGeom prst="ellipse">
+            <a:avLst/>
+          </a:prstGeom>
+        </p:spPr>
+        <p:style>
+          <a:lnRef idx="1">
+            <a:schemeClr val="accent1"/>
+          </a:lnRef>
+          <a:fillRef idx="2">
+            <a:schemeClr val="accent1"/>
+          </a:fillRef>
+          <a:effectRef idx="1">
+            <a:schemeClr val="accent1"/>
+          </a:effectRef>
+          <a:fontRef idx="minor">
+            <a:schemeClr val="dk1"/>
+          </a:fontRef>
+        </p:style>
+        <p:txBody>
+          <a:bodyPr rtlCol="0" anchor="ctr"/>
+          <a:lstStyle/>
+          <a:p>
+            <a:pPr algn="ctr"/>
+            <a:r>
+              <a:rPr lang="en-US" sz="1050" dirty="0" smtClean="0"/>
+              <a:t>A</a:t>
+            </a:r>
+            <a:endParaRPr lang="en-US" sz="1050" dirty="0" smtClean="0"/>
+          </a:p>
+        </p:txBody>
+      </p:sp>
+      <p:sp>
+        <p:nvSpPr>
+          <p:cNvPr id="10" name="Rectangle 9"/>
+          <p:cNvSpPr/>
+          <p:nvPr/>
+        </p:nvSpPr>
+        <p:spPr>
+          <a:xfrm>
+            <a:off x="4724400" y="2743200"/>
+            <a:ext cx="762000" cy="762000"/>
+          </a:xfrm>
+          <a:prstGeom prst="rect">
+            <a:avLst/>
+          </a:prstGeom>
+        </p:spPr>
+        <p:style>
+          <a:lnRef idx="1">
+            <a:schemeClr val="accent1"/>
+          </a:lnRef>
+          <a:fillRef idx="2">
+            <a:schemeClr val="accent1"/>
+          </a:fillRef>
+          <a:effectRef idx="1">
+            <a:schemeClr val="accent1"/>
+          </a:effectRef>
+          <a:fontRef idx="minor">
+            <a:schemeClr val="dk1"/>
+          </a:fontRef>
+        </p:style>
+        <p:txBody>
+          <a:bodyPr rtlCol="0" anchor="ctr"/>
+          <a:lstStyle/>
+          <a:p>
+            <a:pPr algn="ctr"/>
+            <a:r>
+              <a:rPr lang="en-US" sz="1050" dirty="0" smtClean="0"/>
+              <a:t>P</a:t>
+            </a:r>
+            <a:endParaRPr lang="en-US" sz="1050" baseline="-25000" dirty="0"/>
+          </a:p>
+        </p:txBody>
+      </p:sp>
+      <p:sp>
+        <p:nvSpPr>
+          <p:cNvPr id="11" name="Rectangle 10"/>
+          <p:cNvSpPr/>
+          <p:nvPr/>
+        </p:nvSpPr>
+        <p:spPr>
+          <a:xfrm>
+            <a:off x="4724400" y="3886200"/>
+            <a:ext cx="762000" cy="762000"/>
+          </a:xfrm>
+          <a:prstGeom prst="rect">
+            <a:avLst/>
+          </a:prstGeom>
+        </p:spPr>
+        <p:style>
+          <a:lnRef idx="1">
+            <a:schemeClr val="accent1"/>
+          </a:lnRef>
+          <a:fillRef idx="2">
+            <a:schemeClr val="accent1"/>
+          </a:fillRef>
+          <a:effectRef idx="1">
+            <a:schemeClr val="accent1"/>
+          </a:effectRef>
+          <a:fontRef idx="minor">
+            <a:schemeClr val="dk1"/>
+          </a:fontRef>
+        </p:style>
+        <p:txBody>
+          <a:bodyPr rtlCol="0" anchor="ctr"/>
+          <a:lstStyle/>
+          <a:p>
+            <a:pPr algn="ctr"/>
+            <a:r>
+              <a:rPr lang="en-US" sz="1050" dirty="0" smtClean="0"/>
+              <a:t>P2</a:t>
+            </a:r>
+            <a:endParaRPr lang="en-US" sz="1050" baseline="-25000" dirty="0"/>
+          </a:p>
+        </p:txBody>
+      </p:sp>
+      <p:sp>
+        <p:nvSpPr>
+          <p:cNvPr id="12" name="Rectangle 11"/>
+          <p:cNvSpPr/>
+          <p:nvPr/>
+        </p:nvSpPr>
+        <p:spPr>
+          <a:xfrm>
+            <a:off x="2057400" y="3886200"/>
+            <a:ext cx="762000" cy="762000"/>
+          </a:xfrm>
+          <a:prstGeom prst="rect">
+            <a:avLst/>
+          </a:prstGeom>
+        </p:spPr>
+        <p:style>
+          <a:lnRef idx="1">
+            <a:schemeClr val="accent1"/>
+          </a:lnRef>
+          <a:fillRef idx="2">
+            <a:schemeClr val="accent1"/>
+          </a:fillRef>
+          <a:effectRef idx="1">
+            <a:schemeClr val="accent1"/>
+          </a:effectRef>
+          <a:fontRef idx="minor">
+            <a:schemeClr val="dk1"/>
+          </a:fontRef>
+        </p:style>
+        <p:txBody>
+          <a:bodyPr rtlCol="0" anchor="ctr"/>
+          <a:lstStyle/>
+          <a:p>
+            <a:pPr algn="ctr"/>
+            <a:r>
+              <a:rPr lang="en-US" sz="1050" dirty="0" smtClean="0"/>
+              <a:t>P1</a:t>
+            </a:r>
+            <a:endParaRPr lang="en-US" sz="1050" baseline="-25000" dirty="0"/>
+          </a:p>
+        </p:txBody>
+      </p:sp>
+      <p:sp>
+        <p:nvSpPr>
+          <p:cNvPr id="13" name="Oval 12"/>
+          <p:cNvSpPr/>
+          <p:nvPr/>
+        </p:nvSpPr>
+        <p:spPr>
+          <a:xfrm>
+            <a:off x="4724400" y="4876800"/>
+            <a:ext cx="762000" cy="762000"/>
+          </a:xfrm>
+          <a:prstGeom prst="ellipse">
+            <a:avLst/>
+          </a:prstGeom>
+        </p:spPr>
+        <p:style>
+          <a:lnRef idx="1">
+            <a:schemeClr val="accent1"/>
+          </a:lnRef>
+          <a:fillRef idx="2">
+            <a:schemeClr val="accent1"/>
+          </a:fillRef>
+          <a:effectRef idx="1">
+            <a:schemeClr val="accent1"/>
+          </a:effectRef>
+          <a:fontRef idx="minor">
+            <a:schemeClr val="dk1"/>
+          </a:fontRef>
+        </p:style>
+        <p:txBody>
+          <a:bodyPr rtlCol="0" anchor="ctr"/>
+          <a:lstStyle/>
+          <a:p>
+            <a:pPr algn="ctr"/>
+            <a:r>
+              <a:rPr lang="en-US" sz="1050" dirty="0" smtClean="0"/>
+              <a:t>A2</a:t>
+            </a:r>
+            <a:endParaRPr lang="en-US" sz="1050" dirty="0" smtClean="0"/>
+          </a:p>
+        </p:txBody>
+      </p:sp>
+      <p:sp>
+        <p:nvSpPr>
+          <p:cNvPr id="14" name="Oval 13"/>
+          <p:cNvSpPr/>
+          <p:nvPr/>
+        </p:nvSpPr>
+        <p:spPr>
+          <a:xfrm>
+            <a:off x="2057400" y="4876800"/>
+            <a:ext cx="762000" cy="762000"/>
+          </a:xfrm>
+          <a:prstGeom prst="ellipse">
+            <a:avLst/>
+          </a:prstGeom>
+        </p:spPr>
+        <p:style>
+          <a:lnRef idx="1">
+            <a:schemeClr val="accent1"/>
+          </a:lnRef>
+          <a:fillRef idx="2">
+            <a:schemeClr val="accent1"/>
+          </a:fillRef>
+          <a:effectRef idx="1">
+            <a:schemeClr val="accent1"/>
+          </a:effectRef>
+          <a:fontRef idx="minor">
+            <a:schemeClr val="dk1"/>
+          </a:fontRef>
+        </p:style>
+        <p:txBody>
+          <a:bodyPr rtlCol="0" anchor="ctr"/>
+          <a:lstStyle/>
+          <a:p>
+            <a:pPr algn="ctr"/>
+            <a:r>
+              <a:rPr lang="en-US" sz="1050" dirty="0" smtClean="0"/>
+              <a:t>A1</a:t>
+            </a:r>
+            <a:endParaRPr lang="en-US" sz="1050" dirty="0" smtClean="0"/>
+          </a:p>
+        </p:txBody>
+      </p:sp>
+      <p:cxnSp>
+        <p:nvCxnSpPr>
+          <p:cNvPr id="16" name="Straight Arrow Connector 15"/>
+          <p:cNvCxnSpPr>
+            <a:stCxn id="4" idx="1"/>
+            <a:endCxn id="5" idx="6"/>
+          </p:cNvCxnSpPr>
+          <p:nvPr/>
+        </p:nvCxnSpPr>
+        <p:spPr>
+          <a:xfrm flipH="1">
+            <a:off x="2819400" y="990600"/>
+            <a:ext cx="1905000" cy="0"/>
+          </a:xfrm>
+          <a:prstGeom prst="straightConnector1">
+            <a:avLst/>
+          </a:prstGeom>
+          <a:ln>
+            <a:tailEnd type="arrow"/>
+          </a:ln>
+        </p:spPr>
+        <p:style>
+          <a:lnRef idx="2">
+            <a:schemeClr val="dk1"/>
+          </a:lnRef>
+          <a:fillRef idx="0">
+            <a:schemeClr val="dk1"/>
+          </a:fillRef>
+          <a:effectRef idx="1">
+            <a:schemeClr val="dk1"/>
+          </a:effectRef>
+          <a:fontRef idx="minor">
+            <a:schemeClr val="tx1"/>
+          </a:fontRef>
+        </p:style>
+      </p:cxnSp>
+      <p:cxnSp>
+        <p:nvCxnSpPr>
+          <p:cNvPr id="18" name="Straight Arrow Connector 17"/>
+          <p:cNvCxnSpPr>
+            <a:stCxn id="9" idx="2"/>
+            <a:endCxn id="8" idx="3"/>
+          </p:cNvCxnSpPr>
+          <p:nvPr/>
+        </p:nvCxnSpPr>
+        <p:spPr>
+          <a:xfrm flipH="1">
+            <a:off x="2819400" y="2057400"/>
+            <a:ext cx="1905000" cy="0"/>
+          </a:xfrm>
+          <a:prstGeom prst="straightConnector1">
+            <a:avLst/>
+          </a:prstGeom>
+          <a:ln>
+            <a:tailEnd type="arrow"/>
+          </a:ln>
+        </p:spPr>
+        <p:style>
+          <a:lnRef idx="2">
+            <a:schemeClr val="dk1"/>
+          </a:lnRef>
+          <a:fillRef idx="0">
+            <a:schemeClr val="dk1"/>
+          </a:fillRef>
+          <a:effectRef idx="1">
+            <a:schemeClr val="dk1"/>
+          </a:effectRef>
+          <a:fontRef idx="minor">
+            <a:schemeClr val="tx1"/>
+          </a:fontRef>
+        </p:style>
+      </p:cxnSp>
+      <p:cxnSp>
+        <p:nvCxnSpPr>
+          <p:cNvPr id="20" name="Straight Arrow Connector 19"/>
+          <p:cNvCxnSpPr>
+            <a:stCxn id="10" idx="1"/>
+          </p:cNvCxnSpPr>
+          <p:nvPr/>
+        </p:nvCxnSpPr>
+        <p:spPr>
+          <a:xfrm flipH="1">
+            <a:off x="2819400" y="3124200"/>
+            <a:ext cx="1905000" cy="0"/>
+          </a:xfrm>
+          <a:prstGeom prst="straightConnector1">
+            <a:avLst/>
+          </a:prstGeom>
+          <a:ln>
+            <a:tailEnd type="arrow"/>
+          </a:ln>
+        </p:spPr>
+        <p:style>
+          <a:lnRef idx="2">
+            <a:schemeClr val="dk1"/>
+          </a:lnRef>
+          <a:fillRef idx="0">
+            <a:schemeClr val="dk1"/>
+          </a:fillRef>
+          <a:effectRef idx="1">
+            <a:schemeClr val="dk1"/>
+          </a:effectRef>
+          <a:fontRef idx="minor">
+            <a:schemeClr val="tx1"/>
+          </a:fontRef>
+        </p:style>
+      </p:cxnSp>
+      <p:cxnSp>
+        <p:nvCxnSpPr>
+          <p:cNvPr id="24" name="Straight Arrow Connector 23"/>
+          <p:cNvCxnSpPr>
+            <a:stCxn id="11" idx="1"/>
+            <a:endCxn id="12" idx="3"/>
+          </p:cNvCxnSpPr>
+          <p:nvPr/>
+        </p:nvCxnSpPr>
+        <p:spPr>
+          <a:xfrm flipH="1">
+            <a:off x="2819400" y="4267200"/>
+            <a:ext cx="1905000" cy="0"/>
+          </a:xfrm>
+          <a:prstGeom prst="straightConnector1">
+            <a:avLst/>
+          </a:prstGeom>
+          <a:ln>
+            <a:tailEnd type="arrow"/>
+          </a:ln>
+        </p:spPr>
+        <p:style>
+          <a:lnRef idx="2">
+            <a:schemeClr val="dk1"/>
+          </a:lnRef>
+          <a:fillRef idx="0">
+            <a:schemeClr val="dk1"/>
+          </a:fillRef>
+          <a:effectRef idx="1">
+            <a:schemeClr val="dk1"/>
+          </a:effectRef>
+          <a:fontRef idx="minor">
+            <a:schemeClr val="tx1"/>
+          </a:fontRef>
+        </p:style>
+      </p:cxnSp>
+      <p:cxnSp>
+        <p:nvCxnSpPr>
+          <p:cNvPr id="26" name="Straight Arrow Connector 25"/>
+          <p:cNvCxnSpPr>
+            <a:stCxn id="13" idx="2"/>
+            <a:endCxn id="14" idx="6"/>
+          </p:cNvCxnSpPr>
+          <p:nvPr/>
+        </p:nvCxnSpPr>
+        <p:spPr>
+          <a:xfrm flipH="1">
+            <a:off x="2819400" y="5257800"/>
+            <a:ext cx="1905000" cy="0"/>
+          </a:xfrm>
+          <a:prstGeom prst="straightConnector1">
+            <a:avLst/>
+          </a:prstGeom>
+          <a:ln>
+            <a:tailEnd type="arrow"/>
+          </a:ln>
+        </p:spPr>
+        <p:style>
+          <a:lnRef idx="2">
+            <a:schemeClr val="dk1"/>
+          </a:lnRef>
+          <a:fillRef idx="0">
+            <a:schemeClr val="dk1"/>
+          </a:fillRef>
+          <a:effectRef idx="1">
+            <a:schemeClr val="dk1"/>
+          </a:effectRef>
+          <a:fontRef idx="minor">
+            <a:schemeClr val="tx1"/>
+          </a:fontRef>
+        </p:style>
+      </p:cxnSp>
+      <p:sp>
+        <p:nvSpPr>
+          <p:cNvPr id="27" name="TextBox 26"/>
+          <p:cNvSpPr txBox="1"/>
+          <p:nvPr/>
+        </p:nvSpPr>
+        <p:spPr>
+          <a:xfrm>
+            <a:off x="3352800" y="685800"/>
+            <a:ext cx="740908" cy="307777"/>
+          </a:xfrm>
+          <a:prstGeom prst="rect">
+            <a:avLst/>
+          </a:prstGeom>
+          <a:noFill/>
+        </p:spPr>
+        <p:txBody>
+          <a:bodyPr wrap="none" rtlCol="0">
+            <a:spAutoFit/>
+          </a:bodyPr>
+          <a:lstStyle/>
+          <a:p>
+            <a:r>
+              <a:rPr lang="en-US" sz="1400" dirty="0" smtClean="0"/>
+              <a:t>u</a:t>
+            </a:r>
+            <a:r>
+              <a:rPr lang="en-US" sz="1400" dirty="0" smtClean="0"/>
+              <a:t>sed(R)</a:t>
+            </a:r>
+            <a:endParaRPr lang="en-US" sz="1400" dirty="0"/>
+          </a:p>
+        </p:txBody>
+      </p:sp>
+      <p:sp>
+        <p:nvSpPr>
+          <p:cNvPr id="29" name="TextBox 28"/>
+          <p:cNvSpPr txBox="1"/>
+          <p:nvPr/>
+        </p:nvSpPr>
+        <p:spPr>
+          <a:xfrm>
+            <a:off x="2895600" y="1676400"/>
+            <a:ext cx="1627625" cy="307777"/>
+          </a:xfrm>
+          <a:prstGeom prst="rect">
+            <a:avLst/>
+          </a:prstGeom>
+          <a:noFill/>
+        </p:spPr>
+        <p:txBody>
+          <a:bodyPr wrap="none" rtlCol="0">
+            <a:spAutoFit/>
+          </a:bodyPr>
+          <a:lstStyle/>
+          <a:p>
+            <a:r>
+              <a:rPr lang="en-US" sz="1400" dirty="0" err="1" smtClean="0"/>
+              <a:t>wasGeneratedBy</a:t>
+            </a:r>
+            <a:r>
+              <a:rPr lang="en-US" sz="1400" dirty="0" smtClean="0"/>
+              <a:t>(R)</a:t>
+            </a:r>
+            <a:endParaRPr lang="en-US" sz="1400" dirty="0"/>
+          </a:p>
+        </p:txBody>
+      </p:sp>
+      <p:sp>
+        <p:nvSpPr>
+          <p:cNvPr id="30" name="TextBox 29"/>
+          <p:cNvSpPr txBox="1"/>
+          <p:nvPr/>
+        </p:nvSpPr>
+        <p:spPr>
+          <a:xfrm>
+            <a:off x="2971800" y="2743200"/>
+            <a:ext cx="1679242" cy="307777"/>
+          </a:xfrm>
+          <a:prstGeom prst="rect">
+            <a:avLst/>
+          </a:prstGeom>
+          <a:noFill/>
+        </p:spPr>
+        <p:txBody>
+          <a:bodyPr wrap="none" rtlCol="0">
+            <a:spAutoFit/>
+          </a:bodyPr>
+          <a:lstStyle/>
+          <a:p>
+            <a:r>
+              <a:rPr lang="en-US" sz="1400" dirty="0" err="1" smtClean="0"/>
+              <a:t>wasControllredBy</a:t>
+            </a:r>
+            <a:r>
+              <a:rPr lang="en-US" sz="1400" dirty="0" smtClean="0"/>
+              <a:t>(R)</a:t>
+            </a:r>
+            <a:endParaRPr lang="en-US" sz="1400" dirty="0"/>
+          </a:p>
+        </p:txBody>
+      </p:sp>
+      <p:sp>
+        <p:nvSpPr>
+          <p:cNvPr id="31" name="TextBox 30"/>
+          <p:cNvSpPr txBox="1"/>
+          <p:nvPr/>
+        </p:nvSpPr>
+        <p:spPr>
+          <a:xfrm>
+            <a:off x="3124200" y="3886200"/>
+            <a:ext cx="1331390" cy="307777"/>
+          </a:xfrm>
+          <a:prstGeom prst="rect">
+            <a:avLst/>
+          </a:prstGeom>
+          <a:noFill/>
+        </p:spPr>
+        <p:txBody>
+          <a:bodyPr wrap="none" rtlCol="0">
+            <a:spAutoFit/>
+          </a:bodyPr>
+          <a:lstStyle/>
+          <a:p>
+            <a:r>
+              <a:rPr lang="en-US" sz="1400" dirty="0" err="1" smtClean="0"/>
+              <a:t>wasTriggeredBy</a:t>
+            </a:r>
+            <a:endParaRPr lang="en-US" sz="1400" dirty="0"/>
+          </a:p>
+        </p:txBody>
+      </p:sp>
+      <p:sp>
+        <p:nvSpPr>
+          <p:cNvPr id="34" name="TextBox 33"/>
+          <p:cNvSpPr txBox="1"/>
+          <p:nvPr/>
+        </p:nvSpPr>
+        <p:spPr>
+          <a:xfrm>
+            <a:off x="3124200" y="4876800"/>
+            <a:ext cx="1415580" cy="307777"/>
+          </a:xfrm>
+          <a:prstGeom prst="rect">
+            <a:avLst/>
+          </a:prstGeom>
+          <a:noFill/>
+        </p:spPr>
+        <p:txBody>
+          <a:bodyPr wrap="none" rtlCol="0">
+            <a:spAutoFit/>
+          </a:bodyPr>
+          <a:lstStyle/>
+          <a:p>
+            <a:r>
+              <a:rPr lang="en-US" sz="1400" dirty="0" err="1" smtClean="0"/>
+              <a:t>wasDerivedFrom</a:t>
+            </a:r>
+            <a:endParaRPr lang="en-US" sz="1400" dirty="0"/>
+          </a:p>
+        </p:txBody>
+      </p:sp>
+      <p:sp>
+        <p:nvSpPr>
+          <p:cNvPr id="36" name="TextBox 35"/>
+          <p:cNvSpPr txBox="1"/>
+          <p:nvPr/>
+        </p:nvSpPr>
+        <p:spPr>
+          <a:xfrm>
+            <a:off x="3581400" y="990600"/>
+            <a:ext cx="324191" cy="307777"/>
+          </a:xfrm>
+          <a:prstGeom prst="rect">
+            <a:avLst/>
+          </a:prstGeom>
+          <a:noFill/>
+        </p:spPr>
+        <p:txBody>
+          <a:bodyPr wrap="none" rtlCol="0">
+            <a:spAutoFit/>
+          </a:bodyPr>
+          <a:lstStyle/>
+          <a:p>
+            <a:r>
+              <a:rPr lang="en-US" sz="1400" dirty="0" err="1" smtClean="0"/>
+              <a:t>T</a:t>
+            </a:r>
+            <a:r>
+              <a:rPr lang="en-US" sz="1400" baseline="-25000" dirty="0" err="1" smtClean="0"/>
+              <a:t>u</a:t>
+            </a:r>
+            <a:endParaRPr lang="en-US" baseline="-25000" dirty="0"/>
+          </a:p>
+        </p:txBody>
+      </p:sp>
+      <p:sp>
+        <p:nvSpPr>
+          <p:cNvPr id="37" name="TextBox 36"/>
+          <p:cNvSpPr txBox="1"/>
+          <p:nvPr/>
+        </p:nvSpPr>
+        <p:spPr>
+          <a:xfrm>
+            <a:off x="3581400" y="2057400"/>
+            <a:ext cx="315727" cy="307777"/>
+          </a:xfrm>
+          <a:prstGeom prst="rect">
+            <a:avLst/>
+          </a:prstGeom>
+          <a:noFill/>
+        </p:spPr>
+        <p:txBody>
+          <a:bodyPr wrap="none" rtlCol="0">
+            <a:spAutoFit/>
+          </a:bodyPr>
+          <a:lstStyle/>
+          <a:p>
+            <a:r>
+              <a:rPr lang="en-US" sz="1400" dirty="0" err="1" smtClean="0"/>
+              <a:t>T</a:t>
+            </a:r>
+            <a:r>
+              <a:rPr lang="en-US" sz="1400" baseline="-25000" dirty="0" err="1" smtClean="0"/>
+              <a:t>g</a:t>
+            </a:r>
+            <a:endParaRPr lang="en-US" baseline="-25000" dirty="0"/>
+          </a:p>
+        </p:txBody>
+      </p:sp>
+      <p:sp>
+        <p:nvSpPr>
+          <p:cNvPr id="38" name="TextBox 37"/>
+          <p:cNvSpPr txBox="1"/>
+          <p:nvPr/>
+        </p:nvSpPr>
+        <p:spPr>
+          <a:xfrm>
+            <a:off x="3276600" y="3124200"/>
+            <a:ext cx="335348" cy="307777"/>
+          </a:xfrm>
+          <a:prstGeom prst="rect">
+            <a:avLst/>
+          </a:prstGeom>
+          <a:noFill/>
+        </p:spPr>
+        <p:txBody>
+          <a:bodyPr wrap="none" rtlCol="0">
+            <a:spAutoFit/>
+          </a:bodyPr>
+          <a:lstStyle/>
+          <a:p>
+            <a:r>
+              <a:rPr lang="en-US" sz="1400" dirty="0" smtClean="0"/>
+              <a:t>T</a:t>
+            </a:r>
+            <a:r>
+              <a:rPr lang="en-US" sz="1400" baseline="-25000" dirty="0" smtClean="0"/>
+              <a:t>b</a:t>
+            </a:r>
+            <a:endParaRPr lang="en-US" baseline="-25000" dirty="0"/>
+          </a:p>
+        </p:txBody>
+      </p:sp>
+      <p:sp>
+        <p:nvSpPr>
+          <p:cNvPr id="39" name="TextBox 38"/>
+          <p:cNvSpPr txBox="1"/>
+          <p:nvPr/>
+        </p:nvSpPr>
+        <p:spPr>
+          <a:xfrm>
+            <a:off x="4038600" y="3124200"/>
+            <a:ext cx="316177" cy="307777"/>
+          </a:xfrm>
+          <a:prstGeom prst="rect">
+            <a:avLst/>
+          </a:prstGeom>
+          <a:noFill/>
+        </p:spPr>
+        <p:txBody>
+          <a:bodyPr wrap="none" rtlCol="0">
+            <a:spAutoFit/>
+          </a:bodyPr>
+          <a:lstStyle/>
+          <a:p>
+            <a:r>
+              <a:rPr lang="en-US" sz="1400" dirty="0" smtClean="0"/>
+              <a:t>T</a:t>
+            </a:r>
+            <a:r>
+              <a:rPr lang="en-US" sz="1400" baseline="-25000" dirty="0" smtClean="0"/>
+              <a:t>e</a:t>
+            </a:r>
+            <a:endParaRPr lang="en-US" baseline="-25000" dirty="0"/>
+          </a:p>
+        </p:txBody>
+      </p:sp>
+      <p:sp>
+        <p:nvSpPr>
+          <p:cNvPr id="40" name="TextBox 39"/>
+          <p:cNvSpPr txBox="1"/>
+          <p:nvPr/>
+        </p:nvSpPr>
+        <p:spPr>
+          <a:xfrm>
+            <a:off x="3657600" y="4267200"/>
+            <a:ext cx="324191" cy="307777"/>
+          </a:xfrm>
+          <a:prstGeom prst="rect">
+            <a:avLst/>
+          </a:prstGeom>
+          <a:noFill/>
+        </p:spPr>
+        <p:txBody>
+          <a:bodyPr wrap="none" rtlCol="0">
+            <a:spAutoFit/>
+          </a:bodyPr>
+          <a:lstStyle/>
+          <a:p>
+            <a:r>
+              <a:rPr lang="en-US" sz="1400" dirty="0" err="1" smtClean="0"/>
+              <a:t>T</a:t>
+            </a:r>
+            <a:r>
+              <a:rPr lang="en-US" sz="1400" baseline="-25000" dirty="0" err="1" smtClean="0"/>
+              <a:t>u</a:t>
+            </a:r>
+            <a:endParaRPr lang="en-US" baseline="-25000" dirty="0"/>
+          </a:p>
+        </p:txBody>
+      </p:sp>
+      <p:sp>
+        <p:nvSpPr>
+          <p:cNvPr id="41" name="TextBox 40"/>
+          <p:cNvSpPr txBox="1"/>
+          <p:nvPr/>
+        </p:nvSpPr>
+        <p:spPr>
+          <a:xfrm>
+            <a:off x="3657600" y="5257800"/>
+            <a:ext cx="324191" cy="307777"/>
+          </a:xfrm>
+          <a:prstGeom prst="rect">
+            <a:avLst/>
+          </a:prstGeom>
+          <a:noFill/>
+        </p:spPr>
+        <p:txBody>
+          <a:bodyPr wrap="none" rtlCol="0">
+            <a:spAutoFit/>
+          </a:bodyPr>
+          <a:lstStyle/>
+          <a:p>
+            <a:r>
+              <a:rPr lang="en-US" sz="1400" dirty="0" err="1" smtClean="0"/>
+              <a:t>T</a:t>
+            </a:r>
+            <a:r>
+              <a:rPr lang="en-US" sz="1400" baseline="-25000" dirty="0" err="1" smtClean="0"/>
+              <a:t>g</a:t>
+            </a:r>
+            <a:endParaRPr lang="en-US" baseline="-25000" dirty="0"/>
+          </a:p>
+        </p:txBody>
+      </p:sp>
+    </p:spTree>
+  </p:cSld>
+  <p:clrMapOvr>
+    <a:masterClrMapping/>
+  </p:clrMapOvr>
+</p:sld>
+</file>
+
+<file path=ppt/slides/slide10.xml><?xml version="1.0" encoding="utf-8"?>
+<p:sld xmlns:a="http://schemas.openxmlformats.org/drawingml/2006/main" xmlns:r="http://schemas.openxmlformats.org/officeDocument/2006/relationships" xmlns:p="http://schemas.openxmlformats.org/presentationml/2006/main">
+  <p:cSld>
+    <p:spTree>
+      <p:nvGrpSpPr>
+        <p:cNvPr id="1" name=""/>
+        <p:cNvGrpSpPr/>
+        <p:nvPr/>
+      </p:nvGrpSpPr>
+      <p:grpSpPr>
+        <a:xfrm>
+          <a:off x="0" y="0"/>
+          <a:ext cx="0" cy="0"/>
+          <a:chOff x="0" y="0"/>
+          <a:chExt cx="0" cy="0"/>
+        </a:xfrm>
+      </p:grpSpPr>
+      <p:sp>
+        <p:nvSpPr>
+          <p:cNvPr id="7" name="Rounded Rectangle 6"/>
+          <p:cNvSpPr/>
+          <p:nvPr/>
+        </p:nvSpPr>
+        <p:spPr>
+          <a:xfrm>
+            <a:off x="3048000" y="3352800"/>
+            <a:ext cx="762000" cy="762000"/>
+          </a:xfrm>
+          <a:prstGeom prst="roundRect">
+            <a:avLst/>
+          </a:prstGeom>
+        </p:spPr>
+        <p:style>
+          <a:lnRef idx="1">
+            <a:schemeClr val="accent1"/>
+          </a:lnRef>
+          <a:fillRef idx="2">
+            <a:schemeClr val="accent1"/>
+          </a:fillRef>
+          <a:effectRef idx="1">
+            <a:schemeClr val="accent1"/>
+          </a:effectRef>
+          <a:fontRef idx="minor">
+            <a:schemeClr val="dk1"/>
+          </a:fontRef>
+        </p:style>
+        <p:txBody>
+          <a:bodyPr rtlCol="0" anchor="ctr"/>
+          <a:lstStyle/>
+          <a:p>
+            <a:pPr algn="ctr"/>
+            <a:r>
+              <a:rPr lang="en-US" sz="1050" dirty="0" smtClean="0"/>
+              <a:t>Cook</a:t>
+            </a:r>
+            <a:endParaRPr lang="en-US" sz="1050" dirty="0"/>
+          </a:p>
+        </p:txBody>
+      </p:sp>
+      <p:sp>
+        <p:nvSpPr>
+          <p:cNvPr id="8" name="Rectangle 7"/>
+          <p:cNvSpPr/>
+          <p:nvPr/>
+        </p:nvSpPr>
+        <p:spPr>
+          <a:xfrm>
+            <a:off x="6705600" y="3352800"/>
+            <a:ext cx="762000" cy="762000"/>
+          </a:xfrm>
+          <a:prstGeom prst="rect">
+            <a:avLst/>
+          </a:prstGeom>
+        </p:spPr>
+        <p:style>
+          <a:lnRef idx="1">
+            <a:schemeClr val="accent1"/>
+          </a:lnRef>
+          <a:fillRef idx="2">
+            <a:schemeClr val="accent1"/>
+          </a:fillRef>
+          <a:effectRef idx="1">
+            <a:schemeClr val="accent1"/>
+          </a:effectRef>
+          <a:fontRef idx="minor">
+            <a:schemeClr val="dk1"/>
+          </a:fontRef>
+        </p:style>
+        <p:txBody>
+          <a:bodyPr rtlCol="0" anchor="ctr"/>
+          <a:lstStyle/>
+          <a:p>
+            <a:pPr algn="ctr"/>
+            <a:r>
+              <a:rPr lang="en-US" sz="1050" dirty="0" smtClean="0"/>
+              <a:t>Mix</a:t>
+            </a:r>
+            <a:endParaRPr lang="en-US" sz="1050" baseline="-25000" dirty="0"/>
+          </a:p>
+        </p:txBody>
+      </p:sp>
+      <p:sp>
+        <p:nvSpPr>
+          <p:cNvPr id="10" name="Oval 9"/>
+          <p:cNvSpPr/>
+          <p:nvPr/>
+        </p:nvSpPr>
+        <p:spPr>
+          <a:xfrm>
+            <a:off x="3657600" y="4191000"/>
+            <a:ext cx="762000" cy="762000"/>
+          </a:xfrm>
+          <a:prstGeom prst="ellipse">
+            <a:avLst/>
+          </a:prstGeom>
+        </p:spPr>
+        <p:style>
+          <a:lnRef idx="1">
+            <a:schemeClr val="accent1"/>
+          </a:lnRef>
+          <a:fillRef idx="2">
+            <a:schemeClr val="accent1"/>
+          </a:fillRef>
+          <a:effectRef idx="1">
+            <a:schemeClr val="accent1"/>
+          </a:effectRef>
+          <a:fontRef idx="minor">
+            <a:schemeClr val="dk1"/>
+          </a:fontRef>
+        </p:style>
+        <p:txBody>
+          <a:bodyPr rtlCol="0" anchor="ctr"/>
+          <a:lstStyle/>
+          <a:p>
+            <a:pPr algn="ctr"/>
+            <a:r>
+              <a:rPr lang="en-US" sz="1050" dirty="0" smtClean="0"/>
+              <a:t>Eggs</a:t>
+            </a:r>
+          </a:p>
+        </p:txBody>
+      </p:sp>
+      <p:sp>
+        <p:nvSpPr>
+          <p:cNvPr id="11" name="Oval 10"/>
+          <p:cNvSpPr/>
+          <p:nvPr/>
+        </p:nvSpPr>
+        <p:spPr>
+          <a:xfrm>
+            <a:off x="4876800" y="2590800"/>
+            <a:ext cx="762000" cy="762000"/>
+          </a:xfrm>
+          <a:prstGeom prst="ellipse">
+            <a:avLst/>
+          </a:prstGeom>
+        </p:spPr>
+        <p:style>
+          <a:lnRef idx="1">
+            <a:schemeClr val="accent1"/>
+          </a:lnRef>
+          <a:fillRef idx="2">
+            <a:schemeClr val="accent1"/>
+          </a:fillRef>
+          <a:effectRef idx="1">
+            <a:schemeClr val="accent1"/>
+          </a:effectRef>
+          <a:fontRef idx="minor">
+            <a:schemeClr val="dk1"/>
+          </a:fontRef>
+        </p:style>
+        <p:txBody>
+          <a:bodyPr rtlCol="0" anchor="ctr"/>
+          <a:lstStyle/>
+          <a:p>
+            <a:pPr algn="ctr"/>
+            <a:r>
+              <a:rPr lang="en-US" sz="1050" dirty="0" smtClean="0"/>
+              <a:t>Flour</a:t>
+            </a:r>
+          </a:p>
+        </p:txBody>
+      </p:sp>
+      <p:sp>
+        <p:nvSpPr>
+          <p:cNvPr id="12" name="Oval 11"/>
+          <p:cNvSpPr/>
+          <p:nvPr/>
+        </p:nvSpPr>
+        <p:spPr>
+          <a:xfrm>
+            <a:off x="5638800" y="1905000"/>
+            <a:ext cx="762000" cy="762000"/>
+          </a:xfrm>
+          <a:prstGeom prst="ellipse">
+            <a:avLst/>
+          </a:prstGeom>
+        </p:spPr>
+        <p:style>
+          <a:lnRef idx="1">
+            <a:schemeClr val="accent1"/>
+          </a:lnRef>
+          <a:fillRef idx="2">
+            <a:schemeClr val="accent1"/>
+          </a:fillRef>
+          <a:effectRef idx="1">
+            <a:schemeClr val="accent1"/>
+          </a:effectRef>
+          <a:fontRef idx="minor">
+            <a:schemeClr val="dk1"/>
+          </a:fontRef>
+        </p:style>
+        <p:txBody>
+          <a:bodyPr rtlCol="0" anchor="ctr"/>
+          <a:lstStyle/>
+          <a:p>
+            <a:pPr algn="ctr"/>
+            <a:r>
+              <a:rPr lang="en-US" sz="1050" dirty="0" smtClean="0"/>
+              <a:t>Butter</a:t>
+            </a:r>
+          </a:p>
+        </p:txBody>
+      </p:sp>
+      <p:sp>
+        <p:nvSpPr>
+          <p:cNvPr id="15" name="Oval 14"/>
+          <p:cNvSpPr/>
+          <p:nvPr/>
+        </p:nvSpPr>
+        <p:spPr>
+          <a:xfrm>
+            <a:off x="6477000" y="4724400"/>
+            <a:ext cx="762000" cy="762000"/>
+          </a:xfrm>
+          <a:prstGeom prst="ellipse">
+            <a:avLst/>
+          </a:prstGeom>
+        </p:spPr>
+        <p:style>
+          <a:lnRef idx="1">
+            <a:schemeClr val="accent1"/>
+          </a:lnRef>
+          <a:fillRef idx="2">
+            <a:schemeClr val="accent1"/>
+          </a:fillRef>
+          <a:effectRef idx="1">
+            <a:schemeClr val="accent1"/>
+          </a:effectRef>
+          <a:fontRef idx="minor">
+            <a:schemeClr val="dk1"/>
+          </a:fontRef>
+        </p:style>
+        <p:txBody>
+          <a:bodyPr rtlCol="0" anchor="ctr"/>
+          <a:lstStyle/>
+          <a:p>
+            <a:pPr algn="ctr"/>
+            <a:r>
+              <a:rPr lang="en-US" sz="1050" dirty="0" smtClean="0"/>
+              <a:t>Sugar</a:t>
+            </a:r>
+          </a:p>
+        </p:txBody>
+      </p:sp>
+      <p:cxnSp>
+        <p:nvCxnSpPr>
+          <p:cNvPr id="24" name="Straight Arrow Connector 23"/>
+          <p:cNvCxnSpPr>
+            <a:stCxn id="8" idx="1"/>
+            <a:endCxn id="7" idx="3"/>
+          </p:cNvCxnSpPr>
+          <p:nvPr/>
+        </p:nvCxnSpPr>
+        <p:spPr>
+          <a:xfrm flipH="1">
+            <a:off x="3810000" y="3733800"/>
+            <a:ext cx="2895600" cy="0"/>
+          </a:xfrm>
+          <a:prstGeom prst="straightConnector1">
+            <a:avLst/>
+          </a:prstGeom>
+          <a:ln>
+            <a:tailEnd type="arrow"/>
+          </a:ln>
+        </p:spPr>
+        <p:style>
+          <a:lnRef idx="2">
+            <a:schemeClr val="dk1"/>
+          </a:lnRef>
+          <a:fillRef idx="0">
+            <a:schemeClr val="dk1"/>
+          </a:fillRef>
+          <a:effectRef idx="1">
+            <a:schemeClr val="dk1"/>
+          </a:effectRef>
+          <a:fontRef idx="minor">
+            <a:schemeClr val="tx1"/>
+          </a:fontRef>
+        </p:style>
+      </p:cxnSp>
+      <p:cxnSp>
+        <p:nvCxnSpPr>
+          <p:cNvPr id="30" name="Straight Arrow Connector 29"/>
+          <p:cNvCxnSpPr>
+            <a:stCxn id="8" idx="2"/>
+            <a:endCxn id="10" idx="6"/>
+          </p:cNvCxnSpPr>
+          <p:nvPr/>
+        </p:nvCxnSpPr>
+        <p:spPr>
+          <a:xfrm flipH="1">
+            <a:off x="4419600" y="4114800"/>
+            <a:ext cx="2667000" cy="457200"/>
+          </a:xfrm>
+          <a:prstGeom prst="straightConnector1">
+            <a:avLst/>
+          </a:prstGeom>
+          <a:ln>
+            <a:tailEnd type="arrow"/>
+          </a:ln>
+        </p:spPr>
+        <p:style>
+          <a:lnRef idx="2">
+            <a:schemeClr val="dk1"/>
+          </a:lnRef>
+          <a:fillRef idx="0">
+            <a:schemeClr val="dk1"/>
+          </a:fillRef>
+          <a:effectRef idx="1">
+            <a:schemeClr val="dk1"/>
+          </a:effectRef>
+          <a:fontRef idx="minor">
+            <a:schemeClr val="tx1"/>
+          </a:fontRef>
+        </p:style>
+      </p:cxnSp>
+      <p:cxnSp>
+        <p:nvCxnSpPr>
+          <p:cNvPr id="36" name="Straight Arrow Connector 35"/>
+          <p:cNvCxnSpPr>
+            <a:stCxn id="8" idx="2"/>
+            <a:endCxn id="15" idx="0"/>
+          </p:cNvCxnSpPr>
+          <p:nvPr/>
+        </p:nvCxnSpPr>
+        <p:spPr>
+          <a:xfrm flipH="1">
+            <a:off x="6858000" y="4114800"/>
+            <a:ext cx="228600" cy="609600"/>
+          </a:xfrm>
+          <a:prstGeom prst="straightConnector1">
+            <a:avLst/>
+          </a:prstGeom>
+          <a:ln>
+            <a:tailEnd type="arrow"/>
+          </a:ln>
+        </p:spPr>
+        <p:style>
+          <a:lnRef idx="2">
+            <a:schemeClr val="dk1"/>
+          </a:lnRef>
+          <a:fillRef idx="0">
+            <a:schemeClr val="dk1"/>
+          </a:fillRef>
+          <a:effectRef idx="1">
+            <a:schemeClr val="dk1"/>
+          </a:effectRef>
+          <a:fontRef idx="minor">
+            <a:schemeClr val="tx1"/>
+          </a:fontRef>
+        </p:style>
+      </p:cxnSp>
+      <p:cxnSp>
+        <p:nvCxnSpPr>
+          <p:cNvPr id="39" name="Straight Arrow Connector 38"/>
+          <p:cNvCxnSpPr>
+            <a:stCxn id="8" idx="0"/>
+            <a:endCxn id="12" idx="5"/>
+          </p:cNvCxnSpPr>
+          <p:nvPr/>
+        </p:nvCxnSpPr>
+        <p:spPr>
+          <a:xfrm flipH="1" flipV="1">
+            <a:off x="6289208" y="2555408"/>
+            <a:ext cx="797392" cy="797392"/>
+          </a:xfrm>
+          <a:prstGeom prst="straightConnector1">
+            <a:avLst/>
+          </a:prstGeom>
+          <a:ln>
+            <a:tailEnd type="arrow"/>
+          </a:ln>
+        </p:spPr>
+        <p:style>
+          <a:lnRef idx="2">
+            <a:schemeClr val="dk1"/>
+          </a:lnRef>
+          <a:fillRef idx="0">
+            <a:schemeClr val="dk1"/>
+          </a:fillRef>
+          <a:effectRef idx="1">
+            <a:schemeClr val="dk1"/>
+          </a:effectRef>
+          <a:fontRef idx="minor">
+            <a:schemeClr val="tx1"/>
+          </a:fontRef>
+        </p:style>
+      </p:cxnSp>
+      <p:cxnSp>
+        <p:nvCxnSpPr>
+          <p:cNvPr id="42" name="Straight Arrow Connector 41"/>
+          <p:cNvCxnSpPr>
+            <a:stCxn id="8" idx="0"/>
+            <a:endCxn id="11" idx="6"/>
+          </p:cNvCxnSpPr>
+          <p:nvPr/>
+        </p:nvCxnSpPr>
+        <p:spPr>
+          <a:xfrm flipH="1" flipV="1">
+            <a:off x="5638800" y="2971800"/>
+            <a:ext cx="1447800" cy="381000"/>
+          </a:xfrm>
+          <a:prstGeom prst="straightConnector1">
+            <a:avLst/>
+          </a:prstGeom>
+          <a:ln>
+            <a:tailEnd type="arrow"/>
+          </a:ln>
+        </p:spPr>
+        <p:style>
+          <a:lnRef idx="2">
+            <a:schemeClr val="dk1"/>
+          </a:lnRef>
+          <a:fillRef idx="0">
+            <a:schemeClr val="dk1"/>
+          </a:fillRef>
+          <a:effectRef idx="1">
+            <a:schemeClr val="dk1"/>
+          </a:effectRef>
+          <a:fontRef idx="minor">
+            <a:schemeClr val="tx1"/>
+          </a:fontRef>
+        </p:style>
+      </p:cxnSp>
+      <p:sp>
+        <p:nvSpPr>
+          <p:cNvPr id="60" name="TextBox 59"/>
+          <p:cNvSpPr txBox="1"/>
+          <p:nvPr/>
+        </p:nvSpPr>
+        <p:spPr>
+          <a:xfrm>
+            <a:off x="4724400" y="3581400"/>
+            <a:ext cx="1232324" cy="276999"/>
+          </a:xfrm>
+          <a:prstGeom prst="rect">
+            <a:avLst/>
+          </a:prstGeom>
+          <a:solidFill>
+            <a:schemeClr val="lt1"/>
+          </a:solidFill>
+          <a:ln w="12700"/>
+        </p:spPr>
+        <p:style>
+          <a:lnRef idx="2">
+            <a:schemeClr val="dk1"/>
+          </a:lnRef>
+          <a:fillRef idx="1">
+            <a:schemeClr val="lt1"/>
+          </a:fillRef>
+          <a:effectRef idx="0">
+            <a:schemeClr val="dk1"/>
+          </a:effectRef>
+          <a:fontRef idx="minor">
+            <a:schemeClr val="dk1"/>
+          </a:fontRef>
+        </p:style>
+        <p:txBody>
+          <a:bodyPr wrap="none" rtlCol="0">
+            <a:spAutoFit/>
+          </a:bodyPr>
+          <a:lstStyle/>
+          <a:p>
+            <a:pPr algn="ctr"/>
+            <a:r>
+              <a:rPr lang="en-US" sz="1200" dirty="0" err="1" smtClean="0"/>
+              <a:t>wasControlledBy</a:t>
+            </a:r>
+            <a:endParaRPr lang="en-US" sz="1200" dirty="0" smtClean="0"/>
+          </a:p>
+        </p:txBody>
+      </p:sp>
+      <p:sp>
+        <p:nvSpPr>
+          <p:cNvPr id="64" name="TextBox 63"/>
+          <p:cNvSpPr txBox="1"/>
+          <p:nvPr/>
+        </p:nvSpPr>
+        <p:spPr>
+          <a:xfrm>
+            <a:off x="6553200" y="2743200"/>
+            <a:ext cx="502061" cy="276999"/>
+          </a:xfrm>
+          <a:prstGeom prst="rect">
+            <a:avLst/>
+          </a:prstGeom>
+          <a:solidFill>
+            <a:schemeClr val="lt1"/>
+          </a:solidFill>
+          <a:ln w="12700"/>
+        </p:spPr>
+        <p:style>
+          <a:lnRef idx="2">
+            <a:schemeClr val="dk1"/>
+          </a:lnRef>
+          <a:fillRef idx="1">
+            <a:schemeClr val="lt1"/>
+          </a:fillRef>
+          <a:effectRef idx="0">
+            <a:schemeClr val="dk1"/>
+          </a:effectRef>
+          <a:fontRef idx="minor">
+            <a:schemeClr val="dk1"/>
+          </a:fontRef>
+        </p:style>
+        <p:txBody>
+          <a:bodyPr wrap="none" rtlCol="0">
+            <a:spAutoFit/>
+          </a:bodyPr>
+          <a:lstStyle/>
+          <a:p>
+            <a:r>
+              <a:rPr lang="en-US" sz="1200" dirty="0" smtClean="0"/>
+              <a:t>Used</a:t>
+            </a:r>
+            <a:endParaRPr lang="en-US" sz="1200" dirty="0"/>
+          </a:p>
+        </p:txBody>
+      </p:sp>
+      <p:sp>
+        <p:nvSpPr>
+          <p:cNvPr id="108" name="TextBox 107"/>
+          <p:cNvSpPr txBox="1"/>
+          <p:nvPr/>
+        </p:nvSpPr>
+        <p:spPr>
+          <a:xfrm>
+            <a:off x="4876800" y="4267200"/>
+            <a:ext cx="502061" cy="276999"/>
+          </a:xfrm>
+          <a:prstGeom prst="rect">
+            <a:avLst/>
+          </a:prstGeom>
+          <a:solidFill>
+            <a:schemeClr val="lt1"/>
+          </a:solidFill>
+          <a:ln w="12700"/>
+        </p:spPr>
+        <p:style>
+          <a:lnRef idx="2">
+            <a:schemeClr val="dk1"/>
+          </a:lnRef>
+          <a:fillRef idx="1">
+            <a:schemeClr val="lt1"/>
+          </a:fillRef>
+          <a:effectRef idx="0">
+            <a:schemeClr val="dk1"/>
+          </a:effectRef>
+          <a:fontRef idx="minor">
+            <a:schemeClr val="dk1"/>
+          </a:fontRef>
+        </p:style>
+        <p:txBody>
+          <a:bodyPr wrap="none" rtlCol="0">
+            <a:spAutoFit/>
+          </a:bodyPr>
+          <a:lstStyle/>
+          <a:p>
+            <a:r>
+              <a:rPr lang="en-US" sz="1200" dirty="0" smtClean="0"/>
+              <a:t>Used</a:t>
+            </a:r>
+            <a:endParaRPr lang="en-US" sz="1200" dirty="0" smtClean="0"/>
+          </a:p>
+        </p:txBody>
+      </p:sp>
+      <p:sp>
+        <p:nvSpPr>
+          <p:cNvPr id="109" name="TextBox 108"/>
+          <p:cNvSpPr txBox="1"/>
+          <p:nvPr/>
+        </p:nvSpPr>
+        <p:spPr>
+          <a:xfrm>
+            <a:off x="5943600" y="3048000"/>
+            <a:ext cx="502061" cy="276999"/>
+          </a:xfrm>
+          <a:prstGeom prst="rect">
+            <a:avLst/>
+          </a:prstGeom>
+          <a:solidFill>
+            <a:schemeClr val="lt1"/>
+          </a:solidFill>
+          <a:ln w="12700"/>
+        </p:spPr>
+        <p:style>
+          <a:lnRef idx="2">
+            <a:schemeClr val="dk1"/>
+          </a:lnRef>
+          <a:fillRef idx="1">
+            <a:schemeClr val="lt1"/>
+          </a:fillRef>
+          <a:effectRef idx="0">
+            <a:schemeClr val="dk1"/>
+          </a:effectRef>
+          <a:fontRef idx="minor">
+            <a:schemeClr val="dk1"/>
+          </a:fontRef>
+        </p:style>
+        <p:txBody>
+          <a:bodyPr wrap="none" rtlCol="0">
+            <a:spAutoFit/>
+          </a:bodyPr>
+          <a:lstStyle/>
+          <a:p>
+            <a:r>
+              <a:rPr lang="en-US" sz="1200" dirty="0" smtClean="0"/>
+              <a:t>Used</a:t>
+            </a:r>
+            <a:endParaRPr lang="en-US" sz="1200" dirty="0" smtClean="0"/>
+          </a:p>
+        </p:txBody>
+      </p:sp>
+      <p:sp>
+        <p:nvSpPr>
+          <p:cNvPr id="131" name="TextBox 130"/>
+          <p:cNvSpPr txBox="1"/>
+          <p:nvPr/>
+        </p:nvSpPr>
+        <p:spPr>
+          <a:xfrm>
+            <a:off x="6889339" y="4267200"/>
+            <a:ext cx="502061" cy="276999"/>
+          </a:xfrm>
+          <a:prstGeom prst="rect">
+            <a:avLst/>
+          </a:prstGeom>
+          <a:solidFill>
+            <a:schemeClr val="lt1"/>
+          </a:solidFill>
+          <a:ln w="12700"/>
+        </p:spPr>
+        <p:style>
+          <a:lnRef idx="2">
+            <a:schemeClr val="dk1"/>
+          </a:lnRef>
+          <a:fillRef idx="1">
+            <a:schemeClr val="lt1"/>
+          </a:fillRef>
+          <a:effectRef idx="0">
+            <a:schemeClr val="dk1"/>
+          </a:effectRef>
+          <a:fontRef idx="minor">
+            <a:schemeClr val="dk1"/>
+          </a:fontRef>
+        </p:style>
+        <p:txBody>
+          <a:bodyPr wrap="none" rtlCol="0">
+            <a:spAutoFit/>
+          </a:bodyPr>
+          <a:lstStyle/>
+          <a:p>
+            <a:r>
+              <a:rPr lang="en-US" sz="1200" dirty="0" smtClean="0"/>
+              <a:t>Used</a:t>
+            </a:r>
+            <a:endParaRPr lang="en-US" sz="1200" dirty="0" smtClean="0"/>
+          </a:p>
+        </p:txBody>
+      </p:sp>
+      <p:sp>
+        <p:nvSpPr>
+          <p:cNvPr id="65" name="Oval 64"/>
+          <p:cNvSpPr/>
+          <p:nvPr/>
+        </p:nvSpPr>
+        <p:spPr>
+          <a:xfrm>
+            <a:off x="5029200" y="4648200"/>
+            <a:ext cx="762000" cy="762000"/>
+          </a:xfrm>
+          <a:prstGeom prst="ellipse">
+            <a:avLst/>
+          </a:prstGeom>
+        </p:spPr>
+        <p:style>
+          <a:lnRef idx="1">
+            <a:schemeClr val="accent1"/>
+          </a:lnRef>
+          <a:fillRef idx="2">
+            <a:schemeClr val="accent1"/>
+          </a:fillRef>
+          <a:effectRef idx="1">
+            <a:schemeClr val="accent1"/>
+          </a:effectRef>
+          <a:fontRef idx="minor">
+            <a:schemeClr val="dk1"/>
+          </a:fontRef>
+        </p:style>
+        <p:txBody>
+          <a:bodyPr rtlCol="0" anchor="ctr"/>
+          <a:lstStyle/>
+          <a:p>
+            <a:pPr algn="ctr"/>
+            <a:r>
+              <a:rPr lang="en-US" sz="1050" dirty="0" smtClean="0"/>
+              <a:t>Hand Mixer</a:t>
+            </a:r>
+          </a:p>
+        </p:txBody>
+      </p:sp>
+      <p:cxnSp>
+        <p:nvCxnSpPr>
+          <p:cNvPr id="69" name="Straight Arrow Connector 68"/>
+          <p:cNvCxnSpPr>
+            <a:stCxn id="8" idx="2"/>
+            <a:endCxn id="65" idx="7"/>
+          </p:cNvCxnSpPr>
+          <p:nvPr/>
+        </p:nvCxnSpPr>
+        <p:spPr>
+          <a:xfrm flipH="1">
+            <a:off x="5679608" y="4114800"/>
+            <a:ext cx="1406992" cy="644992"/>
+          </a:xfrm>
+          <a:prstGeom prst="straightConnector1">
+            <a:avLst/>
+          </a:prstGeom>
+          <a:ln>
+            <a:tailEnd type="arrow"/>
+          </a:ln>
+        </p:spPr>
+        <p:style>
+          <a:lnRef idx="2">
+            <a:schemeClr val="dk1"/>
+          </a:lnRef>
+          <a:fillRef idx="0">
+            <a:schemeClr val="dk1"/>
+          </a:fillRef>
+          <a:effectRef idx="1">
+            <a:schemeClr val="dk1"/>
+          </a:effectRef>
+          <a:fontRef idx="minor">
+            <a:schemeClr val="tx1"/>
+          </a:fontRef>
+        </p:style>
+      </p:cxnSp>
+      <p:sp>
+        <p:nvSpPr>
+          <p:cNvPr id="70" name="TextBox 69"/>
+          <p:cNvSpPr txBox="1"/>
+          <p:nvPr/>
+        </p:nvSpPr>
+        <p:spPr>
+          <a:xfrm>
+            <a:off x="5943600" y="4419600"/>
+            <a:ext cx="502061" cy="276999"/>
+          </a:xfrm>
+          <a:prstGeom prst="rect">
+            <a:avLst/>
+          </a:prstGeom>
+          <a:solidFill>
+            <a:schemeClr val="lt1"/>
+          </a:solidFill>
+          <a:ln w="12700"/>
+        </p:spPr>
+        <p:style>
+          <a:lnRef idx="2">
+            <a:schemeClr val="dk1"/>
+          </a:lnRef>
+          <a:fillRef idx="1">
+            <a:schemeClr val="lt1"/>
+          </a:fillRef>
+          <a:effectRef idx="0">
+            <a:schemeClr val="dk1"/>
+          </a:effectRef>
+          <a:fontRef idx="minor">
+            <a:schemeClr val="dk1"/>
+          </a:fontRef>
+        </p:style>
+        <p:txBody>
+          <a:bodyPr wrap="none" rtlCol="0">
+            <a:spAutoFit/>
+          </a:bodyPr>
+          <a:lstStyle/>
+          <a:p>
+            <a:r>
+              <a:rPr lang="en-US" sz="1200" dirty="0" smtClean="0"/>
+              <a:t>Used</a:t>
+            </a:r>
+            <a:endParaRPr lang="en-US" sz="1200" dirty="0" smtClean="0"/>
+          </a:p>
+        </p:txBody>
+      </p:sp>
+      <p:sp>
+        <p:nvSpPr>
+          <p:cNvPr id="50" name="Oval 49"/>
+          <p:cNvSpPr/>
+          <p:nvPr/>
+        </p:nvSpPr>
+        <p:spPr>
+          <a:xfrm>
+            <a:off x="2743200" y="1981200"/>
+            <a:ext cx="1219200" cy="762000"/>
+          </a:xfrm>
+          <a:prstGeom prst="ellipse">
+            <a:avLst/>
+          </a:prstGeom>
+        </p:spPr>
+        <p:style>
+          <a:lnRef idx="1">
+            <a:schemeClr val="accent1"/>
+          </a:lnRef>
+          <a:fillRef idx="2">
+            <a:schemeClr val="accent1"/>
+          </a:fillRef>
+          <a:effectRef idx="1">
+            <a:schemeClr val="accent1"/>
+          </a:effectRef>
+          <a:fontRef idx="minor">
+            <a:schemeClr val="dk1"/>
+          </a:fontRef>
+        </p:style>
+        <p:txBody>
+          <a:bodyPr rtlCol="0" anchor="ctr"/>
+          <a:lstStyle/>
+          <a:p>
+            <a:pPr algn="ctr"/>
+            <a:r>
+              <a:rPr lang="en-US" sz="1050" dirty="0" smtClean="0"/>
+              <a:t>Instructions: Recipe</a:t>
+            </a:r>
+            <a:endParaRPr lang="en-US" sz="1050" dirty="0" smtClean="0"/>
+          </a:p>
+        </p:txBody>
+      </p:sp>
+      <p:cxnSp>
+        <p:nvCxnSpPr>
+          <p:cNvPr id="52" name="Straight Arrow Connector 51"/>
+          <p:cNvCxnSpPr>
+            <a:endCxn id="50" idx="4"/>
+          </p:cNvCxnSpPr>
+          <p:nvPr/>
+        </p:nvCxnSpPr>
+        <p:spPr>
+          <a:xfrm flipH="1" flipV="1">
+            <a:off x="3352800" y="2743200"/>
+            <a:ext cx="1143000" cy="990600"/>
+          </a:xfrm>
+          <a:prstGeom prst="straightConnector1">
+            <a:avLst/>
+          </a:prstGeom>
+          <a:ln>
+            <a:tailEnd type="arrow"/>
+          </a:ln>
+        </p:spPr>
+        <p:style>
+          <a:lnRef idx="2">
+            <a:schemeClr val="dk1"/>
+          </a:lnRef>
+          <a:fillRef idx="0">
+            <a:schemeClr val="dk1"/>
+          </a:fillRef>
+          <a:effectRef idx="1">
+            <a:schemeClr val="dk1"/>
+          </a:effectRef>
+          <a:fontRef idx="minor">
+            <a:schemeClr val="tx1"/>
+          </a:fontRef>
+        </p:style>
+      </p:cxnSp>
+      <p:sp>
+        <p:nvSpPr>
+          <p:cNvPr id="54" name="TextBox 53"/>
+          <p:cNvSpPr txBox="1"/>
+          <p:nvPr/>
+        </p:nvSpPr>
+        <p:spPr>
+          <a:xfrm>
+            <a:off x="3581400" y="2895600"/>
+            <a:ext cx="688010" cy="276999"/>
+          </a:xfrm>
+          <a:prstGeom prst="rect">
+            <a:avLst/>
+          </a:prstGeom>
+          <a:solidFill>
+            <a:schemeClr val="lt1"/>
+          </a:solidFill>
+          <a:ln w="12700"/>
+        </p:spPr>
+        <p:style>
+          <a:lnRef idx="2">
+            <a:schemeClr val="dk1"/>
+          </a:lnRef>
+          <a:fillRef idx="1">
+            <a:schemeClr val="lt1"/>
+          </a:fillRef>
+          <a:effectRef idx="0">
+            <a:schemeClr val="dk1"/>
+          </a:effectRef>
+          <a:fontRef idx="minor">
+            <a:schemeClr val="dk1"/>
+          </a:fontRef>
+        </p:style>
+        <p:txBody>
+          <a:bodyPr wrap="none" rtlCol="0">
+            <a:spAutoFit/>
+          </a:bodyPr>
+          <a:lstStyle/>
+          <a:p>
+            <a:pPr algn="ctr"/>
+            <a:r>
+              <a:rPr lang="en-US" sz="1200" dirty="0" err="1" smtClean="0"/>
+              <a:t>hadPlan</a:t>
+            </a:r>
+            <a:endParaRPr lang="en-US" sz="1200" dirty="0"/>
+          </a:p>
+        </p:txBody>
+      </p:sp>
+    </p:spTree>
+  </p:cSld>
+  <p:clrMapOvr>
+    <a:masterClrMapping/>
+  </p:clrMapOvr>
+</p:sld>
+</file>
+
+<file path=ppt/slides/slide11.xml><?xml version="1.0" encoding="utf-8"?>
+<p:sld xmlns:a="http://schemas.openxmlformats.org/drawingml/2006/main" xmlns:r="http://schemas.openxmlformats.org/officeDocument/2006/relationships" xmlns:p="http://schemas.openxmlformats.org/presentationml/2006/main">
+  <p:cSld>
+    <p:spTree>
+      <p:nvGrpSpPr>
+        <p:cNvPr id="1" name=""/>
+        <p:cNvGrpSpPr/>
+        <p:nvPr/>
+      </p:nvGrpSpPr>
+      <p:grpSpPr>
+        <a:xfrm>
+          <a:off x="0" y="0"/>
+          <a:ext cx="0" cy="0"/>
+          <a:chOff x="0" y="0"/>
+          <a:chExt cx="0" cy="0"/>
+        </a:xfrm>
+      </p:grpSpPr>
+      <p:sp>
+        <p:nvSpPr>
+          <p:cNvPr id="4" name="Oval 3"/>
+          <p:cNvSpPr/>
+          <p:nvPr/>
+        </p:nvSpPr>
+        <p:spPr>
+          <a:xfrm>
+            <a:off x="8382000" y="4267200"/>
+            <a:ext cx="762000" cy="762000"/>
+          </a:xfrm>
+          <a:prstGeom prst="ellipse">
+            <a:avLst/>
+          </a:prstGeom>
+        </p:spPr>
+        <p:style>
+          <a:lnRef idx="1">
+            <a:schemeClr val="accent1"/>
+          </a:lnRef>
+          <a:fillRef idx="2">
+            <a:schemeClr val="accent1"/>
+          </a:fillRef>
+          <a:effectRef idx="1">
+            <a:schemeClr val="accent1"/>
+          </a:effectRef>
+          <a:fontRef idx="minor">
+            <a:schemeClr val="dk1"/>
+          </a:fontRef>
+        </p:style>
+        <p:txBody>
+          <a:bodyPr rtlCol="0" anchor="ctr"/>
+          <a:lstStyle/>
+          <a:p>
+            <a:pPr algn="ctr"/>
+            <a:r>
+              <a:rPr lang="en-US" sz="1050" dirty="0" smtClean="0"/>
+              <a:t>Cake</a:t>
+            </a:r>
+            <a:endParaRPr lang="en-US" sz="1050" baseline="-25000" dirty="0"/>
+          </a:p>
+        </p:txBody>
+      </p:sp>
+      <p:sp>
+        <p:nvSpPr>
+          <p:cNvPr id="5" name="Rectangle 4"/>
+          <p:cNvSpPr/>
+          <p:nvPr/>
+        </p:nvSpPr>
+        <p:spPr>
+          <a:xfrm>
+            <a:off x="4648200" y="3352800"/>
+            <a:ext cx="762000" cy="762000"/>
+          </a:xfrm>
+          <a:prstGeom prst="rect">
+            <a:avLst/>
+          </a:prstGeom>
+        </p:spPr>
+        <p:style>
+          <a:lnRef idx="1">
+            <a:schemeClr val="accent1"/>
+          </a:lnRef>
+          <a:fillRef idx="2">
+            <a:schemeClr val="accent1"/>
+          </a:fillRef>
+          <a:effectRef idx="1">
+            <a:schemeClr val="accent1"/>
+          </a:effectRef>
+          <a:fontRef idx="minor">
+            <a:schemeClr val="dk1"/>
+          </a:fontRef>
+        </p:style>
+        <p:txBody>
+          <a:bodyPr rtlCol="0" anchor="ctr"/>
+          <a:lstStyle/>
+          <a:p>
+            <a:pPr algn="ctr"/>
+            <a:r>
+              <a:rPr lang="en-US" sz="1050" dirty="0" smtClean="0"/>
+              <a:t>Bake</a:t>
+            </a:r>
+            <a:endParaRPr lang="en-US" sz="1050" baseline="-25000" dirty="0"/>
+          </a:p>
+        </p:txBody>
+      </p:sp>
+      <p:sp>
+        <p:nvSpPr>
+          <p:cNvPr id="7" name="Octagon 6"/>
+          <p:cNvSpPr/>
+          <p:nvPr/>
+        </p:nvSpPr>
+        <p:spPr>
+          <a:xfrm>
+            <a:off x="4038600" y="1600200"/>
+            <a:ext cx="762000" cy="762000"/>
+          </a:xfrm>
+          <a:prstGeom prst="octagon">
+            <a:avLst/>
+          </a:prstGeom>
+        </p:spPr>
+        <p:style>
+          <a:lnRef idx="1">
+            <a:schemeClr val="accent1"/>
+          </a:lnRef>
+          <a:fillRef idx="2">
+            <a:schemeClr val="accent1"/>
+          </a:fillRef>
+          <a:effectRef idx="1">
+            <a:schemeClr val="accent1"/>
+          </a:effectRef>
+          <a:fontRef idx="minor">
+            <a:schemeClr val="dk1"/>
+          </a:fontRef>
+        </p:style>
+        <p:txBody>
+          <a:bodyPr rtlCol="0" anchor="ctr"/>
+          <a:lstStyle/>
+          <a:p>
+            <a:pPr algn="ctr"/>
+            <a:r>
+              <a:rPr lang="en-US" sz="1050" dirty="0" smtClean="0"/>
+              <a:t>Cook</a:t>
+            </a:r>
+            <a:endParaRPr lang="en-US" sz="1050" dirty="0"/>
+          </a:p>
+        </p:txBody>
+      </p:sp>
+      <p:sp>
+        <p:nvSpPr>
+          <p:cNvPr id="8" name="Rectangle 7"/>
+          <p:cNvSpPr/>
+          <p:nvPr/>
+        </p:nvSpPr>
+        <p:spPr>
+          <a:xfrm>
+            <a:off x="2514600" y="3352800"/>
+            <a:ext cx="762000" cy="762000"/>
+          </a:xfrm>
+          <a:prstGeom prst="rect">
+            <a:avLst/>
+          </a:prstGeom>
+        </p:spPr>
+        <p:style>
+          <a:lnRef idx="1">
+            <a:schemeClr val="accent1"/>
+          </a:lnRef>
+          <a:fillRef idx="2">
+            <a:schemeClr val="accent1"/>
+          </a:fillRef>
+          <a:effectRef idx="1">
+            <a:schemeClr val="accent1"/>
+          </a:effectRef>
+          <a:fontRef idx="minor">
+            <a:schemeClr val="dk1"/>
+          </a:fontRef>
+        </p:style>
+        <p:txBody>
+          <a:bodyPr rtlCol="0" anchor="ctr"/>
+          <a:lstStyle/>
+          <a:p>
+            <a:pPr algn="ctr"/>
+            <a:r>
+              <a:rPr lang="en-US" sz="1050" dirty="0" smtClean="0"/>
+              <a:t>Mix</a:t>
+            </a:r>
+            <a:endParaRPr lang="en-US" sz="1050" baseline="-25000" dirty="0"/>
+          </a:p>
+        </p:txBody>
+      </p:sp>
+      <p:cxnSp>
+        <p:nvCxnSpPr>
+          <p:cNvPr id="17" name="Straight Arrow Connector 16"/>
+          <p:cNvCxnSpPr>
+            <a:stCxn id="4" idx="1"/>
+            <a:endCxn id="147" idx="3"/>
+          </p:cNvCxnSpPr>
+          <p:nvPr/>
+        </p:nvCxnSpPr>
+        <p:spPr>
+          <a:xfrm flipH="1" flipV="1">
+            <a:off x="7543800" y="3733800"/>
+            <a:ext cx="949792" cy="644992"/>
+          </a:xfrm>
+          <a:prstGeom prst="straightConnector1">
+            <a:avLst/>
+          </a:prstGeom>
+          <a:ln>
+            <a:tailEnd type="arrow"/>
+          </a:ln>
+        </p:spPr>
+        <p:style>
+          <a:lnRef idx="2">
+            <a:schemeClr val="dk1"/>
+          </a:lnRef>
+          <a:fillRef idx="0">
+            <a:schemeClr val="dk1"/>
+          </a:fillRef>
+          <a:effectRef idx="1">
+            <a:schemeClr val="dk1"/>
+          </a:effectRef>
+          <a:fontRef idx="minor">
+            <a:schemeClr val="tx1"/>
+          </a:fontRef>
+        </p:style>
+      </p:cxnSp>
+      <p:cxnSp>
+        <p:nvCxnSpPr>
+          <p:cNvPr id="18" name="Straight Arrow Connector 17"/>
+          <p:cNvCxnSpPr>
+            <a:stCxn id="5" idx="1"/>
+            <a:endCxn id="8" idx="3"/>
+          </p:cNvCxnSpPr>
+          <p:nvPr/>
+        </p:nvCxnSpPr>
+        <p:spPr>
+          <a:xfrm flipH="1">
+            <a:off x="3276600" y="3733800"/>
+            <a:ext cx="1371600" cy="0"/>
+          </a:xfrm>
+          <a:prstGeom prst="straightConnector1">
+            <a:avLst/>
+          </a:prstGeom>
+          <a:ln>
+            <a:tailEnd type="arrow"/>
+          </a:ln>
+        </p:spPr>
+        <p:style>
+          <a:lnRef idx="2">
+            <a:schemeClr val="dk1"/>
+          </a:lnRef>
+          <a:fillRef idx="0">
+            <a:schemeClr val="dk1"/>
+          </a:fillRef>
+          <a:effectRef idx="1">
+            <a:schemeClr val="dk1"/>
+          </a:effectRef>
+          <a:fontRef idx="minor">
+            <a:schemeClr val="tx1"/>
+          </a:fontRef>
+        </p:style>
+      </p:cxnSp>
+      <p:cxnSp>
+        <p:nvCxnSpPr>
+          <p:cNvPr id="21" name="Straight Arrow Connector 20"/>
+          <p:cNvCxnSpPr>
+            <a:stCxn id="5" idx="0"/>
+            <a:endCxn id="7" idx="1"/>
+          </p:cNvCxnSpPr>
+          <p:nvPr/>
+        </p:nvCxnSpPr>
+        <p:spPr>
+          <a:xfrm flipH="1" flipV="1">
+            <a:off x="4800600" y="2139018"/>
+            <a:ext cx="228600" cy="1213782"/>
+          </a:xfrm>
+          <a:prstGeom prst="straightConnector1">
+            <a:avLst/>
+          </a:prstGeom>
+          <a:ln>
+            <a:tailEnd type="arrow"/>
+          </a:ln>
+        </p:spPr>
+        <p:style>
+          <a:lnRef idx="2">
+            <a:schemeClr val="dk1"/>
+          </a:lnRef>
+          <a:fillRef idx="0">
+            <a:schemeClr val="dk1"/>
+          </a:fillRef>
+          <a:effectRef idx="1">
+            <a:schemeClr val="dk1"/>
+          </a:effectRef>
+          <a:fontRef idx="minor">
+            <a:schemeClr val="tx1"/>
+          </a:fontRef>
+        </p:style>
+      </p:cxnSp>
+      <p:cxnSp>
+        <p:nvCxnSpPr>
+          <p:cNvPr id="24" name="Straight Arrow Connector 23"/>
+          <p:cNvCxnSpPr>
+            <a:stCxn id="8" idx="0"/>
+            <a:endCxn id="7" idx="3"/>
+          </p:cNvCxnSpPr>
+          <p:nvPr/>
+        </p:nvCxnSpPr>
+        <p:spPr>
+          <a:xfrm flipV="1">
+            <a:off x="2895600" y="2362200"/>
+            <a:ext cx="1366182" cy="990600"/>
+          </a:xfrm>
+          <a:prstGeom prst="straightConnector1">
+            <a:avLst/>
+          </a:prstGeom>
+          <a:ln>
+            <a:tailEnd type="arrow"/>
+          </a:ln>
+        </p:spPr>
+        <p:style>
+          <a:lnRef idx="2">
+            <a:schemeClr val="dk1"/>
+          </a:lnRef>
+          <a:fillRef idx="0">
+            <a:schemeClr val="dk1"/>
+          </a:fillRef>
+          <a:effectRef idx="1">
+            <a:schemeClr val="dk1"/>
+          </a:effectRef>
+          <a:fontRef idx="minor">
+            <a:schemeClr val="tx1"/>
+          </a:fontRef>
+        </p:style>
+      </p:cxnSp>
+      <p:sp>
+        <p:nvSpPr>
+          <p:cNvPr id="58" name="TextBox 57"/>
+          <p:cNvSpPr txBox="1"/>
+          <p:nvPr/>
+        </p:nvSpPr>
+        <p:spPr>
+          <a:xfrm>
+            <a:off x="3429000" y="3609201"/>
+            <a:ext cx="1162241" cy="276999"/>
+          </a:xfrm>
+          <a:prstGeom prst="rect">
+            <a:avLst/>
+          </a:prstGeom>
+          <a:solidFill>
+            <a:schemeClr val="lt1"/>
+          </a:solidFill>
+          <a:ln w="12700"/>
+        </p:spPr>
+        <p:style>
+          <a:lnRef idx="2">
+            <a:schemeClr val="dk1"/>
+          </a:lnRef>
+          <a:fillRef idx="1">
+            <a:schemeClr val="lt1"/>
+          </a:fillRef>
+          <a:effectRef idx="0">
+            <a:schemeClr val="dk1"/>
+          </a:effectRef>
+          <a:fontRef idx="minor">
+            <a:schemeClr val="dk1"/>
+          </a:fontRef>
+        </p:style>
+        <p:txBody>
+          <a:bodyPr wrap="none" rtlCol="0">
+            <a:spAutoFit/>
+          </a:bodyPr>
+          <a:lstStyle/>
+          <a:p>
+            <a:r>
+              <a:rPr lang="en-US" sz="1200" dirty="0" err="1" smtClean="0"/>
+              <a:t>wasTriggeredBy</a:t>
+            </a:r>
+            <a:endParaRPr lang="en-US" sz="1200" dirty="0"/>
+          </a:p>
+        </p:txBody>
+      </p:sp>
+      <p:sp>
+        <p:nvSpPr>
+          <p:cNvPr id="59" name="TextBox 58"/>
+          <p:cNvSpPr txBox="1"/>
+          <p:nvPr/>
+        </p:nvSpPr>
+        <p:spPr>
+          <a:xfrm>
+            <a:off x="4419600" y="2590800"/>
+            <a:ext cx="1232325" cy="276999"/>
+          </a:xfrm>
+          <a:prstGeom prst="rect">
+            <a:avLst/>
+          </a:prstGeom>
+          <a:solidFill>
+            <a:schemeClr val="lt1"/>
+          </a:solidFill>
+          <a:ln w="12700"/>
+        </p:spPr>
+        <p:style>
+          <a:lnRef idx="2">
+            <a:schemeClr val="dk1"/>
+          </a:lnRef>
+          <a:fillRef idx="1">
+            <a:schemeClr val="lt1"/>
+          </a:fillRef>
+          <a:effectRef idx="0">
+            <a:schemeClr val="dk1"/>
+          </a:effectRef>
+          <a:fontRef idx="minor">
+            <a:schemeClr val="dk1"/>
+          </a:fontRef>
+        </p:style>
+        <p:txBody>
+          <a:bodyPr wrap="none" rtlCol="0">
+            <a:spAutoFit/>
+          </a:bodyPr>
+          <a:lstStyle/>
+          <a:p>
+            <a:r>
+              <a:rPr lang="en-US" sz="1200" dirty="0" err="1" smtClean="0"/>
+              <a:t>wasControlledBy</a:t>
+            </a:r>
+            <a:endParaRPr lang="en-US" sz="1200" dirty="0"/>
+          </a:p>
+        </p:txBody>
+      </p:sp>
+      <p:sp>
+        <p:nvSpPr>
+          <p:cNvPr id="60" name="TextBox 59"/>
+          <p:cNvSpPr txBox="1"/>
+          <p:nvPr/>
+        </p:nvSpPr>
+        <p:spPr>
+          <a:xfrm>
+            <a:off x="2895600" y="2590800"/>
+            <a:ext cx="1232324" cy="276999"/>
+          </a:xfrm>
+          <a:prstGeom prst="rect">
+            <a:avLst/>
+          </a:prstGeom>
+          <a:solidFill>
+            <a:schemeClr val="lt1"/>
+          </a:solidFill>
+          <a:ln w="12700"/>
+        </p:spPr>
+        <p:style>
+          <a:lnRef idx="2">
+            <a:schemeClr val="dk1"/>
+          </a:lnRef>
+          <a:fillRef idx="1">
+            <a:schemeClr val="lt1"/>
+          </a:fillRef>
+          <a:effectRef idx="0">
+            <a:schemeClr val="dk1"/>
+          </a:effectRef>
+          <a:fontRef idx="minor">
+            <a:schemeClr val="dk1"/>
+          </a:fontRef>
+        </p:style>
+        <p:txBody>
+          <a:bodyPr wrap="none" rtlCol="0">
+            <a:spAutoFit/>
+          </a:bodyPr>
+          <a:lstStyle/>
+          <a:p>
+            <a:pPr algn="ctr"/>
+            <a:r>
+              <a:rPr lang="en-US" sz="1200" dirty="0" err="1" smtClean="0"/>
+              <a:t>wasControlledBy</a:t>
+            </a:r>
+            <a:endParaRPr lang="en-US" sz="1200" dirty="0" smtClean="0"/>
+          </a:p>
+        </p:txBody>
+      </p:sp>
+      <p:sp>
+        <p:nvSpPr>
+          <p:cNvPr id="67" name="TextBox 66"/>
+          <p:cNvSpPr txBox="1"/>
+          <p:nvPr/>
+        </p:nvSpPr>
+        <p:spPr>
+          <a:xfrm>
+            <a:off x="7696200" y="3886200"/>
+            <a:ext cx="1239635" cy="276999"/>
+          </a:xfrm>
+          <a:prstGeom prst="rect">
+            <a:avLst/>
+          </a:prstGeom>
+          <a:solidFill>
+            <a:schemeClr val="lt1"/>
+          </a:solidFill>
+          <a:ln w="12700"/>
+        </p:spPr>
+        <p:style>
+          <a:lnRef idx="2">
+            <a:schemeClr val="dk1"/>
+          </a:lnRef>
+          <a:fillRef idx="1">
+            <a:schemeClr val="lt1"/>
+          </a:fillRef>
+          <a:effectRef idx="0">
+            <a:schemeClr val="dk1"/>
+          </a:effectRef>
+          <a:fontRef idx="minor">
+            <a:schemeClr val="dk1"/>
+          </a:fontRef>
+        </p:style>
+        <p:txBody>
+          <a:bodyPr wrap="none" rtlCol="0">
+            <a:spAutoFit/>
+          </a:bodyPr>
+          <a:lstStyle/>
+          <a:p>
+            <a:pPr algn="ctr"/>
+            <a:r>
+              <a:rPr lang="en-US" sz="1200" dirty="0" err="1" smtClean="0"/>
+              <a:t>wasGeneratedBy</a:t>
+            </a:r>
+            <a:endParaRPr lang="en-US" sz="1200" dirty="0" smtClean="0"/>
+          </a:p>
+        </p:txBody>
+      </p:sp>
+      <p:sp>
+        <p:nvSpPr>
+          <p:cNvPr id="116" name="Oval 115"/>
+          <p:cNvSpPr/>
+          <p:nvPr/>
+        </p:nvSpPr>
+        <p:spPr>
+          <a:xfrm>
+            <a:off x="6477000" y="1524000"/>
+            <a:ext cx="762000" cy="762000"/>
+          </a:xfrm>
+          <a:prstGeom prst="ellipse">
+            <a:avLst/>
+          </a:prstGeom>
+        </p:spPr>
+        <p:style>
+          <a:lnRef idx="1">
+            <a:schemeClr val="accent1"/>
+          </a:lnRef>
+          <a:fillRef idx="2">
+            <a:schemeClr val="accent1"/>
+          </a:fillRef>
+          <a:effectRef idx="1">
+            <a:schemeClr val="accent1"/>
+          </a:effectRef>
+          <a:fontRef idx="minor">
+            <a:schemeClr val="dk1"/>
+          </a:fontRef>
+        </p:style>
+        <p:txBody>
+          <a:bodyPr rtlCol="0" anchor="ctr"/>
+          <a:lstStyle/>
+          <a:p>
+            <a:pPr algn="ctr"/>
+            <a:r>
+              <a:rPr lang="en-US" sz="1050" dirty="0" smtClean="0"/>
+              <a:t>Icing</a:t>
+            </a:r>
+            <a:endParaRPr lang="en-US" sz="1050" baseline="-25000" dirty="0"/>
+          </a:p>
+        </p:txBody>
+      </p:sp>
+      <p:sp>
+        <p:nvSpPr>
+          <p:cNvPr id="147" name="Rectangle 146"/>
+          <p:cNvSpPr/>
+          <p:nvPr/>
+        </p:nvSpPr>
+        <p:spPr>
+          <a:xfrm>
+            <a:off x="6781800" y="3352800"/>
+            <a:ext cx="762000" cy="762000"/>
+          </a:xfrm>
+          <a:prstGeom prst="rect">
+            <a:avLst/>
+          </a:prstGeom>
+        </p:spPr>
+        <p:style>
+          <a:lnRef idx="1">
+            <a:schemeClr val="accent1"/>
+          </a:lnRef>
+          <a:fillRef idx="2">
+            <a:schemeClr val="accent1"/>
+          </a:fillRef>
+          <a:effectRef idx="1">
+            <a:schemeClr val="accent1"/>
+          </a:effectRef>
+          <a:fontRef idx="minor">
+            <a:schemeClr val="dk1"/>
+          </a:fontRef>
+        </p:style>
+        <p:txBody>
+          <a:bodyPr rtlCol="0" anchor="ctr"/>
+          <a:lstStyle/>
+          <a:p>
+            <a:pPr algn="ctr"/>
+            <a:r>
+              <a:rPr lang="en-US" sz="1050" dirty="0" smtClean="0"/>
+              <a:t>Decorate</a:t>
+            </a:r>
+            <a:endParaRPr lang="en-US" sz="1050" baseline="-25000" dirty="0"/>
+          </a:p>
+        </p:txBody>
+      </p:sp>
+      <p:cxnSp>
+        <p:nvCxnSpPr>
+          <p:cNvPr id="151" name="Straight Arrow Connector 150"/>
+          <p:cNvCxnSpPr>
+            <a:stCxn id="147" idx="1"/>
+            <a:endCxn id="5" idx="3"/>
+          </p:cNvCxnSpPr>
+          <p:nvPr/>
+        </p:nvCxnSpPr>
+        <p:spPr>
+          <a:xfrm flipH="1">
+            <a:off x="5410200" y="3733800"/>
+            <a:ext cx="1371600" cy="0"/>
+          </a:xfrm>
+          <a:prstGeom prst="straightConnector1">
+            <a:avLst/>
+          </a:prstGeom>
+          <a:ln>
+            <a:tailEnd type="arrow"/>
+          </a:ln>
+        </p:spPr>
+        <p:style>
+          <a:lnRef idx="2">
+            <a:schemeClr val="dk1"/>
+          </a:lnRef>
+          <a:fillRef idx="0">
+            <a:schemeClr val="dk1"/>
+          </a:fillRef>
+          <a:effectRef idx="1">
+            <a:schemeClr val="dk1"/>
+          </a:effectRef>
+          <a:fontRef idx="minor">
+            <a:schemeClr val="tx1"/>
+          </a:fontRef>
+        </p:style>
+      </p:cxnSp>
+      <p:cxnSp>
+        <p:nvCxnSpPr>
+          <p:cNvPr id="154" name="Straight Arrow Connector 153"/>
+          <p:cNvCxnSpPr>
+            <a:stCxn id="147" idx="0"/>
+            <a:endCxn id="116" idx="5"/>
+          </p:cNvCxnSpPr>
+          <p:nvPr/>
+        </p:nvCxnSpPr>
+        <p:spPr>
+          <a:xfrm flipH="1" flipV="1">
+            <a:off x="7127408" y="2174408"/>
+            <a:ext cx="35392" cy="1178392"/>
+          </a:xfrm>
+          <a:prstGeom prst="straightConnector1">
+            <a:avLst/>
+          </a:prstGeom>
+          <a:ln>
+            <a:tailEnd type="arrow"/>
+          </a:ln>
+        </p:spPr>
+        <p:style>
+          <a:lnRef idx="2">
+            <a:schemeClr val="dk1"/>
+          </a:lnRef>
+          <a:fillRef idx="0">
+            <a:schemeClr val="dk1"/>
+          </a:fillRef>
+          <a:effectRef idx="1">
+            <a:schemeClr val="dk1"/>
+          </a:effectRef>
+          <a:fontRef idx="minor">
+            <a:schemeClr val="tx1"/>
+          </a:fontRef>
+        </p:style>
+      </p:cxnSp>
+      <p:sp>
+        <p:nvSpPr>
+          <p:cNvPr id="157" name="TextBox 156"/>
+          <p:cNvSpPr txBox="1"/>
+          <p:nvPr/>
+        </p:nvSpPr>
+        <p:spPr>
+          <a:xfrm>
+            <a:off x="7010400" y="2514600"/>
+            <a:ext cx="502061" cy="276999"/>
+          </a:xfrm>
+          <a:prstGeom prst="rect">
+            <a:avLst/>
+          </a:prstGeom>
+          <a:solidFill>
+            <a:schemeClr val="lt1"/>
+          </a:solidFill>
+          <a:ln w="12700"/>
+        </p:spPr>
+        <p:style>
+          <a:lnRef idx="2">
+            <a:schemeClr val="dk1"/>
+          </a:lnRef>
+          <a:fillRef idx="1">
+            <a:schemeClr val="lt1"/>
+          </a:fillRef>
+          <a:effectRef idx="0">
+            <a:schemeClr val="dk1"/>
+          </a:effectRef>
+          <a:fontRef idx="minor">
+            <a:schemeClr val="dk1"/>
+          </a:fontRef>
+        </p:style>
+        <p:txBody>
+          <a:bodyPr wrap="none" rtlCol="0">
+            <a:spAutoFit/>
+          </a:bodyPr>
+          <a:lstStyle/>
+          <a:p>
+            <a:r>
+              <a:rPr lang="en-US" sz="1200" dirty="0" smtClean="0"/>
+              <a:t>Used</a:t>
+            </a:r>
+            <a:endParaRPr lang="en-US" sz="1200" dirty="0"/>
+          </a:p>
+        </p:txBody>
+      </p:sp>
+      <p:sp>
+        <p:nvSpPr>
+          <p:cNvPr id="158" name="TextBox 157"/>
+          <p:cNvSpPr txBox="1"/>
+          <p:nvPr/>
+        </p:nvSpPr>
+        <p:spPr>
+          <a:xfrm>
+            <a:off x="5562600" y="3609201"/>
+            <a:ext cx="1162241" cy="276999"/>
+          </a:xfrm>
+          <a:prstGeom prst="rect">
+            <a:avLst/>
+          </a:prstGeom>
+          <a:solidFill>
+            <a:schemeClr val="lt1"/>
+          </a:solidFill>
+          <a:ln w="12700"/>
+        </p:spPr>
+        <p:style>
+          <a:lnRef idx="2">
+            <a:schemeClr val="dk1"/>
+          </a:lnRef>
+          <a:fillRef idx="1">
+            <a:schemeClr val="lt1"/>
+          </a:fillRef>
+          <a:effectRef idx="0">
+            <a:schemeClr val="dk1"/>
+          </a:effectRef>
+          <a:fontRef idx="minor">
+            <a:schemeClr val="dk1"/>
+          </a:fontRef>
+        </p:style>
+        <p:txBody>
+          <a:bodyPr wrap="none" rtlCol="0">
+            <a:spAutoFit/>
+          </a:bodyPr>
+          <a:lstStyle/>
+          <a:p>
+            <a:r>
+              <a:rPr lang="en-US" sz="1200" dirty="0" err="1" smtClean="0"/>
+              <a:t>wasTriggeredBy</a:t>
+            </a:r>
+            <a:endParaRPr lang="en-US" sz="1200" dirty="0"/>
+          </a:p>
+        </p:txBody>
+      </p:sp>
+      <p:cxnSp>
+        <p:nvCxnSpPr>
+          <p:cNvPr id="43" name="Straight Arrow Connector 42"/>
+          <p:cNvCxnSpPr>
+            <a:stCxn id="147" idx="0"/>
+            <a:endCxn id="7" idx="0"/>
+          </p:cNvCxnSpPr>
+          <p:nvPr/>
+        </p:nvCxnSpPr>
+        <p:spPr>
+          <a:xfrm flipH="1" flipV="1">
+            <a:off x="4800600" y="1823382"/>
+            <a:ext cx="2362200" cy="1529418"/>
+          </a:xfrm>
+          <a:prstGeom prst="straightConnector1">
+            <a:avLst/>
+          </a:prstGeom>
+          <a:ln>
+            <a:tailEnd type="arrow"/>
+          </a:ln>
+        </p:spPr>
+        <p:style>
+          <a:lnRef idx="2">
+            <a:schemeClr val="dk1"/>
+          </a:lnRef>
+          <a:fillRef idx="0">
+            <a:schemeClr val="dk1"/>
+          </a:fillRef>
+          <a:effectRef idx="1">
+            <a:schemeClr val="dk1"/>
+          </a:effectRef>
+          <a:fontRef idx="minor">
+            <a:schemeClr val="tx1"/>
+          </a:fontRef>
+        </p:style>
+      </p:cxnSp>
+      <p:sp>
+        <p:nvSpPr>
+          <p:cNvPr id="47" name="TextBox 46"/>
+          <p:cNvSpPr txBox="1"/>
+          <p:nvPr/>
+        </p:nvSpPr>
+        <p:spPr>
+          <a:xfrm>
+            <a:off x="5715000" y="2819400"/>
+            <a:ext cx="1232325" cy="276999"/>
+          </a:xfrm>
+          <a:prstGeom prst="rect">
+            <a:avLst/>
+          </a:prstGeom>
+          <a:solidFill>
+            <a:schemeClr val="lt1"/>
+          </a:solidFill>
+          <a:ln w="12700"/>
+        </p:spPr>
+        <p:style>
+          <a:lnRef idx="2">
+            <a:schemeClr val="dk1"/>
+          </a:lnRef>
+          <a:fillRef idx="1">
+            <a:schemeClr val="lt1"/>
+          </a:fillRef>
+          <a:effectRef idx="0">
+            <a:schemeClr val="dk1"/>
+          </a:effectRef>
+          <a:fontRef idx="minor">
+            <a:schemeClr val="dk1"/>
+          </a:fontRef>
+        </p:style>
+        <p:txBody>
+          <a:bodyPr wrap="none" rtlCol="0">
+            <a:spAutoFit/>
+          </a:bodyPr>
+          <a:lstStyle/>
+          <a:p>
+            <a:r>
+              <a:rPr lang="en-US" sz="1200" dirty="0" err="1" smtClean="0"/>
+              <a:t>wasControlledBy</a:t>
+            </a:r>
+            <a:endParaRPr lang="en-US" sz="1200" dirty="0"/>
+          </a:p>
+        </p:txBody>
+      </p:sp>
+      <p:sp>
+        <p:nvSpPr>
+          <p:cNvPr id="61" name="Oval 60"/>
+          <p:cNvSpPr/>
+          <p:nvPr/>
+        </p:nvSpPr>
+        <p:spPr>
+          <a:xfrm>
+            <a:off x="3581400" y="4953000"/>
+            <a:ext cx="762000" cy="762000"/>
+          </a:xfrm>
+          <a:prstGeom prst="ellipse">
+            <a:avLst/>
+          </a:prstGeom>
+        </p:spPr>
+        <p:style>
+          <a:lnRef idx="1">
+            <a:schemeClr val="accent1"/>
+          </a:lnRef>
+          <a:fillRef idx="2">
+            <a:schemeClr val="accent1"/>
+          </a:fillRef>
+          <a:effectRef idx="1">
+            <a:schemeClr val="accent1"/>
+          </a:effectRef>
+          <a:fontRef idx="minor">
+            <a:schemeClr val="dk1"/>
+          </a:fontRef>
+        </p:style>
+        <p:txBody>
+          <a:bodyPr rtlCol="0" anchor="ctr"/>
+          <a:lstStyle/>
+          <a:p>
+            <a:pPr algn="ctr"/>
+            <a:r>
+              <a:rPr lang="en-US" sz="1050" dirty="0" smtClean="0"/>
+              <a:t>Oven</a:t>
+            </a:r>
+          </a:p>
+        </p:txBody>
+      </p:sp>
+      <p:cxnSp>
+        <p:nvCxnSpPr>
+          <p:cNvPr id="62" name="Straight Arrow Connector 61"/>
+          <p:cNvCxnSpPr>
+            <a:stCxn id="5" idx="2"/>
+            <a:endCxn id="61" idx="7"/>
+          </p:cNvCxnSpPr>
+          <p:nvPr/>
+        </p:nvCxnSpPr>
+        <p:spPr>
+          <a:xfrm flipH="1">
+            <a:off x="4231808" y="4114800"/>
+            <a:ext cx="797392" cy="949792"/>
+          </a:xfrm>
+          <a:prstGeom prst="straightConnector1">
+            <a:avLst/>
+          </a:prstGeom>
+          <a:ln>
+            <a:tailEnd type="arrow"/>
+          </a:ln>
+        </p:spPr>
+        <p:style>
+          <a:lnRef idx="2">
+            <a:schemeClr val="dk1"/>
+          </a:lnRef>
+          <a:fillRef idx="0">
+            <a:schemeClr val="dk1"/>
+          </a:fillRef>
+          <a:effectRef idx="1">
+            <a:schemeClr val="dk1"/>
+          </a:effectRef>
+          <a:fontRef idx="minor">
+            <a:schemeClr val="tx1"/>
+          </a:fontRef>
+        </p:style>
+      </p:cxnSp>
+      <p:sp>
+        <p:nvSpPr>
+          <p:cNvPr id="63" name="TextBox 62"/>
+          <p:cNvSpPr txBox="1"/>
+          <p:nvPr/>
+        </p:nvSpPr>
+        <p:spPr>
+          <a:xfrm>
+            <a:off x="3810000" y="4267200"/>
+            <a:ext cx="502061" cy="276999"/>
+          </a:xfrm>
+          <a:prstGeom prst="rect">
+            <a:avLst/>
+          </a:prstGeom>
+          <a:solidFill>
+            <a:schemeClr val="lt1"/>
+          </a:solidFill>
+          <a:ln w="12700"/>
+        </p:spPr>
+        <p:style>
+          <a:lnRef idx="2">
+            <a:schemeClr val="dk1"/>
+          </a:lnRef>
+          <a:fillRef idx="1">
+            <a:schemeClr val="lt1"/>
+          </a:fillRef>
+          <a:effectRef idx="0">
+            <a:schemeClr val="dk1"/>
+          </a:effectRef>
+          <a:fontRef idx="minor">
+            <a:schemeClr val="dk1"/>
+          </a:fontRef>
+        </p:style>
+        <p:txBody>
+          <a:bodyPr wrap="none" rtlCol="0">
+            <a:spAutoFit/>
+          </a:bodyPr>
+          <a:lstStyle/>
+          <a:p>
+            <a:r>
+              <a:rPr lang="en-US" sz="1200" dirty="0" smtClean="0"/>
+              <a:t>Used</a:t>
+            </a:r>
+            <a:endParaRPr lang="en-US" sz="1200" dirty="0"/>
+          </a:p>
+        </p:txBody>
+      </p:sp>
+      <p:sp>
+        <p:nvSpPr>
+          <p:cNvPr id="48" name="Rectangular Callout 47"/>
+          <p:cNvSpPr/>
+          <p:nvPr/>
+        </p:nvSpPr>
+        <p:spPr>
+          <a:xfrm>
+            <a:off x="5562600" y="4800600"/>
+            <a:ext cx="1600200" cy="612648"/>
+          </a:xfrm>
+          <a:prstGeom prst="wedgeRectCallout">
+            <a:avLst>
+              <a:gd name="adj1" fmla="val -79833"/>
+              <a:gd name="adj2" fmla="val -158396"/>
+            </a:avLst>
+          </a:prstGeom>
+        </p:spPr>
+        <p:style>
+          <a:lnRef idx="1">
+            <a:schemeClr val="accent1"/>
+          </a:lnRef>
+          <a:fillRef idx="2">
+            <a:schemeClr val="accent1"/>
+          </a:fillRef>
+          <a:effectRef idx="1">
+            <a:schemeClr val="accent1"/>
+          </a:effectRef>
+          <a:fontRef idx="minor">
+            <a:schemeClr val="dk1"/>
+          </a:fontRef>
+        </p:style>
+        <p:txBody>
+          <a:bodyPr rtlCol="0" anchor="ctr"/>
+          <a:lstStyle/>
+          <a:p>
+            <a:pPr algn="ctr"/>
+            <a:r>
+              <a:rPr lang="en-US" sz="1200" dirty="0" err="1" smtClean="0"/>
+              <a:t>startedAtTime</a:t>
+            </a:r>
+            <a:r>
+              <a:rPr lang="en-US" sz="1200" dirty="0" smtClean="0"/>
+              <a:t>: 15:00</a:t>
+            </a:r>
+          </a:p>
+          <a:p>
+            <a:pPr algn="ctr"/>
+            <a:r>
+              <a:rPr lang="en-US" sz="1200" dirty="0" err="1" smtClean="0"/>
+              <a:t>endedAtTime</a:t>
+            </a:r>
+            <a:r>
+              <a:rPr lang="en-US" sz="1200" dirty="0" smtClean="0"/>
+              <a:t>: 15:45</a:t>
+            </a:r>
+            <a:endParaRPr lang="en-US" sz="1200" dirty="0"/>
+          </a:p>
+        </p:txBody>
+      </p:sp>
+      <p:sp>
+        <p:nvSpPr>
+          <p:cNvPr id="50" name="Rectangular Callout 49"/>
+          <p:cNvSpPr/>
+          <p:nvPr/>
+        </p:nvSpPr>
+        <p:spPr>
+          <a:xfrm>
+            <a:off x="7696200" y="2743200"/>
+            <a:ext cx="1447800" cy="612648"/>
+          </a:xfrm>
+          <a:prstGeom prst="wedgeRectCallout">
+            <a:avLst>
+              <a:gd name="adj1" fmla="val -34254"/>
+              <a:gd name="adj2" fmla="val 135634"/>
+            </a:avLst>
+          </a:prstGeom>
+        </p:spPr>
+        <p:style>
+          <a:lnRef idx="1">
+            <a:schemeClr val="accent1"/>
+          </a:lnRef>
+          <a:fillRef idx="2">
+            <a:schemeClr val="accent1"/>
+          </a:fillRef>
+          <a:effectRef idx="1">
+            <a:schemeClr val="accent1"/>
+          </a:effectRef>
+          <a:fontRef idx="minor">
+            <a:schemeClr val="dk1"/>
+          </a:fontRef>
+        </p:style>
+        <p:txBody>
+          <a:bodyPr rtlCol="0" anchor="ctr"/>
+          <a:lstStyle/>
+          <a:p>
+            <a:pPr algn="ctr"/>
+            <a:r>
+              <a:rPr lang="en-US" sz="1200" dirty="0" err="1" smtClean="0"/>
+              <a:t>generatedAtTime</a:t>
+            </a:r>
+            <a:r>
+              <a:rPr lang="en-US" sz="1200" dirty="0" smtClean="0"/>
+              <a:t>: 16:15</a:t>
+            </a:r>
+            <a:endParaRPr lang="en-US" sz="1200" dirty="0"/>
           </a:p>
         </p:txBody>
       </p:sp>
@@ -3130,13 +6092,55 @@
       </p:grpSpPr>
       <p:sp>
         <p:nvSpPr>
+          <p:cNvPr id="4" name="Oval 3"/>
+          <p:cNvSpPr/>
+          <p:nvPr/>
+        </p:nvSpPr>
+        <p:spPr>
+          <a:xfrm>
+            <a:off x="8382000" y="4495800"/>
+            <a:ext cx="762000" cy="762000"/>
+          </a:xfrm>
+          <a:prstGeom prst="ellipse">
+            <a:avLst/>
+          </a:prstGeom>
+        </p:spPr>
+        <p:style>
+          <a:lnRef idx="1">
+            <a:schemeClr val="accent1"/>
+          </a:lnRef>
+          <a:fillRef idx="2">
+            <a:schemeClr val="accent1"/>
+          </a:fillRef>
+          <a:effectRef idx="1">
+            <a:schemeClr val="accent1"/>
+          </a:effectRef>
+          <a:fontRef idx="minor">
+            <a:schemeClr val="dk1"/>
+          </a:fontRef>
+        </p:style>
+        <p:txBody>
+          <a:bodyPr rtlCol="0" anchor="ctr"/>
+          <a:lstStyle/>
+          <a:p>
+            <a:pPr algn="ctr"/>
+            <a:r>
+              <a:rPr lang="en-US" sz="1050" dirty="0" smtClean="0"/>
+              <a:t>Cake</a:t>
+            </a:r>
+            <a:endParaRPr lang="en-US" sz="1050" baseline="-25000" dirty="0"/>
+          </a:p>
+        </p:txBody>
+      </p:sp>
+      <p:sp>
+        <p:nvSpPr>
           <p:cNvPr id="5" name="Rectangle 4"/>
           <p:cNvSpPr/>
           <p:nvPr/>
         </p:nvSpPr>
         <p:spPr>
           <a:xfrm>
-            <a:off x="8229600" y="3657600"/>
+            <a:off x="4648200" y="3352800"/>
             <a:ext cx="762000" cy="762000"/>
           </a:xfrm>
           <a:prstGeom prst="rect">
@@ -3163,59 +6167,109 @@
           <a:p>
             <a:pPr algn="ctr"/>
             <a:r>
-              <a:rPr lang="en-US" sz="2400" dirty="0" smtClean="0"/>
-              <a:t>P</a:t>
-            </a:r>
-            <a:r>
-              <a:rPr lang="en-US" sz="2400" baseline="-25000" dirty="0" smtClean="0"/>
-              <a:t>3</a:t>
-            </a:r>
-            <a:endParaRPr lang="en-US" sz="2400" baseline="-25000" dirty="0"/>
-          </a:p>
-        </p:txBody>
-      </p:sp>
-      <p:pic>
-        <p:nvPicPr>
-          <p:cNvPr id="6" name="Picture 5"/>
-          <p:cNvPicPr/>
-          <p:nvPr/>
-        </p:nvPicPr>
-        <p:blipFill>
-          <a:blip r:embed="rId2" cstate="print"/>
-          <a:srcRect/>
-          <a:stretch>
-            <a:fillRect/>
-          </a:stretch>
-        </p:blipFill>
-        <p:spPr bwMode="auto">
-          <a:xfrm>
-            <a:off x="0" y="0"/>
-            <a:ext cx="2886075" cy="2223058"/>
+              <a:rPr lang="en-US" sz="1050" dirty="0" smtClean="0"/>
+              <a:t>Bake</a:t>
+            </a:r>
+            <a:endParaRPr lang="en-US" sz="1050" baseline="-25000" dirty="0"/>
+          </a:p>
+        </p:txBody>
+      </p:sp>
+      <p:sp>
+        <p:nvSpPr>
+          <p:cNvPr id="7" name="Octagon 6"/>
+          <p:cNvSpPr/>
+          <p:nvPr/>
+        </p:nvSpPr>
+        <p:spPr>
+          <a:xfrm>
+            <a:off x="4038600" y="1600200"/>
+            <a:ext cx="762000" cy="762000"/>
+          </a:xfrm>
+          <a:prstGeom prst="octagon">
+            <a:avLst/>
+          </a:prstGeom>
+        </p:spPr>
+        <p:style>
+          <a:lnRef idx="1">
+            <a:schemeClr val="accent1"/>
+          </a:lnRef>
+          <a:fillRef idx="2">
+            <a:schemeClr val="accent1"/>
+          </a:fillRef>
+          <a:effectRef idx="1">
+            <a:schemeClr val="accent1"/>
+          </a:effectRef>
+          <a:fontRef idx="minor">
+            <a:schemeClr val="dk1"/>
+          </a:fontRef>
+        </p:style>
+        <p:txBody>
+          <a:bodyPr rtlCol="0" anchor="ctr"/>
+          <a:lstStyle/>
+          <a:p>
+            <a:pPr algn="ctr"/>
+            <a:r>
+              <a:rPr lang="en-US" sz="1050" dirty="0" smtClean="0"/>
+              <a:t>Cook</a:t>
+            </a:r>
+            <a:endParaRPr lang="en-US" sz="1050" dirty="0"/>
+          </a:p>
+        </p:txBody>
+      </p:sp>
+      <p:sp>
+        <p:nvSpPr>
+          <p:cNvPr id="8" name="Rectangle 7"/>
+          <p:cNvSpPr/>
+          <p:nvPr/>
+        </p:nvSpPr>
+        <p:spPr>
+          <a:xfrm>
+            <a:off x="2514600" y="3352800"/>
+            <a:ext cx="762000" cy="762000"/>
           </a:xfrm>
           <a:prstGeom prst="rect">
             <a:avLst/>
           </a:prstGeom>
-          <a:noFill/>
-          <a:ln w="9525">
-            <a:noFill/>
-            <a:miter lim="800000"/>
-            <a:headEnd/>
-            <a:tailEnd/>
-          </a:ln>
-        </p:spPr>
-      </p:pic>
-      <p:sp>
-        <p:nvSpPr>
-          <p:cNvPr id="7" name="Rectangle 6"/>
+        </p:spPr>
+        <p:style>
+          <a:lnRef idx="1">
+            <a:schemeClr val="accent1"/>
+          </a:lnRef>
+          <a:fillRef idx="2">
+            <a:schemeClr val="accent1"/>
+          </a:fillRef>
+          <a:effectRef idx="1">
+            <a:schemeClr val="accent1"/>
+          </a:effectRef>
+          <a:fontRef idx="minor">
+            <a:schemeClr val="dk1"/>
+          </a:fontRef>
+        </p:style>
+        <p:txBody>
+          <a:bodyPr rtlCol="0" anchor="ctr"/>
+          <a:lstStyle/>
+          <a:p>
+            <a:pPr algn="ctr"/>
+            <a:r>
+              <a:rPr lang="en-US" sz="1050" dirty="0" smtClean="0"/>
+              <a:t>Mix</a:t>
+            </a:r>
+            <a:endParaRPr lang="en-US" sz="1050" baseline="-25000" dirty="0"/>
+          </a:p>
+        </p:txBody>
+      </p:sp>
+      <p:sp>
+        <p:nvSpPr>
+          <p:cNvPr id="9" name="Oval 8"/>
           <p:cNvSpPr/>
           <p:nvPr/>
         </p:nvSpPr>
         <p:spPr>
           <a:xfrm>
-            <a:off x="152400" y="3657600"/>
+            <a:off x="0" y="990600"/>
             <a:ext cx="762000" cy="762000"/>
           </a:xfrm>
-          <a:prstGeom prst="rect">
+          <a:prstGeom prst="ellipse">
             <a:avLst/>
           </a:prstGeom>
         </p:spPr>
@@ -3239,14 +6293,9 @@
           <a:p>
             <a:pPr algn="ctr"/>
             <a:r>
-              <a:rPr lang="en-US" sz="2400" dirty="0" smtClean="0"/>
-              <a:t>P</a:t>
-            </a:r>
-            <a:r>
-              <a:rPr lang="en-US" sz="2400" baseline="-25000" dirty="0" smtClean="0"/>
-              <a:t>1</a:t>
-            </a:r>
-            <a:endParaRPr lang="en-US" sz="2400" baseline="-25000" dirty="0"/>
+              <a:rPr lang="en-US" sz="1050" dirty="0" smtClean="0"/>
+              <a:t>Milk</a:t>
+            </a:r>
           </a:p>
         </p:txBody>
       </p:sp>
@@ -3258,7 +6307,7 @@
         </p:nvSpPr>
         <p:spPr>
           <a:xfrm>
-            <a:off x="2438400" y="3657600"/>
+            <a:off x="0" y="4267200"/>
             <a:ext cx="762000" cy="762000"/>
           </a:xfrm>
           <a:prstGeom prst="ellipse">
@@ -3285,14 +6334,132 @@
           <a:p>
             <a:pPr algn="ctr"/>
             <a:r>
-              <a:rPr lang="en-US" sz="2400" dirty="0" smtClean="0"/>
-              <a:t>a</a:t>
-            </a:r>
-            <a:r>
-              <a:rPr lang="en-US" sz="2400" baseline="-25000" dirty="0" smtClean="0"/>
-              <a:t>1</a:t>
-            </a:r>
-            <a:endParaRPr lang="en-US" sz="2400" baseline="-25000" dirty="0"/>
+              <a:rPr lang="en-US" sz="1050" dirty="0" smtClean="0"/>
+              <a:t>Eggs</a:t>
+            </a:r>
+          </a:p>
+        </p:txBody>
+      </p:sp>
+      <p:sp>
+        <p:nvSpPr>
+          <p:cNvPr id="11" name="Oval 10"/>
+          <p:cNvSpPr/>
+          <p:nvPr/>
+        </p:nvSpPr>
+        <p:spPr>
+          <a:xfrm>
+            <a:off x="0" y="2438400"/>
+            <a:ext cx="762000" cy="762000"/>
+          </a:xfrm>
+          <a:prstGeom prst="ellipse">
+            <a:avLst/>
+          </a:prstGeom>
+        </p:spPr>
+        <p:style>
+          <a:lnRef idx="1">
+            <a:schemeClr val="accent1"/>
+          </a:lnRef>
+          <a:fillRef idx="2">
+            <a:schemeClr val="accent1"/>
+          </a:fillRef>
+          <a:effectRef idx="1">
+            <a:schemeClr val="accent1"/>
+          </a:effectRef>
+          <a:fontRef idx="minor">
+            <a:schemeClr val="dk1"/>
+          </a:fontRef>
+        </p:style>
+        <p:txBody>
+          <a:bodyPr rtlCol="0" anchor="ctr"/>
+          <a:lstStyle/>
+          <a:p>
+            <a:pPr algn="ctr"/>
+            <a:r>
+              <a:rPr lang="en-US" sz="1050" dirty="0" smtClean="0"/>
+              <a:t>Flour</a:t>
+            </a:r>
+          </a:p>
+        </p:txBody>
+      </p:sp>
+      <p:sp>
+        <p:nvSpPr>
+          <p:cNvPr id="12" name="Oval 11"/>
+          <p:cNvSpPr/>
+          <p:nvPr/>
+        </p:nvSpPr>
+        <p:spPr>
+          <a:xfrm>
+            <a:off x="1295400" y="1981200"/>
+            <a:ext cx="762000" cy="762000"/>
+          </a:xfrm>
+          <a:prstGeom prst="ellipse">
+            <a:avLst/>
+          </a:prstGeom>
+        </p:spPr>
+        <p:style>
+          <a:lnRef idx="1">
+            <a:schemeClr val="accent1"/>
+          </a:lnRef>
+          <a:fillRef idx="2">
+            <a:schemeClr val="accent1"/>
+          </a:fillRef>
+          <a:effectRef idx="1">
+            <a:schemeClr val="accent1"/>
+          </a:effectRef>
+          <a:fontRef idx="minor">
+            <a:schemeClr val="dk1"/>
+          </a:fontRef>
+        </p:style>
+        <p:txBody>
+          <a:bodyPr rtlCol="0" anchor="ctr"/>
+          <a:lstStyle/>
+          <a:p>
+            <a:pPr algn="ctr"/>
+            <a:r>
+              <a:rPr lang="en-US" sz="1050" dirty="0" smtClean="0"/>
+              <a:t>Butter</a:t>
+            </a:r>
+          </a:p>
+        </p:txBody>
+      </p:sp>
+      <p:sp>
+        <p:nvSpPr>
+          <p:cNvPr id="15" name="Oval 14"/>
+          <p:cNvSpPr/>
+          <p:nvPr/>
+        </p:nvSpPr>
+        <p:spPr>
+          <a:xfrm>
+            <a:off x="0" y="3352800"/>
+            <a:ext cx="762000" cy="762000"/>
+          </a:xfrm>
+          <a:prstGeom prst="ellipse">
+            <a:avLst/>
+          </a:prstGeom>
+        </p:spPr>
+        <p:style>
+          <a:lnRef idx="1">
+            <a:schemeClr val="accent1"/>
+          </a:lnRef>
+          <a:fillRef idx="2">
+            <a:schemeClr val="accent1"/>
+          </a:fillRef>
+          <a:effectRef idx="1">
+            <a:schemeClr val="accent1"/>
+          </a:effectRef>
+          <a:fontRef idx="minor">
+            <a:schemeClr val="dk1"/>
+          </a:fontRef>
+        </p:style>
+        <p:txBody>
+          <a:bodyPr rtlCol="0" anchor="ctr"/>
+          <a:lstStyle/>
+          <a:p>
+            <a:pPr algn="ctr"/>
+            <a:r>
+              <a:rPr lang="en-US" sz="1050" dirty="0" smtClean="0"/>
+              <a:t>Sugar</a:t>
+            </a:r>
           </a:p>
         </p:txBody>
       </p:sp>
@@ -3300,15 +6467,15 @@
         <p:nvCxnSpPr>
           <p:cNvPr id="17" name="Straight Arrow Connector 16"/>
           <p:cNvCxnSpPr>
-            <a:stCxn id="150" idx="2"/>
-            <a:endCxn id="10" idx="6"/>
+            <a:stCxn id="4" idx="1"/>
+            <a:endCxn id="147" idx="3"/>
           </p:cNvCxnSpPr>
           <p:nvPr/>
         </p:nvCxnSpPr>
         <p:spPr>
-          <a:xfrm flipH="1">
-            <a:off x="3200400" y="4038600"/>
-            <a:ext cx="1447800" cy="0"/>
+          <a:xfrm flipH="1" flipV="1">
+            <a:off x="7543800" y="3733800"/>
+            <a:ext cx="949792" cy="873592"/>
           </a:xfrm>
           <a:prstGeom prst="straightConnector1">
             <a:avLst/>
@@ -3334,17 +6501,17 @@
       </p:cxnSp>
       <p:cxnSp>
         <p:nvCxnSpPr>
-          <p:cNvPr id="23" name="Straight Arrow Connector 22"/>
+          <p:cNvPr id="18" name="Straight Arrow Connector 17"/>
           <p:cNvCxnSpPr>
-            <a:stCxn id="10" idx="2"/>
-            <a:endCxn id="7" idx="3"/>
+            <a:stCxn id="5" idx="1"/>
+            <a:endCxn id="8" idx="3"/>
           </p:cNvCxnSpPr>
           <p:nvPr/>
         </p:nvCxnSpPr>
         <p:spPr>
           <a:xfrm flipH="1">
-            <a:off x="914400" y="4038600"/>
-            <a:ext cx="1524000" cy="0"/>
+            <a:off x="3276600" y="3733800"/>
+            <a:ext cx="1371600" cy="0"/>
           </a:xfrm>
           <a:prstGeom prst="straightConnector1">
             <a:avLst/>
@@ -3368,61 +6535,19 @@
           </a:fontRef>
         </p:style>
       </p:cxnSp>
-      <p:sp>
-        <p:nvSpPr>
-          <p:cNvPr id="26" name="Octagon 25"/>
-          <p:cNvSpPr/>
-          <p:nvPr/>
-        </p:nvSpPr>
-        <p:spPr>
-          <a:xfrm>
-            <a:off x="3810000" y="5486400"/>
-            <a:ext cx="762000" cy="762000"/>
-          </a:xfrm>
-          <a:prstGeom prst="octagon">
-            <a:avLst/>
-          </a:prstGeom>
-        </p:spPr>
-        <p:style>
-          <a:lnRef idx="1">
-            <a:schemeClr val="accent1"/>
-          </a:lnRef>
-          <a:fillRef idx="2">
-            <a:schemeClr val="accent1"/>
-          </a:fillRef>
-          <a:effectRef idx="1">
-            <a:schemeClr val="accent1"/>
-          </a:effectRef>
-          <a:fontRef idx="minor">
-            <a:schemeClr val="dk1"/>
-          </a:fontRef>
-        </p:style>
-        <p:txBody>
-          <a:bodyPr rtlCol="0" anchor="ctr"/>
-          <a:lstStyle/>
-          <a:p>
-            <a:pPr algn="ctr"/>
-            <a:r>
-              <a:rPr lang="en-US" sz="2400" dirty="0" smtClean="0"/>
-              <a:t>Ag</a:t>
-            </a:r>
-            <a:endParaRPr lang="en-US" sz="2400" dirty="0"/>
-          </a:p>
-        </p:txBody>
-      </p:sp>
       <p:cxnSp>
         <p:nvCxnSpPr>
-          <p:cNvPr id="27" name="Straight Arrow Connector 26"/>
+          <p:cNvPr id="21" name="Straight Arrow Connector 20"/>
           <p:cNvCxnSpPr>
-            <a:stCxn id="55" idx="1"/>
-            <a:endCxn id="26" idx="1"/>
+            <a:stCxn id="5" idx="0"/>
+            <a:endCxn id="7" idx="1"/>
           </p:cNvCxnSpPr>
           <p:nvPr/>
         </p:nvCxnSpPr>
         <p:spPr>
-          <a:xfrm flipH="1">
-            <a:off x="4572000" y="6019800"/>
-            <a:ext cx="1752600" cy="5418"/>
+          <a:xfrm flipH="1" flipV="1">
+            <a:off x="4800600" y="2139018"/>
+            <a:ext cx="228600" cy="1213782"/>
           </a:xfrm>
           <a:prstGeom prst="straightConnector1">
             <a:avLst/>
@@ -3446,65 +6571,19 @@
           </a:fontRef>
         </p:style>
       </p:cxnSp>
-      <p:sp>
-        <p:nvSpPr>
-          <p:cNvPr id="55" name="Rectangle 54"/>
-          <p:cNvSpPr/>
-          <p:nvPr/>
-        </p:nvSpPr>
-        <p:spPr>
-          <a:xfrm>
-            <a:off x="6324600" y="5638800"/>
-            <a:ext cx="762000" cy="762000"/>
-          </a:xfrm>
-          <a:prstGeom prst="rect">
-            <a:avLst/>
-          </a:prstGeom>
-        </p:spPr>
-        <p:style>
-          <a:lnRef idx="1">
-            <a:schemeClr val="accent1"/>
-          </a:lnRef>
-          <a:fillRef idx="2">
-            <a:schemeClr val="accent1"/>
-          </a:fillRef>
-          <a:effectRef idx="1">
-            <a:schemeClr val="accent1"/>
-          </a:effectRef>
-          <a:fontRef idx="minor">
-            <a:schemeClr val="dk1"/>
-          </a:fontRef>
-        </p:style>
-        <p:txBody>
-          <a:bodyPr rtlCol="0" anchor="ctr"/>
-          <a:lstStyle/>
-          <a:p>
-            <a:pPr algn="ctr"/>
-            <a:r>
-              <a:rPr lang="en-US" sz="2400" dirty="0" smtClean="0"/>
-              <a:t>P</a:t>
-            </a:r>
-            <a:r>
-              <a:rPr lang="en-US" sz="2400" baseline="-25000" dirty="0" smtClean="0"/>
-              <a:t>2</a:t>
-            </a:r>
-            <a:endParaRPr lang="en-US" sz="2400" baseline="-25000" dirty="0"/>
-          </a:p>
-        </p:txBody>
-      </p:sp>
       <p:cxnSp>
         <p:nvCxnSpPr>
-          <p:cNvPr id="56" name="Straight Arrow Connector 55"/>
+          <p:cNvPr id="24" name="Straight Arrow Connector 23"/>
           <p:cNvCxnSpPr>
-            <a:stCxn id="5" idx="2"/>
-            <a:endCxn id="55" idx="3"/>
+            <a:stCxn id="8" idx="0"/>
+            <a:endCxn id="7" idx="3"/>
           </p:cNvCxnSpPr>
           <p:nvPr/>
         </p:nvCxnSpPr>
         <p:spPr>
-          <a:xfrm flipH="1">
-            <a:off x="7086600" y="4419600"/>
-            <a:ext cx="1524000" cy="1600200"/>
+          <a:xfrm flipV="1">
+            <a:off x="2895600" y="2362200"/>
+            <a:ext cx="1366182" cy="990600"/>
           </a:xfrm>
           <a:prstGeom prst="straightConnector1">
             <a:avLst/>
@@ -3530,17 +6609,17 @@
       </p:cxnSp>
       <p:cxnSp>
         <p:nvCxnSpPr>
-          <p:cNvPr id="59" name="Straight Arrow Connector 58"/>
+          <p:cNvPr id="30" name="Straight Arrow Connector 29"/>
           <p:cNvCxnSpPr>
-            <a:stCxn id="55" idx="1"/>
-            <a:endCxn id="10" idx="5"/>
+            <a:stCxn id="8" idx="1"/>
+            <a:endCxn id="10" idx="6"/>
           </p:cNvCxnSpPr>
           <p:nvPr/>
         </p:nvCxnSpPr>
         <p:spPr>
-          <a:xfrm flipH="1" flipV="1">
-            <a:off x="3088808" y="4308008"/>
-            <a:ext cx="3235792" cy="1711792"/>
+          <a:xfrm flipH="1">
+            <a:off x="762000" y="3733800"/>
+            <a:ext cx="1752600" cy="914400"/>
           </a:xfrm>
           <a:prstGeom prst="straightConnector1">
             <a:avLst/>
@@ -3564,22 +6643,183 @@
           </a:fontRef>
         </p:style>
       </p:cxnSp>
-      <p:sp>
-        <p:nvSpPr>
-          <p:cNvPr id="75" name="TextBox 74"/>
+      <p:cxnSp>
+        <p:nvCxnSpPr>
+          <p:cNvPr id="36" name="Straight Arrow Connector 35"/>
+          <p:cNvCxnSpPr>
+            <a:stCxn id="8" idx="1"/>
+            <a:endCxn id="15" idx="6"/>
+          </p:cNvCxnSpPr>
+          <p:nvPr/>
+        </p:nvCxnSpPr>
+        <p:spPr>
+          <a:xfrm flipH="1">
+            <a:off x="762000" y="3733800"/>
+            <a:ext cx="1752600" cy="0"/>
+          </a:xfrm>
+          <a:prstGeom prst="straightConnector1">
+            <a:avLst/>
+          </a:prstGeom>
+          <a:ln>
+            <a:tailEnd type="arrow"/>
+          </a:ln>
+        </p:spPr>
+        <p:style>
+          <a:lnRef idx="2">
+            <a:schemeClr val="dk1"/>
+          </a:lnRef>
+          <a:fillRef idx="0">
+            <a:schemeClr val="dk1"/>
+          </a:fillRef>
+          <a:effectRef idx="1">
+            <a:schemeClr val="dk1"/>
+          </a:effectRef>
+          <a:fontRef idx="minor">
+            <a:schemeClr val="tx1"/>
+          </a:fontRef>
+        </p:style>
+      </p:cxnSp>
+      <p:cxnSp>
+        <p:nvCxnSpPr>
+          <p:cNvPr id="39" name="Straight Arrow Connector 38"/>
+          <p:cNvCxnSpPr>
+            <a:stCxn id="8" idx="0"/>
+            <a:endCxn id="12" idx="5"/>
+          </p:cNvCxnSpPr>
+          <p:nvPr/>
+        </p:nvCxnSpPr>
+        <p:spPr>
+          <a:xfrm flipH="1" flipV="1">
+            <a:off x="1945808" y="2631608"/>
+            <a:ext cx="949792" cy="721192"/>
+          </a:xfrm>
+          <a:prstGeom prst="straightConnector1">
+            <a:avLst/>
+          </a:prstGeom>
+          <a:ln>
+            <a:tailEnd type="arrow"/>
+          </a:ln>
+        </p:spPr>
+        <p:style>
+          <a:lnRef idx="2">
+            <a:schemeClr val="dk1"/>
+          </a:lnRef>
+          <a:fillRef idx="0">
+            <a:schemeClr val="dk1"/>
+          </a:fillRef>
+          <a:effectRef idx="1">
+            <a:schemeClr val="dk1"/>
+          </a:effectRef>
+          <a:fontRef idx="minor">
+            <a:schemeClr val="tx1"/>
+          </a:fontRef>
+        </p:style>
+      </p:cxnSp>
+      <p:cxnSp>
+        <p:nvCxnSpPr>
+          <p:cNvPr id="42" name="Straight Arrow Connector 41"/>
+          <p:cNvCxnSpPr>
+            <a:stCxn id="8" idx="1"/>
+            <a:endCxn id="11" idx="6"/>
+          </p:cNvCxnSpPr>
+          <p:nvPr/>
+        </p:nvCxnSpPr>
+        <p:spPr>
+          <a:xfrm flipH="1" flipV="1">
+            <a:off x="762000" y="2819400"/>
+            <a:ext cx="1752600" cy="914400"/>
+          </a:xfrm>
+          <a:prstGeom prst="straightConnector1">
+            <a:avLst/>
+          </a:prstGeom>
+          <a:ln>
+            <a:tailEnd type="arrow"/>
+          </a:ln>
+        </p:spPr>
+        <p:style>
+          <a:lnRef idx="2">
+            <a:schemeClr val="dk1"/>
+          </a:lnRef>
+          <a:fillRef idx="0">
+            <a:schemeClr val="dk1"/>
+          </a:fillRef>
+          <a:effectRef idx="1">
+            <a:schemeClr val="dk1"/>
+          </a:effectRef>
+          <a:fontRef idx="minor">
+            <a:schemeClr val="tx1"/>
+          </a:fontRef>
+        </p:style>
+      </p:cxnSp>
+      <p:cxnSp>
+        <p:nvCxnSpPr>
+          <p:cNvPr id="45" name="Straight Arrow Connector 44"/>
+          <p:cNvCxnSpPr>
+            <a:stCxn id="12" idx="1"/>
+            <a:endCxn id="9" idx="5"/>
+          </p:cNvCxnSpPr>
+          <p:nvPr/>
+        </p:nvCxnSpPr>
+        <p:spPr>
+          <a:xfrm flipH="1" flipV="1">
+            <a:off x="650408" y="1641008"/>
+            <a:ext cx="756584" cy="451784"/>
+          </a:xfrm>
+          <a:prstGeom prst="straightConnector1">
+            <a:avLst/>
+          </a:prstGeom>
+          <a:ln>
+            <a:tailEnd type="arrow"/>
+          </a:ln>
+        </p:spPr>
+        <p:style>
+          <a:lnRef idx="2">
+            <a:schemeClr val="dk1"/>
+          </a:lnRef>
+          <a:fillRef idx="0">
+            <a:schemeClr val="dk1"/>
+          </a:fillRef>
+          <a:effectRef idx="1">
+            <a:schemeClr val="dk1"/>
+          </a:effectRef>
+          <a:fontRef idx="minor">
+            <a:schemeClr val="tx1"/>
+          </a:fontRef>
+        </p:style>
+      </p:cxnSp>
+      <p:sp>
+        <p:nvSpPr>
+          <p:cNvPr id="58" name="TextBox 57"/>
           <p:cNvSpPr txBox="1"/>
           <p:nvPr/>
         </p:nvSpPr>
         <p:spPr>
           <a:xfrm>
-            <a:off x="5410200" y="3657600"/>
-            <a:ext cx="1415580" cy="307777"/>
+            <a:off x="3429000" y="3609201"/>
+            <a:ext cx="1162241" cy="276999"/>
           </a:xfrm>
           <a:prstGeom prst="rect">
             <a:avLst/>
           </a:prstGeom>
-          <a:noFill/>
-        </p:spPr>
+          <a:solidFill>
+            <a:schemeClr val="lt1"/>
+          </a:solidFill>
+          <a:ln w="12700"/>
+        </p:spPr>
+        <p:style>
+          <a:lnRef idx="2">
+            <a:schemeClr val="dk1"/>
+          </a:lnRef>
+          <a:fillRef idx="1">
+            <a:schemeClr val="lt1"/>
+          </a:fillRef>
+          <a:effectRef idx="0">
+            <a:schemeClr val="dk1"/>
+          </a:effectRef>
+          <a:fontRef idx="minor">
+            <a:schemeClr val="dk1"/>
+          </a:fontRef>
+        </p:style>
         <p:txBody>
           <a:bodyPr wrap="none" rtlCol="0">
             <a:spAutoFit/>
@@ -3587,29 +6827,46 @@
           <a:lstStyle/>
           <a:p>
             <a:r>
-              <a:rPr lang="en-US" sz="1400" dirty="0" err="1" smtClean="0"/>
-              <a:t>wasDerivedFrom</a:t>
-            </a:r>
-            <a:endParaRPr lang="en-US" sz="1400" dirty="0"/>
-          </a:p>
-        </p:txBody>
-      </p:sp>
-      <p:sp>
-        <p:nvSpPr>
-          <p:cNvPr id="78" name="TextBox 77"/>
+              <a:rPr lang="en-US" sz="1200" dirty="0" err="1" smtClean="0"/>
+              <a:t>wasTriggeredBy</a:t>
+            </a:r>
+            <a:endParaRPr lang="en-US" sz="1200" dirty="0"/>
+          </a:p>
+        </p:txBody>
+      </p:sp>
+      <p:sp>
+        <p:nvSpPr>
+          <p:cNvPr id="59" name="TextBox 58"/>
           <p:cNvSpPr txBox="1"/>
           <p:nvPr/>
         </p:nvSpPr>
         <p:spPr>
           <a:xfrm>
-            <a:off x="1066800" y="3657600"/>
-            <a:ext cx="1420838" cy="307777"/>
+            <a:off x="4419600" y="2390001"/>
+            <a:ext cx="1232325" cy="276999"/>
           </a:xfrm>
           <a:prstGeom prst="rect">
             <a:avLst/>
           </a:prstGeom>
-          <a:noFill/>
-        </p:spPr>
+          <a:solidFill>
+            <a:schemeClr val="lt1"/>
+          </a:solidFill>
+          <a:ln w="12700"/>
+        </p:spPr>
+        <p:style>
+          <a:lnRef idx="2">
+            <a:schemeClr val="dk1"/>
+          </a:lnRef>
+          <a:fillRef idx="1">
+            <a:schemeClr val="lt1"/>
+          </a:fillRef>
+          <a:effectRef idx="0">
+            <a:schemeClr val="dk1"/>
+          </a:effectRef>
+          <a:fontRef idx="minor">
+            <a:schemeClr val="dk1"/>
+          </a:fontRef>
+        </p:style>
         <p:txBody>
           <a:bodyPr wrap="none" rtlCol="0">
             <a:spAutoFit/>
@@ -3617,59 +6874,102 @@
           <a:lstStyle/>
           <a:p>
             <a:r>
-              <a:rPr lang="en-US" sz="1400" dirty="0" err="1" smtClean="0"/>
-              <a:t>wasGeneratedBy</a:t>
-            </a:r>
-            <a:endParaRPr lang="en-US" sz="1400" dirty="0"/>
-          </a:p>
-        </p:txBody>
-      </p:sp>
-      <p:sp>
-        <p:nvSpPr>
-          <p:cNvPr id="79" name="TextBox 78"/>
+              <a:rPr lang="en-US" sz="1200" dirty="0" err="1" smtClean="0"/>
+              <a:t>wasControlledBy</a:t>
+            </a:r>
+            <a:endParaRPr lang="en-US" sz="1200" dirty="0"/>
+          </a:p>
+        </p:txBody>
+      </p:sp>
+      <p:sp>
+        <p:nvSpPr>
+          <p:cNvPr id="60" name="TextBox 59"/>
           <p:cNvSpPr txBox="1"/>
           <p:nvPr/>
         </p:nvSpPr>
         <p:spPr>
           <a:xfrm>
-            <a:off x="7467600" y="5562600"/>
-            <a:ext cx="1331390" cy="307777"/>
+            <a:off x="3415875" y="2819400"/>
+            <a:ext cx="1232325" cy="461665"/>
           </a:xfrm>
           <a:prstGeom prst="rect">
             <a:avLst/>
           </a:prstGeom>
-          <a:noFill/>
-        </p:spPr>
+          <a:solidFill>
+            <a:schemeClr val="lt1"/>
+          </a:solidFill>
+          <a:ln w="12700"/>
+        </p:spPr>
+        <p:style>
+          <a:lnRef idx="2">
+            <a:schemeClr val="dk1"/>
+          </a:lnRef>
+          <a:fillRef idx="1">
+            <a:schemeClr val="lt1"/>
+          </a:fillRef>
+          <a:effectRef idx="0">
+            <a:schemeClr val="dk1"/>
+          </a:effectRef>
+          <a:fontRef idx="minor">
+            <a:schemeClr val="dk1"/>
+          </a:fontRef>
+        </p:style>
         <p:txBody>
           <a:bodyPr wrap="none" rtlCol="0">
             <a:spAutoFit/>
           </a:bodyPr>
           <a:lstStyle/>
           <a:p>
-            <a:r>
-              <a:rPr lang="en-US" sz="1400" dirty="0" err="1" smtClean="0"/>
-              <a:t>wasTriggeredBy</a:t>
-            </a:r>
-            <a:endParaRPr lang="en-US" sz="1400" dirty="0"/>
-          </a:p>
-        </p:txBody>
-      </p:sp>
-      <p:sp>
-        <p:nvSpPr>
-          <p:cNvPr id="80" name="TextBox 79"/>
+            <a:pPr algn="ctr"/>
+            <a:r>
+              <a:rPr lang="en-US" sz="1200" dirty="0" err="1" smtClean="0"/>
+              <a:t>wasControlledBy</a:t>
+            </a:r>
+            <a:endParaRPr lang="en-US" sz="1200" dirty="0" smtClean="0"/>
+          </a:p>
+          <a:p>
+            <a:pPr algn="ctr"/>
+            <a:r>
+              <a:rPr lang="en-US" sz="1200" dirty="0" smtClean="0"/>
+              <a:t>(mixer)</a:t>
+            </a:r>
+            <a:endParaRPr lang="en-US" sz="1200" dirty="0"/>
+          </a:p>
+        </p:txBody>
+      </p:sp>
+      <p:sp>
+        <p:nvSpPr>
+          <p:cNvPr id="64" name="TextBox 63"/>
           <p:cNvSpPr txBox="1"/>
           <p:nvPr/>
         </p:nvSpPr>
         <p:spPr>
           <a:xfrm>
-            <a:off x="7620000" y="3733800"/>
-            <a:ext cx="534121" cy="307777"/>
+            <a:off x="2133600" y="2590800"/>
+            <a:ext cx="1235979" cy="276999"/>
           </a:xfrm>
           <a:prstGeom prst="rect">
             <a:avLst/>
           </a:prstGeom>
-          <a:noFill/>
-        </p:spPr>
+          <a:solidFill>
+            <a:schemeClr val="lt1"/>
+          </a:solidFill>
+          <a:ln w="12700"/>
+        </p:spPr>
+        <p:style>
+          <a:lnRef idx="2">
+            <a:schemeClr val="dk1"/>
+          </a:lnRef>
+          <a:fillRef idx="1">
+            <a:schemeClr val="lt1"/>
+          </a:fillRef>
+          <a:effectRef idx="0">
+            <a:schemeClr val="dk1"/>
+          </a:effectRef>
+          <a:fontRef idx="minor">
+            <a:schemeClr val="dk1"/>
+          </a:fontRef>
+        </p:style>
         <p:txBody>
           <a:bodyPr wrap="none" rtlCol="0">
             <a:spAutoFit/>
@@ -3677,59 +6977,102 @@
           <a:lstStyle/>
           <a:p>
             <a:r>
-              <a:rPr lang="en-US" sz="1400" dirty="0" smtClean="0"/>
-              <a:t>used</a:t>
-            </a:r>
-            <a:endParaRPr lang="en-US" sz="1400" dirty="0"/>
-          </a:p>
-        </p:txBody>
-      </p:sp>
-      <p:sp>
-        <p:nvSpPr>
-          <p:cNvPr id="81" name="TextBox 80"/>
+              <a:rPr lang="en-US" sz="1200" dirty="0" smtClean="0"/>
+              <a:t>Used(ingredient)</a:t>
+            </a:r>
+            <a:endParaRPr lang="en-US" sz="1200" dirty="0"/>
+          </a:p>
+        </p:txBody>
+      </p:sp>
+      <p:sp>
+        <p:nvSpPr>
+          <p:cNvPr id="67" name="TextBox 66"/>
           <p:cNvSpPr txBox="1"/>
           <p:nvPr/>
         </p:nvSpPr>
         <p:spPr>
           <a:xfrm>
-            <a:off x="5638800" y="5410200"/>
-            <a:ext cx="534121" cy="307777"/>
+            <a:off x="7772400" y="3962400"/>
+            <a:ext cx="1239635" cy="461665"/>
           </a:xfrm>
           <a:prstGeom prst="rect">
             <a:avLst/>
           </a:prstGeom>
-          <a:noFill/>
-        </p:spPr>
+          <a:solidFill>
+            <a:schemeClr val="lt1"/>
+          </a:solidFill>
+          <a:ln w="12700"/>
+        </p:spPr>
+        <p:style>
+          <a:lnRef idx="2">
+            <a:schemeClr val="dk1"/>
+          </a:lnRef>
+          <a:fillRef idx="1">
+            <a:schemeClr val="lt1"/>
+          </a:fillRef>
+          <a:effectRef idx="0">
+            <a:schemeClr val="dk1"/>
+          </a:effectRef>
+          <a:fontRef idx="minor">
+            <a:schemeClr val="dk1"/>
+          </a:fontRef>
+        </p:style>
         <p:txBody>
           <a:bodyPr wrap="none" rtlCol="0">
             <a:spAutoFit/>
           </a:bodyPr>
           <a:lstStyle/>
           <a:p>
-            <a:r>
-              <a:rPr lang="en-US" sz="1400" dirty="0" smtClean="0"/>
-              <a:t>used</a:t>
-            </a:r>
-            <a:endParaRPr lang="en-US" sz="1400" dirty="0"/>
-          </a:p>
-        </p:txBody>
-      </p:sp>
-      <p:sp>
-        <p:nvSpPr>
-          <p:cNvPr id="82" name="TextBox 81"/>
+            <a:pPr algn="ctr"/>
+            <a:r>
+              <a:rPr lang="en-US" sz="1200" dirty="0" err="1" smtClean="0"/>
+              <a:t>wasGeneratedBy</a:t>
+            </a:r>
+            <a:endParaRPr lang="en-US" sz="1200" dirty="0" smtClean="0"/>
+          </a:p>
+          <a:p>
+            <a:pPr algn="ctr"/>
+            <a:r>
+              <a:rPr lang="en-US" sz="1200" dirty="0" smtClean="0"/>
+              <a:t>(coating)</a:t>
+            </a:r>
+            <a:endParaRPr lang="en-US" sz="1200" dirty="0" smtClean="0"/>
+          </a:p>
+        </p:txBody>
+      </p:sp>
+      <p:sp>
+        <p:nvSpPr>
+          <p:cNvPr id="68" name="TextBox 67"/>
           <p:cNvSpPr txBox="1"/>
           <p:nvPr/>
         </p:nvSpPr>
         <p:spPr>
           <a:xfrm>
-            <a:off x="4724400" y="6019800"/>
-            <a:ext cx="1412310" cy="307777"/>
+            <a:off x="76200" y="1828800"/>
+            <a:ext cx="1238544" cy="276999"/>
           </a:xfrm>
           <a:prstGeom prst="rect">
             <a:avLst/>
           </a:prstGeom>
-          <a:noFill/>
-        </p:spPr>
+          <a:solidFill>
+            <a:schemeClr val="lt1"/>
+          </a:solidFill>
+          <a:ln w="12700"/>
+        </p:spPr>
+        <p:style>
+          <a:lnRef idx="2">
+            <a:schemeClr val="dk1"/>
+          </a:lnRef>
+          <a:fillRef idx="1">
+            <a:schemeClr val="lt1"/>
+          </a:fillRef>
+          <a:effectRef idx="0">
+            <a:schemeClr val="dk1"/>
+          </a:effectRef>
+          <a:fontRef idx="minor">
+            <a:schemeClr val="dk1"/>
+          </a:fontRef>
+        </p:style>
         <p:txBody>
           <a:bodyPr wrap="none" rtlCol="0">
             <a:spAutoFit/>
@@ -3737,30 +7080,210 @@
           <a:lstStyle/>
           <a:p>
             <a:r>
-              <a:rPr lang="en-US" sz="1400" dirty="0" err="1" smtClean="0"/>
-              <a:t>wasControlledBy</a:t>
-            </a:r>
-            <a:endParaRPr lang="en-US" sz="1400" dirty="0"/>
+              <a:rPr lang="en-US" sz="1200" dirty="0" err="1" smtClean="0"/>
+              <a:t>wasDerivedFrom</a:t>
+            </a:r>
+            <a:endParaRPr lang="en-US" sz="1200" dirty="0"/>
+          </a:p>
+        </p:txBody>
+      </p:sp>
+      <p:sp>
+        <p:nvSpPr>
+          <p:cNvPr id="108" name="TextBox 107"/>
+          <p:cNvSpPr txBox="1"/>
+          <p:nvPr/>
+        </p:nvSpPr>
+        <p:spPr>
+          <a:xfrm>
+            <a:off x="990600" y="4267200"/>
+            <a:ext cx="1235979" cy="276999"/>
+          </a:xfrm>
+          <a:prstGeom prst="rect">
+            <a:avLst/>
+          </a:prstGeom>
+          <a:solidFill>
+            <a:schemeClr val="lt1"/>
+          </a:solidFill>
+          <a:ln w="12700"/>
+        </p:spPr>
+        <p:style>
+          <a:lnRef idx="2">
+            <a:schemeClr val="dk1"/>
+          </a:lnRef>
+          <a:fillRef idx="1">
+            <a:schemeClr val="lt1"/>
+          </a:fillRef>
+          <a:effectRef idx="0">
+            <a:schemeClr val="dk1"/>
+          </a:effectRef>
+          <a:fontRef idx="minor">
+            <a:schemeClr val="dk1"/>
+          </a:fontRef>
+        </p:style>
+        <p:txBody>
+          <a:bodyPr wrap="none" rtlCol="0">
+            <a:spAutoFit/>
+          </a:bodyPr>
+          <a:lstStyle/>
+          <a:p>
+            <a:r>
+              <a:rPr lang="en-US" sz="1200" dirty="0" smtClean="0"/>
+              <a:t>Used(ingredient)</a:t>
+            </a:r>
+          </a:p>
+        </p:txBody>
+      </p:sp>
+      <p:sp>
+        <p:nvSpPr>
+          <p:cNvPr id="109" name="TextBox 108"/>
+          <p:cNvSpPr txBox="1"/>
+          <p:nvPr/>
+        </p:nvSpPr>
+        <p:spPr>
+          <a:xfrm>
+            <a:off x="1066800" y="2971800"/>
+            <a:ext cx="1235979" cy="276999"/>
+          </a:xfrm>
+          <a:prstGeom prst="rect">
+            <a:avLst/>
+          </a:prstGeom>
+          <a:solidFill>
+            <a:schemeClr val="lt1"/>
+          </a:solidFill>
+          <a:ln w="12700"/>
+        </p:spPr>
+        <p:style>
+          <a:lnRef idx="2">
+            <a:schemeClr val="dk1"/>
+          </a:lnRef>
+          <a:fillRef idx="1">
+            <a:schemeClr val="lt1"/>
+          </a:fillRef>
+          <a:effectRef idx="0">
+            <a:schemeClr val="dk1"/>
+          </a:effectRef>
+          <a:fontRef idx="minor">
+            <a:schemeClr val="dk1"/>
+          </a:fontRef>
+        </p:style>
+        <p:txBody>
+          <a:bodyPr wrap="none" rtlCol="0">
+            <a:spAutoFit/>
+          </a:bodyPr>
+          <a:lstStyle/>
+          <a:p>
+            <a:r>
+              <a:rPr lang="en-US" sz="1200" dirty="0" smtClean="0"/>
+              <a:t>Used(ingredient)</a:t>
+            </a:r>
+          </a:p>
+        </p:txBody>
+      </p:sp>
+      <p:sp>
+        <p:nvSpPr>
+          <p:cNvPr id="116" name="Oval 115"/>
+          <p:cNvSpPr/>
+          <p:nvPr/>
+        </p:nvSpPr>
+        <p:spPr>
+          <a:xfrm>
+            <a:off x="6477000" y="1524000"/>
+            <a:ext cx="762000" cy="762000"/>
+          </a:xfrm>
+          <a:prstGeom prst="ellipse">
+            <a:avLst/>
+          </a:prstGeom>
+        </p:spPr>
+        <p:style>
+          <a:lnRef idx="1">
+            <a:schemeClr val="accent1"/>
+          </a:lnRef>
+          <a:fillRef idx="2">
+            <a:schemeClr val="accent1"/>
+          </a:fillRef>
+          <a:effectRef idx="1">
+            <a:schemeClr val="accent1"/>
+          </a:effectRef>
+          <a:fontRef idx="minor">
+            <a:schemeClr val="dk1"/>
+          </a:fontRef>
+        </p:style>
+        <p:txBody>
+          <a:bodyPr rtlCol="0" anchor="ctr"/>
+          <a:lstStyle/>
+          <a:p>
+            <a:pPr algn="ctr"/>
+            <a:r>
+              <a:rPr lang="en-US" sz="1050" dirty="0" smtClean="0"/>
+              <a:t>Icing</a:t>
+            </a:r>
+            <a:endParaRPr lang="en-US" sz="1050" baseline="-25000" dirty="0"/>
+          </a:p>
+        </p:txBody>
+      </p:sp>
+      <p:sp>
+        <p:nvSpPr>
+          <p:cNvPr id="131" name="TextBox 130"/>
+          <p:cNvSpPr txBox="1"/>
+          <p:nvPr/>
+        </p:nvSpPr>
+        <p:spPr>
+          <a:xfrm>
+            <a:off x="914400" y="3581400"/>
+            <a:ext cx="1235979" cy="276999"/>
+          </a:xfrm>
+          <a:prstGeom prst="rect">
+            <a:avLst/>
+          </a:prstGeom>
+          <a:solidFill>
+            <a:schemeClr val="lt1"/>
+          </a:solidFill>
+          <a:ln w="12700"/>
+        </p:spPr>
+        <p:style>
+          <a:lnRef idx="2">
+            <a:schemeClr val="dk1"/>
+          </a:lnRef>
+          <a:fillRef idx="1">
+            <a:schemeClr val="lt1"/>
+          </a:fillRef>
+          <a:effectRef idx="0">
+            <a:schemeClr val="dk1"/>
+          </a:effectRef>
+          <a:fontRef idx="minor">
+            <a:schemeClr val="dk1"/>
+          </a:fontRef>
+        </p:style>
+        <p:txBody>
+          <a:bodyPr wrap="none" rtlCol="0">
+            <a:spAutoFit/>
+          </a:bodyPr>
+          <a:lstStyle/>
+          <a:p>
+            <a:r>
+              <a:rPr lang="en-US" sz="1200" dirty="0" smtClean="0"/>
+              <a:t>Used(ingredient)</a:t>
+            </a:r>
           </a:p>
         </p:txBody>
       </p:sp>
       <p:cxnSp>
         <p:nvCxnSpPr>
-          <p:cNvPr id="95" name="Shape 94"/>
+          <p:cNvPr id="142" name="Elbow Connector 141"/>
           <p:cNvCxnSpPr>
-            <a:stCxn id="150" idx="0"/>
-            <a:endCxn id="7" idx="0"/>
+            <a:stCxn id="116" idx="0"/>
+            <a:endCxn id="12" idx="0"/>
           </p:cNvCxnSpPr>
           <p:nvPr/>
         </p:nvCxnSpPr>
         <p:spPr>
-          <a:xfrm rot="16200000" flipV="1">
-            <a:off x="2781300" y="1409700"/>
-            <a:ext cx="12700" cy="4495800"/>
+          <a:xfrm rot="16200000" flipH="1" flipV="1">
+            <a:off x="4038600" y="-838200"/>
+            <a:ext cx="457200" cy="5181600"/>
           </a:xfrm>
           <a:prstGeom prst="bentConnector3">
             <a:avLst>
-              <a:gd name="adj1" fmla="val 1800000"/>
+              <a:gd name="adj1" fmla="val -50000"/>
             </a:avLst>
           </a:prstGeom>
           <a:ln>
@@ -3769,13 +7292,13 @@
         </p:spPr>
         <p:style>
           <a:lnRef idx="2">
-            <a:schemeClr val="accent2"/>
+            <a:schemeClr val="dk1"/>
           </a:lnRef>
           <a:fillRef idx="0">
-            <a:schemeClr val="accent2"/>
-          </a:fillRef>
-          <a:effectRef idx="1">
-            <a:schemeClr val="accent2"/>
+            <a:schemeClr val="dk1"/>
+          </a:fillRef>
+          <a:effectRef idx="1">
+            <a:schemeClr val="dk1"/>
           </a:effectRef>
           <a:fontRef idx="minor">
             <a:schemeClr val="tx1"/>
@@ -3784,20 +7307,37 @@
       </p:cxnSp>
       <p:sp>
         <p:nvSpPr>
-          <p:cNvPr id="100" name="TextBox 99"/>
+          <p:cNvPr id="144" name="TextBox 143"/>
           <p:cNvSpPr txBox="1"/>
           <p:nvPr/>
         </p:nvSpPr>
         <p:spPr>
           <a:xfrm>
-            <a:off x="3200400" y="3124200"/>
-            <a:ext cx="1510606" cy="307777"/>
+            <a:off x="3581400" y="1219200"/>
+            <a:ext cx="1238544" cy="276999"/>
           </a:xfrm>
           <a:prstGeom prst="rect">
             <a:avLst/>
           </a:prstGeom>
-          <a:noFill/>
-        </p:spPr>
+          <a:solidFill>
+            <a:schemeClr val="lt1"/>
+          </a:solidFill>
+          <a:ln w="12700"/>
+        </p:spPr>
+        <p:style>
+          <a:lnRef idx="2">
+            <a:schemeClr val="dk1"/>
+          </a:lnRef>
+          <a:fillRef idx="1">
+            <a:schemeClr val="lt1"/>
+          </a:fillRef>
+          <a:effectRef idx="0">
+            <a:schemeClr val="dk1"/>
+          </a:effectRef>
+          <a:fontRef idx="minor">
+            <a:schemeClr val="dk1"/>
+          </a:fontRef>
+        </p:style>
         <p:txBody>
           <a:bodyPr wrap="none" rtlCol="0">
             <a:spAutoFit/>
@@ -3805,35 +7345,71 @@
           <a:lstStyle/>
           <a:p>
             <a:r>
-              <a:rPr lang="en-US" sz="1400" dirty="0" err="1" smtClean="0"/>
-              <a:t>wasGeneratedBy</a:t>
-            </a:r>
-            <a:r>
-              <a:rPr lang="en-US" sz="1400" dirty="0" smtClean="0"/>
-              <a:t>*</a:t>
-            </a:r>
-            <a:endParaRPr lang="en-US" sz="1400" dirty="0"/>
+              <a:rPr lang="en-US" sz="1200" dirty="0" err="1" smtClean="0"/>
+              <a:t>wasDerivedFrom</a:t>
+            </a:r>
+            <a:endParaRPr lang="en-US" sz="1200" dirty="0"/>
+          </a:p>
+        </p:txBody>
+      </p:sp>
+      <p:sp>
+        <p:nvSpPr>
+          <p:cNvPr id="147" name="Rectangle 146"/>
+          <p:cNvSpPr/>
+          <p:nvPr/>
+        </p:nvSpPr>
+        <p:spPr>
+          <a:xfrm>
+            <a:off x="6781800" y="3352800"/>
+            <a:ext cx="762000" cy="762000"/>
+          </a:xfrm>
+          <a:prstGeom prst="rect">
+            <a:avLst/>
+          </a:prstGeom>
+        </p:spPr>
+        <p:style>
+          <a:lnRef idx="1">
+            <a:schemeClr val="accent1"/>
+          </a:lnRef>
+          <a:fillRef idx="2">
+            <a:schemeClr val="accent1"/>
+          </a:fillRef>
+          <a:effectRef idx="1">
+            <a:schemeClr val="accent1"/>
+          </a:effectRef>
+          <a:fontRef idx="minor">
+            <a:schemeClr val="dk1"/>
+          </a:fontRef>
+        </p:style>
+        <p:txBody>
+          <a:bodyPr rtlCol="0" anchor="ctr"/>
+          <a:lstStyle/>
+          <a:p>
+            <a:pPr algn="ctr"/>
+            <a:r>
+              <a:rPr lang="en-US" sz="1050" dirty="0" smtClean="0"/>
+              <a:t>Decorate</a:t>
+            </a:r>
+            <a:endParaRPr lang="en-US" sz="1050" baseline="-25000" dirty="0"/>
           </a:p>
         </p:txBody>
       </p:sp>
       <p:cxnSp>
         <p:nvCxnSpPr>
-          <p:cNvPr id="102" name="Elbow Connector 101"/>
+          <p:cNvPr id="151" name="Straight Arrow Connector 150"/>
           <p:cNvCxnSpPr>
-            <a:stCxn id="5" idx="2"/>
-            <a:endCxn id="7" idx="2"/>
+            <a:stCxn id="147" idx="1"/>
+            <a:endCxn id="5" idx="3"/>
           </p:cNvCxnSpPr>
           <p:nvPr/>
         </p:nvCxnSpPr>
         <p:spPr>
-          <a:xfrm rot="5400000">
-            <a:off x="4572000" y="381000"/>
-            <a:ext cx="12700" cy="8077200"/>
-          </a:xfrm>
-          <a:prstGeom prst="bentConnector3">
-            <a:avLst>
-              <a:gd name="adj1" fmla="val 6192002"/>
-            </a:avLst>
+          <a:xfrm flipH="1">
+            <a:off x="5410200" y="3733800"/>
+            <a:ext cx="1371600" cy="0"/>
+          </a:xfrm>
+          <a:prstGeom prst="straightConnector1">
+            <a:avLst/>
           </a:prstGeom>
           <a:ln>
             <a:tailEnd type="arrow"/>
@@ -3841,35 +7417,88 @@
         </p:spPr>
         <p:style>
           <a:lnRef idx="2">
-            <a:schemeClr val="accent2"/>
+            <a:schemeClr val="dk1"/>
           </a:lnRef>
           <a:fillRef idx="0">
-            <a:schemeClr val="accent2"/>
-          </a:fillRef>
-          <a:effectRef idx="1">
-            <a:schemeClr val="accent2"/>
+            <a:schemeClr val="dk1"/>
+          </a:fillRef>
+          <a:effectRef idx="1">
+            <a:schemeClr val="dk1"/>
           </a:effectRef>
           <a:fontRef idx="minor">
             <a:schemeClr val="tx1"/>
           </a:fontRef>
         </p:style>
       </p:cxnSp>
-      <p:sp>
-        <p:nvSpPr>
-          <p:cNvPr id="110" name="TextBox 109"/>
+      <p:cxnSp>
+        <p:nvCxnSpPr>
+          <p:cNvPr id="154" name="Straight Arrow Connector 153"/>
+          <p:cNvCxnSpPr>
+            <a:stCxn id="147" idx="0"/>
+            <a:endCxn id="116" idx="5"/>
+          </p:cNvCxnSpPr>
+          <p:nvPr/>
+        </p:nvCxnSpPr>
+        <p:spPr>
+          <a:xfrm flipH="1" flipV="1">
+            <a:off x="7127408" y="2174408"/>
+            <a:ext cx="35392" cy="1178392"/>
+          </a:xfrm>
+          <a:prstGeom prst="straightConnector1">
+            <a:avLst/>
+          </a:prstGeom>
+          <a:ln>
+            <a:tailEnd type="arrow"/>
+          </a:ln>
+        </p:spPr>
+        <p:style>
+          <a:lnRef idx="2">
+            <a:schemeClr val="dk1"/>
+          </a:lnRef>
+          <a:fillRef idx="0">
+            <a:schemeClr val="dk1"/>
+          </a:fillRef>
+          <a:effectRef idx="1">
+            <a:schemeClr val="dk1"/>
+          </a:effectRef>
+          <a:fontRef idx="minor">
+            <a:schemeClr val="tx1"/>
+          </a:fontRef>
+        </p:style>
+      </p:cxnSp>
+      <p:sp>
+        <p:nvSpPr>
+          <p:cNvPr id="157" name="TextBox 156"/>
           <p:cNvSpPr txBox="1"/>
           <p:nvPr/>
         </p:nvSpPr>
         <p:spPr>
           <a:xfrm>
-            <a:off x="1219200" y="4876800"/>
-            <a:ext cx="1421158" cy="307777"/>
+            <a:off x="7010400" y="2514600"/>
+            <a:ext cx="502061" cy="276999"/>
           </a:xfrm>
           <a:prstGeom prst="rect">
             <a:avLst/>
           </a:prstGeom>
-          <a:noFill/>
-        </p:spPr>
+          <a:solidFill>
+            <a:schemeClr val="lt1"/>
+          </a:solidFill>
+          <a:ln w="12700"/>
+        </p:spPr>
+        <p:style>
+          <a:lnRef idx="2">
+            <a:schemeClr val="dk1"/>
+          </a:lnRef>
+          <a:fillRef idx="1">
+            <a:schemeClr val="lt1"/>
+          </a:fillRef>
+          <a:effectRef idx="0">
+            <a:schemeClr val="dk1"/>
+          </a:effectRef>
+          <a:fontRef idx="minor">
+            <a:schemeClr val="dk1"/>
+          </a:fontRef>
+        </p:style>
         <p:txBody>
           <a:bodyPr wrap="none" rtlCol="0">
             <a:spAutoFit/>
@@ -3877,35 +7506,76 @@
           <a:lstStyle/>
           <a:p>
             <a:r>
-              <a:rPr lang="en-US" sz="1400" dirty="0" err="1" smtClean="0"/>
+              <a:rPr lang="en-US" sz="1200" dirty="0" smtClean="0"/>
+              <a:t>Used</a:t>
+            </a:r>
+            <a:endParaRPr lang="en-US" sz="1200" dirty="0"/>
+          </a:p>
+        </p:txBody>
+      </p:sp>
+      <p:sp>
+        <p:nvSpPr>
+          <p:cNvPr id="158" name="TextBox 157"/>
+          <p:cNvSpPr txBox="1"/>
+          <p:nvPr/>
+        </p:nvSpPr>
+        <p:spPr>
+          <a:xfrm>
+            <a:off x="5562600" y="3609201"/>
+            <a:ext cx="1162241" cy="276999"/>
+          </a:xfrm>
+          <a:prstGeom prst="rect">
+            <a:avLst/>
+          </a:prstGeom>
+          <a:solidFill>
+            <a:schemeClr val="lt1"/>
+          </a:solidFill>
+          <a:ln w="12700"/>
+        </p:spPr>
+        <p:style>
+          <a:lnRef idx="2">
+            <a:schemeClr val="dk1"/>
+          </a:lnRef>
+          <a:fillRef idx="1">
+            <a:schemeClr val="lt1"/>
+          </a:fillRef>
+          <a:effectRef idx="0">
+            <a:schemeClr val="dk1"/>
+          </a:effectRef>
+          <a:fontRef idx="minor">
+            <a:schemeClr val="dk1"/>
+          </a:fontRef>
+        </p:style>
+        <p:txBody>
+          <a:bodyPr wrap="none" rtlCol="0">
+            <a:spAutoFit/>
+          </a:bodyPr>
+          <a:lstStyle/>
+          <a:p>
+            <a:r>
+              <a:rPr lang="en-US" sz="1200" dirty="0" err="1" smtClean="0"/>
               <a:t>wasTriggeredBy</a:t>
             </a:r>
-            <a:r>
-              <a:rPr lang="en-US" sz="1400" dirty="0" smtClean="0"/>
-              <a:t>*</a:t>
-            </a:r>
-            <a:endParaRPr lang="en-US" sz="1400" dirty="0"/>
+            <a:endParaRPr lang="en-US" sz="1200" dirty="0"/>
           </a:p>
         </p:txBody>
       </p:sp>
       <p:cxnSp>
         <p:nvCxnSpPr>
-          <p:cNvPr id="124" name="Elbow Connector 123"/>
+          <p:cNvPr id="43" name="Straight Arrow Connector 42"/>
           <p:cNvCxnSpPr>
-            <a:stCxn id="5" idx="0"/>
-            <a:endCxn id="10" idx="0"/>
+            <a:stCxn id="147" idx="0"/>
+            <a:endCxn id="7" idx="0"/>
           </p:cNvCxnSpPr>
           <p:nvPr/>
         </p:nvCxnSpPr>
         <p:spPr>
-          <a:xfrm rot="16200000" flipV="1">
-            <a:off x="5715000" y="762000"/>
-            <a:ext cx="12700" cy="5791200"/>
-          </a:xfrm>
-          <a:prstGeom prst="bentConnector3">
-            <a:avLst>
-              <a:gd name="adj1" fmla="val 4968002"/>
-            </a:avLst>
+          <a:xfrm flipH="1" flipV="1">
+            <a:off x="4800600" y="1823382"/>
+            <a:ext cx="2362200" cy="1529418"/>
+          </a:xfrm>
+          <a:prstGeom prst="straightConnector1">
+            <a:avLst/>
           </a:prstGeom>
           <a:ln>
             <a:tailEnd type="arrow"/>
@@ -3913,13 +7583,13 @@
         </p:spPr>
         <p:style>
           <a:lnRef idx="2">
-            <a:schemeClr val="accent2"/>
+            <a:schemeClr val="dk1"/>
           </a:lnRef>
           <a:fillRef idx="0">
-            <a:schemeClr val="accent2"/>
-          </a:fillRef>
-          <a:effectRef idx="1">
-            <a:schemeClr val="accent2"/>
+            <a:schemeClr val="dk1"/>
+          </a:fillRef>
+          <a:effectRef idx="1">
+            <a:schemeClr val="dk1"/>
           </a:effectRef>
           <a:fontRef idx="minor">
             <a:schemeClr val="tx1"/>
@@ -3928,20 +7598,37 @@
       </p:cxnSp>
       <p:sp>
         <p:nvSpPr>
-          <p:cNvPr id="126" name="TextBox 125"/>
+          <p:cNvPr id="47" name="TextBox 46"/>
           <p:cNvSpPr txBox="1"/>
           <p:nvPr/>
         </p:nvSpPr>
         <p:spPr>
           <a:xfrm>
-            <a:off x="5867400" y="2743200"/>
-            <a:ext cx="623889" cy="307777"/>
+            <a:off x="5715000" y="2819400"/>
+            <a:ext cx="1232325" cy="276999"/>
           </a:xfrm>
           <a:prstGeom prst="rect">
             <a:avLst/>
           </a:prstGeom>
-          <a:noFill/>
-        </p:spPr>
+          <a:solidFill>
+            <a:schemeClr val="lt1"/>
+          </a:solidFill>
+          <a:ln w="12700"/>
+        </p:spPr>
+        <p:style>
+          <a:lnRef idx="2">
+            <a:schemeClr val="dk1"/>
+          </a:lnRef>
+          <a:fillRef idx="1">
+            <a:schemeClr val="lt1"/>
+          </a:fillRef>
+          <a:effectRef idx="0">
+            <a:schemeClr val="dk1"/>
+          </a:effectRef>
+          <a:fontRef idx="minor">
+            <a:schemeClr val="dk1"/>
+          </a:fontRef>
+        </p:style>
         <p:txBody>
           <a:bodyPr wrap="none" rtlCol="0">
             <a:spAutoFit/>
@@ -3949,26 +7636,22 @@
           <a:lstStyle/>
           <a:p>
             <a:r>
-              <a:rPr lang="en-US" sz="1400" dirty="0"/>
-              <a:t>u</a:t>
-            </a:r>
-            <a:r>
-              <a:rPr lang="en-US" sz="1400" dirty="0" smtClean="0"/>
-              <a:t>sed*</a:t>
-            </a:r>
-            <a:endParaRPr lang="en-US" sz="1400" dirty="0"/>
-          </a:p>
-        </p:txBody>
-      </p:sp>
-      <p:sp>
-        <p:nvSpPr>
-          <p:cNvPr id="150" name="Oval 149"/>
+              <a:rPr lang="en-US" sz="1200" dirty="0" err="1" smtClean="0"/>
+              <a:t>wasControlledBy</a:t>
+            </a:r>
+            <a:endParaRPr lang="en-US" sz="1200" dirty="0"/>
+          </a:p>
+        </p:txBody>
+      </p:sp>
+      <p:sp>
+        <p:nvSpPr>
+          <p:cNvPr id="61" name="Oval 60"/>
           <p:cNvSpPr/>
           <p:nvPr/>
         </p:nvSpPr>
         <p:spPr>
           <a:xfrm>
-            <a:off x="4648200" y="3657600"/>
+            <a:off x="3581400" y="4953000"/>
             <a:ext cx="762000" cy="762000"/>
           </a:xfrm>
           <a:prstGeom prst="ellipse">
@@ -3995,75 +7678,25 @@
           <a:p>
             <a:pPr algn="ctr"/>
             <a:r>
-              <a:rPr lang="en-US" sz="2400" dirty="0" smtClean="0"/>
-              <a:t>a</a:t>
-            </a:r>
-            <a:r>
-              <a:rPr lang="en-US" sz="2400" baseline="-25000" dirty="0"/>
-              <a:t>2</a:t>
-            </a:r>
-          </a:p>
-        </p:txBody>
-      </p:sp>
-      <p:sp>
-        <p:nvSpPr>
-          <p:cNvPr id="155" name="Oval 154"/>
-          <p:cNvSpPr/>
-          <p:nvPr/>
-        </p:nvSpPr>
-        <p:spPr>
-          <a:xfrm>
-            <a:off x="6781800" y="3657600"/>
-            <a:ext cx="762000" cy="762000"/>
-          </a:xfrm>
-          <a:prstGeom prst="ellipse">
-            <a:avLst/>
-          </a:prstGeom>
-        </p:spPr>
-        <p:style>
-          <a:lnRef idx="1">
-            <a:schemeClr val="accent1"/>
-          </a:lnRef>
-          <a:fillRef idx="2">
-            <a:schemeClr val="accent1"/>
-          </a:fillRef>
-          <a:effectRef idx="1">
-            <a:schemeClr val="accent1"/>
-          </a:effectRef>
-          <a:fontRef idx="minor">
-            <a:schemeClr val="dk1"/>
-          </a:fontRef>
-        </p:style>
-        <p:txBody>
-          <a:bodyPr rtlCol="0" anchor="ctr"/>
-          <a:lstStyle/>
-          <a:p>
-            <a:pPr algn="ctr"/>
-            <a:r>
-              <a:rPr lang="en-US" sz="2400" dirty="0" smtClean="0"/>
-              <a:t>a</a:t>
-            </a:r>
-            <a:r>
-              <a:rPr lang="en-US" sz="2400" baseline="-25000" dirty="0" smtClean="0"/>
-              <a:t>3</a:t>
-            </a:r>
-            <a:endParaRPr lang="en-US" sz="2400" baseline="-25000" dirty="0"/>
+              <a:rPr lang="en-US" sz="1050" dirty="0" smtClean="0"/>
+              <a:t>Oven</a:t>
+            </a:r>
           </a:p>
         </p:txBody>
       </p:sp>
       <p:cxnSp>
         <p:nvCxnSpPr>
-          <p:cNvPr id="156" name="Straight Arrow Connector 155"/>
+          <p:cNvPr id="62" name="Straight Arrow Connector 61"/>
           <p:cNvCxnSpPr>
-            <a:stCxn id="155" idx="2"/>
-            <a:endCxn id="150" idx="6"/>
+            <a:stCxn id="5" idx="2"/>
+            <a:endCxn id="61" idx="7"/>
           </p:cNvCxnSpPr>
           <p:nvPr/>
         </p:nvCxnSpPr>
         <p:spPr>
           <a:xfrm flipH="1">
-            <a:off x="5410200" y="4038600"/>
-            <a:ext cx="1371600" cy="0"/>
+            <a:off x="4231808" y="4114800"/>
+            <a:ext cx="797392" cy="949792"/>
           </a:xfrm>
           <a:prstGeom prst="straightConnector1">
             <a:avLst/>
@@ -4087,19 +7720,107 @@
           </a:fontRef>
         </p:style>
       </p:cxnSp>
+      <p:sp>
+        <p:nvSpPr>
+          <p:cNvPr id="63" name="TextBox 62"/>
+          <p:cNvSpPr txBox="1"/>
+          <p:nvPr/>
+        </p:nvSpPr>
+        <p:spPr>
+          <a:xfrm>
+            <a:off x="3810000" y="4267200"/>
+            <a:ext cx="1007007" cy="276999"/>
+          </a:xfrm>
+          <a:prstGeom prst="rect">
+            <a:avLst/>
+          </a:prstGeom>
+          <a:solidFill>
+            <a:schemeClr val="lt1"/>
+          </a:solidFill>
+          <a:ln w="12700"/>
+        </p:spPr>
+        <p:style>
+          <a:lnRef idx="2">
+            <a:schemeClr val="dk1"/>
+          </a:lnRef>
+          <a:fillRef idx="1">
+            <a:schemeClr val="lt1"/>
+          </a:fillRef>
+          <a:effectRef idx="0">
+            <a:schemeClr val="dk1"/>
+          </a:effectRef>
+          <a:fontRef idx="minor">
+            <a:schemeClr val="dk1"/>
+          </a:fontRef>
+        </p:style>
+        <p:txBody>
+          <a:bodyPr wrap="none" rtlCol="0">
+            <a:spAutoFit/>
+          </a:bodyPr>
+          <a:lstStyle/>
+          <a:p>
+            <a:r>
+              <a:rPr lang="en-US" sz="1200" dirty="0" smtClean="0"/>
+              <a:t>Used(baking)</a:t>
+            </a:r>
+            <a:endParaRPr lang="en-US" sz="1200" dirty="0"/>
+          </a:p>
+        </p:txBody>
+      </p:sp>
+      <p:sp>
+        <p:nvSpPr>
+          <p:cNvPr id="65" name="Oval 64"/>
+          <p:cNvSpPr/>
+          <p:nvPr/>
+        </p:nvSpPr>
+        <p:spPr>
+          <a:xfrm>
+            <a:off x="1219200" y="5257800"/>
+            <a:ext cx="762000" cy="762000"/>
+          </a:xfrm>
+          <a:prstGeom prst="ellipse">
+            <a:avLst/>
+          </a:prstGeom>
+        </p:spPr>
+        <p:style>
+          <a:lnRef idx="1">
+            <a:schemeClr val="accent1"/>
+          </a:lnRef>
+          <a:fillRef idx="2">
+            <a:schemeClr val="accent1"/>
+          </a:fillRef>
+          <a:effectRef idx="1">
+            <a:schemeClr val="accent1"/>
+          </a:effectRef>
+          <a:fontRef idx="minor">
+            <a:schemeClr val="dk1"/>
+          </a:fontRef>
+        </p:style>
+        <p:txBody>
+          <a:bodyPr rtlCol="0" anchor="ctr"/>
+          <a:lstStyle/>
+          <a:p>
+            <a:pPr algn="ctr"/>
+            <a:r>
+              <a:rPr lang="en-US" sz="1050" dirty="0" smtClean="0"/>
+              <a:t>Hand Mixer</a:t>
+            </a:r>
+          </a:p>
+        </p:txBody>
+      </p:sp>
       <p:cxnSp>
         <p:nvCxnSpPr>
-          <p:cNvPr id="159" name="Straight Arrow Connector 158"/>
+          <p:cNvPr id="69" name="Straight Arrow Connector 68"/>
           <p:cNvCxnSpPr>
-            <a:stCxn id="5" idx="1"/>
-            <a:endCxn id="155" idx="6"/>
+            <a:stCxn id="8" idx="2"/>
+            <a:endCxn id="65" idx="7"/>
           </p:cNvCxnSpPr>
           <p:nvPr/>
         </p:nvCxnSpPr>
         <p:spPr>
           <a:xfrm flipH="1">
-            <a:off x="7543800" y="4038600"/>
-            <a:ext cx="685800" cy="0"/>
+            <a:off x="1869608" y="4114800"/>
+            <a:ext cx="1025992" cy="1254592"/>
           </a:xfrm>
           <a:prstGeom prst="straightConnector1">
             <a:avLst/>
@@ -4125,20 +7846,37 @@
       </p:cxnSp>
       <p:sp>
         <p:nvSpPr>
-          <p:cNvPr id="197" name="TextBox 196"/>
+          <p:cNvPr id="70" name="TextBox 69"/>
           <p:cNvSpPr txBox="1"/>
           <p:nvPr/>
         </p:nvSpPr>
         <p:spPr>
           <a:xfrm>
-            <a:off x="3276600" y="3657600"/>
-            <a:ext cx="1415580" cy="307777"/>
+            <a:off x="1981200" y="4724400"/>
+            <a:ext cx="526234" cy="461665"/>
           </a:xfrm>
           <a:prstGeom prst="rect">
             <a:avLst/>
           </a:prstGeom>
-          <a:noFill/>
-        </p:spPr>
+          <a:solidFill>
+            <a:schemeClr val="lt1"/>
+          </a:solidFill>
+          <a:ln w="12700"/>
+        </p:spPr>
+        <p:style>
+          <a:lnRef idx="2">
+            <a:schemeClr val="dk1"/>
+          </a:lnRef>
+          <a:fillRef idx="1">
+            <a:schemeClr val="lt1"/>
+          </a:fillRef>
+          <a:effectRef idx="0">
+            <a:schemeClr val="dk1"/>
+          </a:effectRef>
+          <a:fontRef idx="minor">
+            <a:schemeClr val="dk1"/>
+          </a:fontRef>
+        </p:style>
         <p:txBody>
           <a:bodyPr wrap="none" rtlCol="0">
             <a:spAutoFit/>
@@ -4146,82 +7884,15 @@
           <a:lstStyle/>
           <a:p>
             <a:r>
-              <a:rPr lang="en-US" sz="1400" dirty="0" err="1" smtClean="0"/>
-              <a:t>wasDerivedFrom</a:t>
-            </a:r>
-            <a:endParaRPr lang="en-US" sz="1400" dirty="0"/>
-          </a:p>
-        </p:txBody>
-      </p:sp>
-      <p:cxnSp>
-        <p:nvCxnSpPr>
-          <p:cNvPr id="211" name="Elbow Connector 210"/>
-          <p:cNvCxnSpPr>
-            <a:stCxn id="155" idx="4"/>
-            <a:endCxn id="10" idx="4"/>
-          </p:cNvCxnSpPr>
-          <p:nvPr/>
-        </p:nvCxnSpPr>
-        <p:spPr>
-          <a:xfrm rot="5400000">
-            <a:off x="4991100" y="2247900"/>
-            <a:ext cx="12700" cy="4343400"/>
-          </a:xfrm>
-          <a:prstGeom prst="bentConnector3">
-            <a:avLst>
-              <a:gd name="adj1" fmla="val 4248001"/>
-            </a:avLst>
-          </a:prstGeom>
-          <a:ln>
-            <a:tailEnd type="arrow"/>
-          </a:ln>
-        </p:spPr>
-        <p:style>
-          <a:lnRef idx="2">
-            <a:schemeClr val="accent2"/>
-          </a:lnRef>
-          <a:fillRef idx="0">
-            <a:schemeClr val="accent2"/>
-          </a:fillRef>
-          <a:effectRef idx="1">
-            <a:schemeClr val="accent2"/>
-          </a:effectRef>
-          <a:fontRef idx="minor">
-            <a:schemeClr val="tx1"/>
-          </a:fontRef>
-        </p:style>
-      </p:cxnSp>
-      <p:sp>
-        <p:nvSpPr>
-          <p:cNvPr id="213" name="TextBox 212"/>
-          <p:cNvSpPr txBox="1"/>
-          <p:nvPr/>
-        </p:nvSpPr>
-        <p:spPr>
-          <a:xfrm>
-            <a:off x="4343400" y="4648200"/>
-            <a:ext cx="1505348" cy="307777"/>
-          </a:xfrm>
-          <a:prstGeom prst="rect">
-            <a:avLst/>
-          </a:prstGeom>
-          <a:noFill/>
-        </p:spPr>
-        <p:txBody>
-          <a:bodyPr wrap="none" rtlCol="0">
-            <a:spAutoFit/>
-          </a:bodyPr>
-          <a:lstStyle/>
-          <a:p>
-            <a:r>
-              <a:rPr lang="en-US" sz="1400" dirty="0" err="1" smtClean="0"/>
-              <a:t>wasDerivedFrom</a:t>
-            </a:r>
-            <a:r>
-              <a:rPr lang="en-US" sz="1400" dirty="0" smtClean="0"/>
-              <a:t>*</a:t>
-            </a:r>
-            <a:endParaRPr lang="en-US" sz="1400" dirty="0"/>
+              <a:rPr lang="en-US" sz="1200" dirty="0" smtClean="0"/>
+              <a:t>Used</a:t>
+            </a:r>
+          </a:p>
+          <a:p>
+            <a:r>
+              <a:rPr lang="en-US" sz="1200" dirty="0" smtClean="0"/>
+              <a:t>(tool)</a:t>
+            </a:r>
           </a:p>
         </p:txBody>
       </p:sp>
@@ -4258,7 +7929,7 @@
         </p:nvSpPr>
         <p:spPr>
           <a:xfrm>
-            <a:off x="8382000" y="3352800"/>
+            <a:off x="8382000" y="4495800"/>
             <a:ext cx="762000" cy="762000"/>
           </a:xfrm>
           <a:prstGeom prst="ellipse">
@@ -4300,7 +7971,7 @@
         </p:nvSpPr>
         <p:spPr>
           <a:xfrm>
-            <a:off x="5181600" y="3352800"/>
+            <a:off x="4648200" y="3352800"/>
             <a:ext cx="762000" cy="762000"/>
           </a:xfrm>
           <a:prstGeom prst="rect">
@@ -4342,7 +8013,7 @@
         </p:nvSpPr>
         <p:spPr>
           <a:xfrm>
-            <a:off x="3657600" y="1600200"/>
+            <a:off x="4038600" y="1600200"/>
             <a:ext cx="762000" cy="762000"/>
           </a:xfrm>
           <a:prstGeom prst="octagon">
@@ -4384,7 +8055,7 @@
         </p:nvSpPr>
         <p:spPr>
           <a:xfrm>
-            <a:off x="3276600" y="3352800"/>
+            <a:off x="2514600" y="3352800"/>
             <a:ext cx="762000" cy="762000"/>
           </a:xfrm>
           <a:prstGeom prst="rect">
@@ -4426,7 +8097,7 @@
         </p:nvSpPr>
         <p:spPr>
           <a:xfrm>
-            <a:off x="457200" y="990600"/>
+            <a:off x="0" y="990600"/>
             <a:ext cx="762000" cy="762000"/>
           </a:xfrm>
           <a:prstGeom prst="ellipse">
@@ -4467,7 +8138,7 @@
         </p:nvSpPr>
         <p:spPr>
           <a:xfrm>
-            <a:off x="228600" y="4267200"/>
+            <a:off x="0" y="4267200"/>
             <a:ext cx="762000" cy="762000"/>
           </a:xfrm>
           <a:prstGeom prst="ellipse">
@@ -4590,7 +8261,7 @@
         </p:nvSpPr>
         <p:spPr>
           <a:xfrm>
-            <a:off x="4572000" y="4572000"/>
+            <a:off x="3581400" y="4953000"/>
             <a:ext cx="762000" cy="762000"/>
           </a:xfrm>
           <a:prstGeom prst="ellipse">
@@ -4631,7 +8302,7 @@
         </p:nvSpPr>
         <p:spPr>
           <a:xfrm>
-            <a:off x="304800" y="3352800"/>
+            <a:off x="0" y="3352800"/>
             <a:ext cx="762000" cy="762000"/>
           </a:xfrm>
           <a:prstGeom prst="ellipse">
@@ -4668,15 +8339,15 @@
         <p:nvCxnSpPr>
           <p:cNvPr id="17" name="Straight Arrow Connector 16"/>
           <p:cNvCxnSpPr>
-            <a:stCxn id="4" idx="2"/>
+            <a:stCxn id="4" idx="1"/>
             <a:endCxn id="147" idx="3"/>
           </p:cNvCxnSpPr>
           <p:nvPr/>
         </p:nvCxnSpPr>
         <p:spPr>
-          <a:xfrm flipH="1">
-            <a:off x="7848600" y="3733800"/>
-            <a:ext cx="533400" cy="0"/>
+          <a:xfrm flipH="1" flipV="1">
+            <a:off x="7543800" y="3733800"/>
+            <a:ext cx="949792" cy="873592"/>
           </a:xfrm>
           <a:prstGeom prst="straightConnector1">
             <a:avLst/>
@@ -4711,8 +8382,8 @@
         </p:nvCxnSpPr>
         <p:spPr>
           <a:xfrm flipH="1">
-            <a:off x="4038600" y="3733800"/>
-            <a:ext cx="1143000" cy="0"/>
+            <a:off x="3276600" y="3733800"/>
+            <a:ext cx="1371600" cy="0"/>
           </a:xfrm>
           <a:prstGeom prst="straightConnector1">
             <a:avLst/>
@@ -4747,8 +8418,8 @@
         </p:nvCxnSpPr>
         <p:spPr>
           <a:xfrm flipH="1" flipV="1">
-            <a:off x="4419600" y="2139018"/>
-            <a:ext cx="1143000" cy="1213782"/>
+            <a:off x="4800600" y="2139018"/>
+            <a:ext cx="228600" cy="1213782"/>
           </a:xfrm>
           <a:prstGeom prst="straightConnector1">
             <a:avLst/>
@@ -4783,8 +8454,8 @@
         </p:nvCxnSpPr>
         <p:spPr>
           <a:xfrm flipV="1">
-            <a:off x="3657600" y="2362200"/>
-            <a:ext cx="223182" cy="990600"/>
+            <a:off x="2895600" y="2362200"/>
+            <a:ext cx="1366182" cy="990600"/>
           </a:xfrm>
           <a:prstGeom prst="straightConnector1">
             <a:avLst/>
@@ -4819,8 +8490,8 @@
         </p:nvCxnSpPr>
         <p:spPr>
           <a:xfrm flipH="1">
-            <a:off x="5222408" y="4114800"/>
-            <a:ext cx="340192" cy="568792"/>
+            <a:off x="4231808" y="4114800"/>
+            <a:ext cx="797392" cy="949792"/>
           </a:xfrm>
           <a:prstGeom prst="straightConnector1">
             <a:avLst/>
@@ -4855,8 +8526,8 @@
         </p:nvCxnSpPr>
         <p:spPr>
           <a:xfrm flipH="1">
-            <a:off x="990600" y="3733800"/>
-            <a:ext cx="2286000" cy="914400"/>
+            <a:off x="762000" y="3733800"/>
+            <a:ext cx="1752600" cy="914400"/>
           </a:xfrm>
           <a:prstGeom prst="straightConnector1">
             <a:avLst/>
@@ -4891,8 +8562,8 @@
         </p:nvCxnSpPr>
         <p:spPr>
           <a:xfrm flipH="1">
-            <a:off x="1066800" y="3733800"/>
-            <a:ext cx="2209800" cy="0"/>
+            <a:off x="762000" y="3733800"/>
+            <a:ext cx="1752600" cy="0"/>
           </a:xfrm>
           <a:prstGeom prst="straightConnector1">
             <a:avLst/>
@@ -4928,7 +8599,7 @@
         <p:spPr>
           <a:xfrm flipH="1" flipV="1">
             <a:off x="1945808" y="2631608"/>
-            <a:ext cx="1711792" cy="721192"/>
+            <a:ext cx="949792" cy="721192"/>
           </a:xfrm>
           <a:prstGeom prst="straightConnector1">
             <a:avLst/>
@@ -4964,7 +8635,7 @@
         <p:spPr>
           <a:xfrm flipH="1" flipV="1">
             <a:off x="762000" y="2819400"/>
-            <a:ext cx="2514600" cy="914400"/>
+            <a:ext cx="1752600" cy="914400"/>
           </a:xfrm>
           <a:prstGeom prst="straightConnector1">
             <a:avLst/>
@@ -4999,8 +8670,8 @@
         </p:nvCxnSpPr>
         <p:spPr>
           <a:xfrm flipH="1" flipV="1">
-            <a:off x="1107608" y="1641008"/>
-            <a:ext cx="299384" cy="451784"/>
+            <a:off x="650408" y="1641008"/>
+            <a:ext cx="756584" cy="451784"/>
           </a:xfrm>
           <a:prstGeom prst="straightConnector1">
             <a:avLst/>
@@ -5032,14 +8703,28 @@
         </p:nvSpPr>
         <p:spPr>
           <a:xfrm>
-            <a:off x="4038600" y="3429000"/>
+            <a:off x="3429000" y="3609201"/>
             <a:ext cx="1162241" cy="276999"/>
           </a:xfrm>
           <a:prstGeom prst="rect">
             <a:avLst/>
           </a:prstGeom>
-          <a:noFill/>
-        </p:spPr>
+          <a:ln w="12700"/>
+        </p:spPr>
+        <p:style>
+          <a:lnRef idx="2">
+            <a:schemeClr val="dk1"/>
+          </a:lnRef>
+          <a:fillRef idx="1">
+            <a:schemeClr val="lt1"/>
+          </a:fillRef>
+          <a:effectRef idx="0">
+            <a:schemeClr val="dk1"/>
+          </a:effectRef>
+          <a:fontRef idx="minor">
+            <a:schemeClr val="dk1"/>
+          </a:fontRef>
+        </p:style>
         <p:txBody>
           <a:bodyPr wrap="none" rtlCol="0">
             <a:spAutoFit/>
@@ -5062,14 +8747,28 @@
         </p:nvSpPr>
         <p:spPr>
           <a:xfrm>
-            <a:off x="4953000" y="2514600"/>
+            <a:off x="4419600" y="2390001"/>
             <a:ext cx="1232325" cy="276999"/>
           </a:xfrm>
           <a:prstGeom prst="rect">
             <a:avLst/>
           </a:prstGeom>
-          <a:noFill/>
-        </p:spPr>
+          <a:ln w="12700"/>
+        </p:spPr>
+        <p:style>
+          <a:lnRef idx="2">
+            <a:schemeClr val="dk1"/>
+          </a:lnRef>
+          <a:fillRef idx="1">
+            <a:schemeClr val="lt1"/>
+          </a:fillRef>
+          <a:effectRef idx="0">
+            <a:schemeClr val="dk1"/>
+          </a:effectRef>
+          <a:fontRef idx="minor">
+            <a:schemeClr val="dk1"/>
+          </a:fontRef>
+        </p:style>
         <p:txBody>
           <a:bodyPr wrap="none" rtlCol="0">
             <a:spAutoFit/>
@@ -5092,14 +8791,28 @@
         </p:nvSpPr>
         <p:spPr>
           <a:xfrm>
-            <a:off x="3733800" y="2667000"/>
+            <a:off x="3415875" y="2819400"/>
             <a:ext cx="1232325" cy="461665"/>
           </a:xfrm>
           <a:prstGeom prst="rect">
             <a:avLst/>
           </a:prstGeom>
-          <a:noFill/>
-        </p:spPr>
+          <a:ln w="12700"/>
+        </p:spPr>
+        <p:style>
+          <a:lnRef idx="2">
+            <a:schemeClr val="dk1"/>
+          </a:lnRef>
+          <a:fillRef idx="1">
+            <a:schemeClr val="lt1"/>
+          </a:fillRef>
+          <a:effectRef idx="0">
+            <a:schemeClr val="dk1"/>
+          </a:effectRef>
+          <a:fontRef idx="minor">
+            <a:schemeClr val="dk1"/>
+          </a:fontRef>
+        </p:style>
         <p:txBody>
           <a:bodyPr wrap="none" rtlCol="0">
             <a:spAutoFit/>
@@ -5131,14 +8844,28 @@
         </p:nvSpPr>
         <p:spPr>
           <a:xfrm>
-            <a:off x="2514600" y="2514600"/>
+            <a:off x="2133600" y="2590800"/>
             <a:ext cx="1235979" cy="276999"/>
           </a:xfrm>
           <a:prstGeom prst="rect">
             <a:avLst/>
           </a:prstGeom>
-          <a:noFill/>
-        </p:spPr>
+          <a:ln w="12700"/>
+        </p:spPr>
+        <p:style>
+          <a:lnRef idx="2">
+            <a:schemeClr val="dk1"/>
+          </a:lnRef>
+          <a:fillRef idx="1">
+            <a:schemeClr val="lt1"/>
+          </a:fillRef>
+          <a:effectRef idx="0">
+            <a:schemeClr val="dk1"/>
+          </a:effectRef>
+          <a:fontRef idx="minor">
+            <a:schemeClr val="dk1"/>
+          </a:fontRef>
+        </p:style>
         <p:txBody>
           <a:bodyPr wrap="none" rtlCol="0">
             <a:spAutoFit/>
@@ -5161,14 +8888,28 @@
         </p:nvSpPr>
         <p:spPr>
           <a:xfrm>
-            <a:off x="5486400" y="4343400"/>
+            <a:off x="3810000" y="4267200"/>
             <a:ext cx="1007007" cy="276999"/>
           </a:xfrm>
           <a:prstGeom prst="rect">
             <a:avLst/>
           </a:prstGeom>
-          <a:noFill/>
-        </p:spPr>
+          <a:ln w="12700"/>
+        </p:spPr>
+        <p:style>
+          <a:lnRef idx="2">
+            <a:schemeClr val="dk1"/>
+          </a:lnRef>
+          <a:fillRef idx="1">
+            <a:schemeClr val="lt1"/>
+          </a:fillRef>
+          <a:effectRef idx="0">
+            <a:schemeClr val="dk1"/>
+          </a:effectRef>
+          <a:fontRef idx="minor">
+            <a:schemeClr val="dk1"/>
+          </a:fontRef>
+        </p:style>
         <p:txBody>
           <a:bodyPr wrap="none" rtlCol="0">
             <a:spAutoFit/>
@@ -5185,38 +8926,43 @@
       </p:sp>
       <p:sp>
         <p:nvSpPr>
-          <p:cNvPr id="67" name="TextBox 66"/>
+          <p:cNvPr id="68" name="TextBox 67"/>
           <p:cNvSpPr txBox="1"/>
           <p:nvPr/>
         </p:nvSpPr>
         <p:spPr>
           <a:xfrm>
-            <a:off x="7543800" y="3124200"/>
-            <a:ext cx="1239635" cy="461665"/>
+            <a:off x="76200" y="1828800"/>
+            <a:ext cx="1238544" cy="276999"/>
           </a:xfrm>
           <a:prstGeom prst="rect">
             <a:avLst/>
           </a:prstGeom>
-          <a:noFill/>
-        </p:spPr>
+          <a:ln w="12700"/>
+        </p:spPr>
+        <p:style>
+          <a:lnRef idx="2">
+            <a:schemeClr val="dk1"/>
+          </a:lnRef>
+          <a:fillRef idx="1">
+            <a:schemeClr val="lt1"/>
+          </a:fillRef>
+          <a:effectRef idx="0">
+            <a:schemeClr val="dk1"/>
+          </a:effectRef>
+          <a:fontRef idx="minor">
+            <a:schemeClr val="dk1"/>
+          </a:fontRef>
+        </p:style>
         <p:txBody>
           <a:bodyPr wrap="none" rtlCol="0">
             <a:spAutoFit/>
           </a:bodyPr>
           <a:lstStyle/>
           <a:p>
-            <a:pPr algn="ctr"/>
             <a:r>
               <a:rPr lang="en-US" sz="1200" dirty="0" err="1" smtClean="0"/>
-              <a:t>wasGeneratedBy</a:t>
-            </a:r>
-            <a:endParaRPr lang="en-US" sz="1200" dirty="0" smtClean="0"/>
-          </a:p>
-          <a:p>
-            <a:pPr algn="ctr"/>
-            <a:r>
-              <a:rPr lang="en-US" sz="1200" dirty="0" smtClean="0"/>
-              <a:t>(dessert)</a:t>
+              <a:t>wasDerivedFrom</a:t>
             </a:r>
             <a:endParaRPr lang="en-US" sz="1200" dirty="0"/>
           </a:p>
@@ -5224,20 +8970,34 @@
       </p:sp>
       <p:sp>
         <p:nvSpPr>
-          <p:cNvPr id="68" name="TextBox 67"/>
+          <p:cNvPr id="108" name="TextBox 107"/>
           <p:cNvSpPr txBox="1"/>
           <p:nvPr/>
         </p:nvSpPr>
         <p:spPr>
           <a:xfrm>
-            <a:off x="76200" y="1828800"/>
-            <a:ext cx="1238544" cy="276999"/>
+            <a:off x="990600" y="4267200"/>
+            <a:ext cx="1235979" cy="276999"/>
           </a:xfrm>
           <a:prstGeom prst="rect">
             <a:avLst/>
           </a:prstGeom>
-          <a:noFill/>
-        </p:spPr>
+          <a:ln w="12700"/>
+        </p:spPr>
+        <p:style>
+          <a:lnRef idx="2">
+            <a:schemeClr val="dk1"/>
+          </a:lnRef>
+          <a:fillRef idx="1">
+            <a:schemeClr val="lt1"/>
+          </a:fillRef>
+          <a:effectRef idx="0">
+            <a:schemeClr val="dk1"/>
+          </a:effectRef>
+          <a:fontRef idx="minor">
+            <a:schemeClr val="dk1"/>
+          </a:fontRef>
+        </p:style>
         <p:txBody>
           <a:bodyPr wrap="none" rtlCol="0">
             <a:spAutoFit/>
@@ -5245,29 +9005,42 @@
           <a:lstStyle/>
           <a:p>
             <a:r>
-              <a:rPr lang="en-US" sz="1200" dirty="0" err="1" smtClean="0"/>
-              <a:t>wasDerivedFrom</a:t>
-            </a:r>
-            <a:endParaRPr lang="en-US" sz="1200" dirty="0"/>
-          </a:p>
-        </p:txBody>
-      </p:sp>
-      <p:sp>
-        <p:nvSpPr>
-          <p:cNvPr id="108" name="TextBox 107"/>
+              <a:rPr lang="en-US" sz="1200" dirty="0" smtClean="0"/>
+              <a:t>Used(ingredient)</a:t>
+            </a:r>
+          </a:p>
+        </p:txBody>
+      </p:sp>
+      <p:sp>
+        <p:nvSpPr>
+          <p:cNvPr id="109" name="TextBox 108"/>
           <p:cNvSpPr txBox="1"/>
           <p:nvPr/>
         </p:nvSpPr>
         <p:spPr>
           <a:xfrm>
-            <a:off x="1752600" y="4267200"/>
+            <a:off x="1066800" y="2971800"/>
             <a:ext cx="1235979" cy="276999"/>
           </a:xfrm>
           <a:prstGeom prst="rect">
             <a:avLst/>
           </a:prstGeom>
-          <a:noFill/>
-        </p:spPr>
+          <a:ln w="12700"/>
+        </p:spPr>
+        <p:style>
+          <a:lnRef idx="2">
+            <a:schemeClr val="dk1"/>
+          </a:lnRef>
+          <a:fillRef idx="1">
+            <a:schemeClr val="lt1"/>
+          </a:fillRef>
+          <a:effectRef idx="0">
+            <a:schemeClr val="dk1"/>
+          </a:effectRef>
+          <a:fontRef idx="minor">
+            <a:schemeClr val="dk1"/>
+          </a:fontRef>
+        </p:style>
         <p:txBody>
           <a:bodyPr wrap="none" rtlCol="0">
             <a:spAutoFit/>
@@ -5283,42 +9056,13 @@
       </p:sp>
       <p:sp>
         <p:nvSpPr>
-          <p:cNvPr id="109" name="TextBox 108"/>
-          <p:cNvSpPr txBox="1"/>
-          <p:nvPr/>
-        </p:nvSpPr>
-        <p:spPr>
-          <a:xfrm>
-            <a:off x="1828800" y="2971800"/>
-            <a:ext cx="1235979" cy="276999"/>
-          </a:xfrm>
-          <a:prstGeom prst="rect">
-            <a:avLst/>
-          </a:prstGeom>
-          <a:noFill/>
-        </p:spPr>
-        <p:txBody>
-          <a:bodyPr wrap="none" rtlCol="0">
-            <a:spAutoFit/>
-          </a:bodyPr>
-          <a:lstStyle/>
-          <a:p>
-            <a:r>
-              <a:rPr lang="en-US" sz="1200" dirty="0" smtClean="0"/>
-              <a:t>Used(ingredient)</a:t>
-            </a:r>
-          </a:p>
-        </p:txBody>
-      </p:sp>
-      <p:sp>
-        <p:nvSpPr>
           <p:cNvPr id="116" name="Oval 115"/>
           <p:cNvSpPr/>
           <p:nvPr/>
         </p:nvSpPr>
         <p:spPr>
           <a:xfrm>
-            <a:off x="5638800" y="1524000"/>
+            <a:off x="6477000" y="1524000"/>
             <a:ext cx="762000" cy="762000"/>
           </a:xfrm>
           <a:prstGeom prst="ellipse">
@@ -5360,14 +9104,28 @@
         </p:nvSpPr>
         <p:spPr>
           <a:xfrm>
-            <a:off x="1295400" y="3429000"/>
+            <a:off x="914400" y="3581400"/>
             <a:ext cx="1235979" cy="276999"/>
           </a:xfrm>
           <a:prstGeom prst="rect">
             <a:avLst/>
           </a:prstGeom>
-          <a:noFill/>
-        </p:spPr>
+          <a:ln w="12700"/>
+        </p:spPr>
+        <p:style>
+          <a:lnRef idx="2">
+            <a:schemeClr val="dk1"/>
+          </a:lnRef>
+          <a:fillRef idx="1">
+            <a:schemeClr val="lt1"/>
+          </a:fillRef>
+          <a:effectRef idx="0">
+            <a:schemeClr val="dk1"/>
+          </a:effectRef>
+          <a:fontRef idx="minor">
+            <a:schemeClr val="dk1"/>
+          </a:fontRef>
+        </p:style>
         <p:txBody>
           <a:bodyPr wrap="none" rtlCol="0">
             <a:spAutoFit/>
@@ -5392,12 +9150,12 @@
         </p:nvCxnSpPr>
         <p:spPr>
           <a:xfrm rot="16200000" flipH="1" flipV="1">
-            <a:off x="3619500" y="-419100"/>
-            <a:ext cx="457200" cy="4343400"/>
+            <a:off x="4038600" y="-838200"/>
+            <a:ext cx="457200" cy="5181600"/>
           </a:xfrm>
           <a:prstGeom prst="bentConnector3">
             <a:avLst>
-              <a:gd name="adj1" fmla="val -16000"/>
+              <a:gd name="adj1" fmla="val -50000"/>
             </a:avLst>
           </a:prstGeom>
           <a:ln>
@@ -5433,8 +9191,22 @@
           <a:prstGeom prst="rect">
             <a:avLst/>
           </a:prstGeom>
-          <a:noFill/>
-        </p:spPr>
+          <a:ln w="12700"/>
+        </p:spPr>
+        <p:style>
+          <a:lnRef idx="2">
+            <a:schemeClr val="dk1"/>
+          </a:lnRef>
+          <a:fillRef idx="1">
+            <a:schemeClr val="lt1"/>
+          </a:fillRef>
+          <a:effectRef idx="0">
+            <a:schemeClr val="dk1"/>
+          </a:effectRef>
+          <a:fontRef idx="minor">
+            <a:schemeClr val="dk1"/>
+          </a:fontRef>
+        </p:style>
         <p:txBody>
           <a:bodyPr wrap="none" rtlCol="0">
             <a:spAutoFit/>
@@ -5457,7 +9229,7 @@
         </p:nvSpPr>
         <p:spPr>
           <a:xfrm>
-            <a:off x="7086600" y="3352800"/>
+            <a:off x="6781800" y="3352800"/>
             <a:ext cx="762000" cy="762000"/>
           </a:xfrm>
           <a:prstGeom prst="rect">
@@ -5502,8 +9274,8 @@
         </p:nvCxnSpPr>
         <p:spPr>
           <a:xfrm flipH="1">
-            <a:off x="5943600" y="3733800"/>
-            <a:ext cx="1143000" cy="0"/>
+            <a:off x="5410200" y="3733800"/>
+            <a:ext cx="1371600" cy="0"/>
           </a:xfrm>
           <a:prstGeom prst="straightConnector1">
             <a:avLst/>
@@ -5538,8 +9310,8 @@
         </p:nvCxnSpPr>
         <p:spPr>
           <a:xfrm flipH="1" flipV="1">
-            <a:off x="6289208" y="2174408"/>
-            <a:ext cx="1178392" cy="1178392"/>
+            <a:off x="7127408" y="2174408"/>
+            <a:ext cx="35392" cy="1178392"/>
           </a:xfrm>
           <a:prstGeom prst="straightConnector1">
             <a:avLst/>
@@ -5571,14 +9343,28 @@
         </p:nvSpPr>
         <p:spPr>
           <a:xfrm>
-            <a:off x="6858000" y="2438400"/>
+            <a:off x="7010400" y="2514600"/>
             <a:ext cx="502061" cy="276999"/>
           </a:xfrm>
           <a:prstGeom prst="rect">
             <a:avLst/>
           </a:prstGeom>
-          <a:noFill/>
-        </p:spPr>
+          <a:ln w="12700"/>
+        </p:spPr>
+        <p:style>
+          <a:lnRef idx="2">
+            <a:schemeClr val="dk1"/>
+          </a:lnRef>
+          <a:fillRef idx="1">
+            <a:schemeClr val="lt1"/>
+          </a:fillRef>
+          <a:effectRef idx="0">
+            <a:schemeClr val="dk1"/>
+          </a:effectRef>
+          <a:fontRef idx="minor">
+            <a:schemeClr val="dk1"/>
+          </a:fontRef>
+        </p:style>
         <p:txBody>
           <a:bodyPr wrap="none" rtlCol="0">
             <a:spAutoFit/>
@@ -5601,14 +9387,28 @@
         </p:nvSpPr>
         <p:spPr>
           <a:xfrm>
-            <a:off x="5943600" y="3429000"/>
+            <a:off x="5562600" y="3609201"/>
             <a:ext cx="1162241" cy="276999"/>
           </a:xfrm>
           <a:prstGeom prst="rect">
             <a:avLst/>
           </a:prstGeom>
-          <a:noFill/>
-        </p:spPr>
+          <a:ln w="12700"/>
+        </p:spPr>
+        <p:style>
+          <a:lnRef idx="2">
+            <a:schemeClr val="dk1"/>
+          </a:lnRef>
+          <a:fillRef idx="1">
+            <a:schemeClr val="lt1"/>
+          </a:fillRef>
+          <a:effectRef idx="0">
+            <a:schemeClr val="dk1"/>
+          </a:effectRef>
+          <a:fontRef idx="minor">
+            <a:schemeClr val="dk1"/>
+          </a:fontRef>
+        </p:style>
         <p:txBody>
           <a:bodyPr wrap="none" rtlCol="0">
             <a:spAutoFit/>
@@ -5631,7 +9431,7 @@
         </p:nvSpPr>
         <p:spPr>
           <a:xfrm>
-            <a:off x="2209800" y="4876800"/>
+            <a:off x="1219200" y="5257800"/>
             <a:ext cx="762000" cy="762000"/>
           </a:xfrm>
           <a:prstGeom prst="ellipse">
@@ -5675,8 +9475,8 @@
         </p:nvCxnSpPr>
         <p:spPr>
           <a:xfrm flipH="1">
-            <a:off x="2860208" y="4114800"/>
-            <a:ext cx="797392" cy="873592"/>
+            <a:off x="1869608" y="4114800"/>
+            <a:ext cx="1025992" cy="1254592"/>
           </a:xfrm>
           <a:prstGeom prst="straightConnector1">
             <a:avLst/>
@@ -5708,14 +9508,28 @@
         </p:nvSpPr>
         <p:spPr>
           <a:xfrm>
-            <a:off x="3124200" y="4648200"/>
+            <a:off x="1981200" y="4724400"/>
             <a:ext cx="526234" cy="461665"/>
           </a:xfrm>
           <a:prstGeom prst="rect">
             <a:avLst/>
           </a:prstGeom>
-          <a:noFill/>
-        </p:spPr>
+          <a:ln w="12700"/>
+        </p:spPr>
+        <p:style>
+          <a:lnRef idx="2">
+            <a:schemeClr val="dk1"/>
+          </a:lnRef>
+          <a:fillRef idx="1">
+            <a:schemeClr val="lt1"/>
+          </a:fillRef>
+          <a:effectRef idx="0">
+            <a:schemeClr val="dk1"/>
+          </a:effectRef>
+          <a:fontRef idx="minor">
+            <a:schemeClr val="dk1"/>
+          </a:fontRef>
+        </p:style>
         <p:txBody>
           <a:bodyPr wrap="none" rtlCol="0">
             <a:spAutoFit/>
@@ -5732,6 +9546,544 @@
               <a:rPr lang="en-US" sz="1200" dirty="0" smtClean="0"/>
               <a:t>(tool)</a:t>
             </a:r>
+          </a:p>
+        </p:txBody>
+      </p:sp>
+      <p:cxnSp>
+        <p:nvCxnSpPr>
+          <p:cNvPr id="43" name="Straight Arrow Connector 42"/>
+          <p:cNvCxnSpPr>
+            <a:stCxn id="147" idx="0"/>
+            <a:endCxn id="7" idx="0"/>
+          </p:cNvCxnSpPr>
+          <p:nvPr/>
+        </p:nvCxnSpPr>
+        <p:spPr>
+          <a:xfrm flipH="1" flipV="1">
+            <a:off x="4800600" y="1823382"/>
+            <a:ext cx="2362200" cy="1529418"/>
+          </a:xfrm>
+          <a:prstGeom prst="straightConnector1">
+            <a:avLst/>
+          </a:prstGeom>
+          <a:ln>
+            <a:tailEnd type="arrow"/>
+          </a:ln>
+        </p:spPr>
+        <p:style>
+          <a:lnRef idx="2">
+            <a:schemeClr val="dk1"/>
+          </a:lnRef>
+          <a:fillRef idx="0">
+            <a:schemeClr val="dk1"/>
+          </a:fillRef>
+          <a:effectRef idx="1">
+            <a:schemeClr val="dk1"/>
+          </a:effectRef>
+          <a:fontRef idx="minor">
+            <a:schemeClr val="tx1"/>
+          </a:fontRef>
+        </p:style>
+      </p:cxnSp>
+      <p:sp>
+        <p:nvSpPr>
+          <p:cNvPr id="47" name="TextBox 46"/>
+          <p:cNvSpPr txBox="1"/>
+          <p:nvPr/>
+        </p:nvSpPr>
+        <p:spPr>
+          <a:xfrm>
+            <a:off x="5715000" y="2819400"/>
+            <a:ext cx="1232325" cy="276999"/>
+          </a:xfrm>
+          <a:prstGeom prst="rect">
+            <a:avLst/>
+          </a:prstGeom>
+          <a:ln w="12700"/>
+        </p:spPr>
+        <p:style>
+          <a:lnRef idx="2">
+            <a:schemeClr val="dk1"/>
+          </a:lnRef>
+          <a:fillRef idx="1">
+            <a:schemeClr val="lt1"/>
+          </a:fillRef>
+          <a:effectRef idx="0">
+            <a:schemeClr val="dk1"/>
+          </a:effectRef>
+          <a:fontRef idx="minor">
+            <a:schemeClr val="dk1"/>
+          </a:fontRef>
+        </p:style>
+        <p:txBody>
+          <a:bodyPr wrap="none" rtlCol="0">
+            <a:spAutoFit/>
+          </a:bodyPr>
+          <a:lstStyle/>
+          <a:p>
+            <a:r>
+              <a:rPr lang="en-US" sz="1200" dirty="0" err="1" smtClean="0"/>
+              <a:t>wasControlledBy</a:t>
+            </a:r>
+            <a:endParaRPr lang="en-US" sz="1200" dirty="0"/>
+          </a:p>
+        </p:txBody>
+      </p:sp>
+      <p:cxnSp>
+        <p:nvCxnSpPr>
+          <p:cNvPr id="46" name="Elbow Connector 45"/>
+          <p:cNvCxnSpPr>
+            <a:stCxn id="116" idx="7"/>
+            <a:endCxn id="9" idx="7"/>
+          </p:cNvCxnSpPr>
+          <p:nvPr/>
+        </p:nvCxnSpPr>
+        <p:spPr>
+          <a:xfrm rot="16200000" flipV="1">
+            <a:off x="3622208" y="-1869608"/>
+            <a:ext cx="533400" cy="6477000"/>
+          </a:xfrm>
+          <a:prstGeom prst="bentConnector3">
+            <a:avLst>
+              <a:gd name="adj1" fmla="val 198064"/>
+            </a:avLst>
+          </a:prstGeom>
+          <a:ln>
+            <a:prstDash val="sysDash"/>
+            <a:tailEnd type="arrow"/>
+          </a:ln>
+        </p:spPr>
+        <p:style>
+          <a:lnRef idx="2">
+            <a:schemeClr val="accent2"/>
+          </a:lnRef>
+          <a:fillRef idx="0">
+            <a:schemeClr val="accent2"/>
+          </a:fillRef>
+          <a:effectRef idx="1">
+            <a:schemeClr val="accent2"/>
+          </a:effectRef>
+          <a:fontRef idx="minor">
+            <a:schemeClr val="tx1"/>
+          </a:fontRef>
+        </p:style>
+      </p:cxnSp>
+      <p:sp>
+        <p:nvSpPr>
+          <p:cNvPr id="50" name="TextBox 49"/>
+          <p:cNvSpPr txBox="1"/>
+          <p:nvPr/>
+        </p:nvSpPr>
+        <p:spPr>
+          <a:xfrm>
+            <a:off x="3429000" y="304800"/>
+            <a:ext cx="1881734" cy="369332"/>
+          </a:xfrm>
+          <a:prstGeom prst="rect">
+            <a:avLst/>
+          </a:prstGeom>
+          <a:ln w="12700"/>
+        </p:spPr>
+        <p:style>
+          <a:lnRef idx="2">
+            <a:schemeClr val="accent2"/>
+          </a:lnRef>
+          <a:fillRef idx="1">
+            <a:schemeClr val="lt1"/>
+          </a:fillRef>
+          <a:effectRef idx="0">
+            <a:schemeClr val="accent2"/>
+          </a:effectRef>
+          <a:fontRef idx="minor">
+            <a:schemeClr val="dk1"/>
+          </a:fontRef>
+        </p:style>
+        <p:txBody>
+          <a:bodyPr wrap="none" rtlCol="0">
+            <a:spAutoFit/>
+          </a:bodyPr>
+          <a:lstStyle/>
+          <a:p>
+            <a:r>
+              <a:rPr lang="en-US" dirty="0" err="1" smtClean="0">
+                <a:solidFill>
+                  <a:schemeClr val="accent2">
+                    <a:lumMod val="50000"/>
+                  </a:schemeClr>
+                </a:solidFill>
+              </a:rPr>
+              <a:t>wasDerivedFrom</a:t>
+            </a:r>
+            <a:r>
+              <a:rPr lang="en-US" dirty="0" smtClean="0">
+                <a:solidFill>
+                  <a:schemeClr val="accent2">
+                    <a:lumMod val="50000"/>
+                  </a:schemeClr>
+                </a:solidFill>
+              </a:rPr>
+              <a:t>*</a:t>
+            </a:r>
+            <a:endParaRPr lang="en-US" dirty="0">
+              <a:solidFill>
+                <a:schemeClr val="accent2">
+                  <a:lumMod val="50000"/>
+                </a:schemeClr>
+              </a:solidFill>
+            </a:endParaRPr>
+          </a:p>
+        </p:txBody>
+      </p:sp>
+      <p:cxnSp>
+        <p:nvCxnSpPr>
+          <p:cNvPr id="52" name="Elbow Connector 51"/>
+          <p:cNvCxnSpPr>
+            <a:stCxn id="4" idx="2"/>
+            <a:endCxn id="8" idx="2"/>
+          </p:cNvCxnSpPr>
+          <p:nvPr/>
+        </p:nvCxnSpPr>
+        <p:spPr>
+          <a:xfrm rot="10800000">
+            <a:off x="2895600" y="4114800"/>
+            <a:ext cx="5486400" cy="762000"/>
+          </a:xfrm>
+          <a:prstGeom prst="bentConnector2">
+            <a:avLst/>
+          </a:prstGeom>
+          <a:ln>
+            <a:prstDash val="sysDash"/>
+            <a:tailEnd type="arrow"/>
+          </a:ln>
+        </p:spPr>
+        <p:style>
+          <a:lnRef idx="2">
+            <a:schemeClr val="accent2"/>
+          </a:lnRef>
+          <a:fillRef idx="0">
+            <a:schemeClr val="accent2"/>
+          </a:fillRef>
+          <a:effectRef idx="1">
+            <a:schemeClr val="accent2"/>
+          </a:effectRef>
+          <a:fontRef idx="minor">
+            <a:schemeClr val="tx1"/>
+          </a:fontRef>
+        </p:style>
+      </p:cxnSp>
+      <p:sp>
+        <p:nvSpPr>
+          <p:cNvPr id="57" name="TextBox 56"/>
+          <p:cNvSpPr txBox="1"/>
+          <p:nvPr/>
+        </p:nvSpPr>
+        <p:spPr>
+          <a:xfrm>
+            <a:off x="5105400" y="4572000"/>
+            <a:ext cx="1884107" cy="369332"/>
+          </a:xfrm>
+          <a:prstGeom prst="rect">
+            <a:avLst/>
+          </a:prstGeom>
+          <a:ln w="12700"/>
+        </p:spPr>
+        <p:style>
+          <a:lnRef idx="2">
+            <a:schemeClr val="accent2"/>
+          </a:lnRef>
+          <a:fillRef idx="1">
+            <a:schemeClr val="lt1"/>
+          </a:fillRef>
+          <a:effectRef idx="0">
+            <a:schemeClr val="accent2"/>
+          </a:effectRef>
+          <a:fontRef idx="minor">
+            <a:schemeClr val="dk1"/>
+          </a:fontRef>
+        </p:style>
+        <p:txBody>
+          <a:bodyPr wrap="none" rtlCol="0">
+            <a:spAutoFit/>
+          </a:bodyPr>
+          <a:lstStyle/>
+          <a:p>
+            <a:pPr algn="ctr"/>
+            <a:r>
+              <a:rPr lang="en-US" dirty="0" err="1" smtClean="0">
+                <a:solidFill>
+                  <a:schemeClr val="accent2">
+                    <a:lumMod val="50000"/>
+                  </a:schemeClr>
+                </a:solidFill>
+              </a:rPr>
+              <a:t>wasGeneratedBy</a:t>
+            </a:r>
+            <a:r>
+              <a:rPr lang="en-US" dirty="0" smtClean="0">
+                <a:solidFill>
+                  <a:schemeClr val="accent2">
+                    <a:lumMod val="50000"/>
+                  </a:schemeClr>
+                </a:solidFill>
+              </a:rPr>
+              <a:t>*</a:t>
+            </a:r>
+          </a:p>
+        </p:txBody>
+      </p:sp>
+      <p:cxnSp>
+        <p:nvCxnSpPr>
+          <p:cNvPr id="61" name="Elbow Connector 60"/>
+          <p:cNvCxnSpPr>
+            <a:stCxn id="5" idx="0"/>
+            <a:endCxn id="8" idx="0"/>
+          </p:cNvCxnSpPr>
+          <p:nvPr/>
+        </p:nvCxnSpPr>
+        <p:spPr>
+          <a:xfrm rot="16200000" flipV="1">
+            <a:off x="3962400" y="2286000"/>
+            <a:ext cx="12700" cy="2133600"/>
+          </a:xfrm>
+          <a:prstGeom prst="bentConnector3">
+            <a:avLst>
+              <a:gd name="adj1" fmla="val 17928006"/>
+            </a:avLst>
+          </a:prstGeom>
+          <a:ln>
+            <a:prstDash val="sysDash"/>
+            <a:tailEnd type="arrow"/>
+          </a:ln>
+        </p:spPr>
+        <p:style>
+          <a:lnRef idx="2">
+            <a:schemeClr val="accent2"/>
+          </a:lnRef>
+          <a:fillRef idx="0">
+            <a:schemeClr val="accent2"/>
+          </a:fillRef>
+          <a:effectRef idx="1">
+            <a:schemeClr val="accent2"/>
+          </a:effectRef>
+          <a:fontRef idx="minor">
+            <a:schemeClr val="tx1"/>
+          </a:fontRef>
+        </p:style>
+      </p:cxnSp>
+      <p:sp>
+        <p:nvSpPr>
+          <p:cNvPr id="69" name="TextBox 68"/>
+          <p:cNvSpPr txBox="1"/>
+          <p:nvPr/>
+        </p:nvSpPr>
+        <p:spPr>
+          <a:xfrm>
+            <a:off x="3124200" y="762000"/>
+            <a:ext cx="1768946" cy="369332"/>
+          </a:xfrm>
+          <a:prstGeom prst="rect">
+            <a:avLst/>
+          </a:prstGeom>
+          <a:ln w="12700"/>
+        </p:spPr>
+        <p:style>
+          <a:lnRef idx="2">
+            <a:schemeClr val="accent2"/>
+          </a:lnRef>
+          <a:fillRef idx="1">
+            <a:schemeClr val="lt1"/>
+          </a:fillRef>
+          <a:effectRef idx="0">
+            <a:schemeClr val="accent2"/>
+          </a:effectRef>
+          <a:fontRef idx="minor">
+            <a:schemeClr val="dk1"/>
+          </a:fontRef>
+        </p:style>
+        <p:txBody>
+          <a:bodyPr wrap="none" rtlCol="0">
+            <a:spAutoFit/>
+          </a:bodyPr>
+          <a:lstStyle/>
+          <a:p>
+            <a:r>
+              <a:rPr lang="en-US" dirty="0" err="1" smtClean="0">
+                <a:solidFill>
+                  <a:schemeClr val="accent2">
+                    <a:lumMod val="50000"/>
+                  </a:schemeClr>
+                </a:solidFill>
+              </a:rPr>
+              <a:t>wasTriggeredBy</a:t>
+            </a:r>
+            <a:r>
+              <a:rPr lang="en-US" dirty="0" smtClean="0">
+                <a:solidFill>
+                  <a:schemeClr val="accent2">
+                    <a:lumMod val="50000"/>
+                  </a:schemeClr>
+                </a:solidFill>
+              </a:rPr>
+              <a:t>*</a:t>
+            </a:r>
+            <a:endParaRPr lang="en-US" dirty="0">
+              <a:solidFill>
+                <a:schemeClr val="accent2">
+                  <a:lumMod val="50000"/>
+                </a:schemeClr>
+              </a:solidFill>
+            </a:endParaRPr>
+          </a:p>
+        </p:txBody>
+      </p:sp>
+      <p:cxnSp>
+        <p:nvCxnSpPr>
+          <p:cNvPr id="71" name="Elbow Connector 70"/>
+          <p:cNvCxnSpPr>
+            <a:stCxn id="147" idx="2"/>
+            <a:endCxn id="10" idx="4"/>
+          </p:cNvCxnSpPr>
+          <p:nvPr/>
+        </p:nvCxnSpPr>
+        <p:spPr>
+          <a:xfrm rot="5400000">
+            <a:off x="3314700" y="1181100"/>
+            <a:ext cx="914400" cy="6781800"/>
+          </a:xfrm>
+          <a:prstGeom prst="bentConnector3">
+            <a:avLst>
+              <a:gd name="adj1" fmla="val 224000"/>
+            </a:avLst>
+          </a:prstGeom>
+          <a:ln>
+            <a:prstDash val="sysDash"/>
+            <a:tailEnd type="arrow"/>
+          </a:ln>
+        </p:spPr>
+        <p:style>
+          <a:lnRef idx="2">
+            <a:schemeClr val="accent2"/>
+          </a:lnRef>
+          <a:fillRef idx="0">
+            <a:schemeClr val="accent2"/>
+          </a:fillRef>
+          <a:effectRef idx="1">
+            <a:schemeClr val="accent2"/>
+          </a:effectRef>
+          <a:fontRef idx="minor">
+            <a:schemeClr val="tx1"/>
+          </a:fontRef>
+        </p:style>
+      </p:cxnSp>
+      <p:sp>
+        <p:nvSpPr>
+          <p:cNvPr id="75" name="TextBox 74"/>
+          <p:cNvSpPr txBox="1"/>
+          <p:nvPr/>
+        </p:nvSpPr>
+        <p:spPr>
+          <a:xfrm>
+            <a:off x="5638800" y="5943600"/>
+            <a:ext cx="774571" cy="369332"/>
+          </a:xfrm>
+          <a:prstGeom prst="rect">
+            <a:avLst/>
+          </a:prstGeom>
+          <a:ln w="12700"/>
+        </p:spPr>
+        <p:style>
+          <a:lnRef idx="2">
+            <a:schemeClr val="accent2"/>
+          </a:lnRef>
+          <a:fillRef idx="1">
+            <a:schemeClr val="lt1"/>
+          </a:fillRef>
+          <a:effectRef idx="0">
+            <a:schemeClr val="accent2"/>
+          </a:effectRef>
+          <a:fontRef idx="minor">
+            <a:schemeClr val="dk1"/>
+          </a:fontRef>
+        </p:style>
+        <p:txBody>
+          <a:bodyPr wrap="none" rtlCol="0">
+            <a:spAutoFit/>
+          </a:bodyPr>
+          <a:lstStyle/>
+          <a:p>
+            <a:r>
+              <a:rPr lang="en-US" dirty="0" smtClean="0">
+                <a:solidFill>
+                  <a:schemeClr val="accent2">
+                    <a:lumMod val="50000"/>
+                  </a:schemeClr>
+                </a:solidFill>
+              </a:rPr>
+              <a:t>Used*</a:t>
+            </a:r>
+            <a:endParaRPr lang="en-US" dirty="0">
+              <a:solidFill>
+                <a:schemeClr val="accent2">
+                  <a:lumMod val="50000"/>
+                </a:schemeClr>
+              </a:solidFill>
+            </a:endParaRPr>
+          </a:p>
+        </p:txBody>
+      </p:sp>
+      <p:sp>
+        <p:nvSpPr>
+          <p:cNvPr id="82" name="TextBox 81"/>
+          <p:cNvSpPr txBox="1"/>
+          <p:nvPr/>
+        </p:nvSpPr>
+        <p:spPr>
+          <a:xfrm>
+            <a:off x="7772400" y="3962400"/>
+            <a:ext cx="1239635" cy="461665"/>
+          </a:xfrm>
+          <a:prstGeom prst="rect">
+            <a:avLst/>
+          </a:prstGeom>
+          <a:solidFill>
+            <a:schemeClr val="lt1"/>
+          </a:solidFill>
+          <a:ln w="12700"/>
+        </p:spPr>
+        <p:style>
+          <a:lnRef idx="2">
+            <a:schemeClr val="dk1"/>
+          </a:lnRef>
+          <a:fillRef idx="1">
+            <a:schemeClr val="lt1"/>
+          </a:fillRef>
+          <a:effectRef idx="0">
+            <a:schemeClr val="dk1"/>
+          </a:effectRef>
+          <a:fontRef idx="minor">
+            <a:schemeClr val="dk1"/>
+          </a:fontRef>
+        </p:style>
+        <p:txBody>
+          <a:bodyPr wrap="none" rtlCol="0">
+            <a:spAutoFit/>
+          </a:bodyPr>
+          <a:lstStyle/>
+          <a:p>
+            <a:pPr algn="ctr"/>
+            <a:r>
+              <a:rPr lang="en-US" sz="1200" dirty="0" err="1" smtClean="0"/>
+              <a:t>wasGeneratedBy</a:t>
+            </a:r>
+            <a:endParaRPr lang="en-US" sz="1200" dirty="0" smtClean="0"/>
+          </a:p>
+          <a:p>
+            <a:pPr algn="ctr"/>
+            <a:r>
+              <a:rPr lang="en-US" sz="1200" dirty="0" smtClean="0"/>
+              <a:t>(coating)</a:t>
+            </a:r>
+            <a:endParaRPr lang="en-US" sz="1200" dirty="0" smtClean="0"/>
           </a:p>
         </p:txBody>
       </p:sp>
@@ -6710,7 +11062,7 @@
         <p:spPr>
           <a:xfrm>
             <a:off x="7543800" y="3124200"/>
-            <a:ext cx="1239635" cy="461665"/>
+            <a:ext cx="1239635" cy="276999"/>
           </a:xfrm>
           <a:prstGeom prst="rect">
             <a:avLst/>
@@ -6729,14 +11081,6 @@
               <a:t>wasGeneratedBy</a:t>
             </a:r>
             <a:endParaRPr lang="en-US" sz="1200" dirty="0" smtClean="0"/>
-          </a:p>
-          <a:p>
-            <a:pPr algn="ctr"/>
-            <a:r>
-              <a:rPr lang="en-US" sz="1200" dirty="0" smtClean="0"/>
-              <a:t>(dessert)</a:t>
-            </a:r>
-            <a:endParaRPr lang="en-US" sz="1200" dirty="0"/>
           </a:p>
         </p:txBody>
       </p:sp>
@@ -8494,7 +12838,7 @@
       </p:sp>
       <p:cxnSp>
         <p:nvCxnSpPr>
-          <p:cNvPr id="27" name="Straight Arrow Connector 26"/>
+          <p:cNvPr id="19" name="Straight Arrow Connector 18"/>
           <p:cNvCxnSpPr/>
           <p:nvPr/>
         </p:nvCxnSpPr>
@@ -8507,17 +12851,18 @@
             <a:avLst/>
           </a:prstGeom>
           <a:ln>
+            <a:headEnd type="arrow"/>
             <a:tailEnd type="arrow"/>
           </a:ln>
         </p:spPr>
         <p:style>
-          <a:lnRef idx="3">
+          <a:lnRef idx="2">
             <a:schemeClr val="dk1"/>
           </a:lnRef>
           <a:fillRef idx="0">
             <a:schemeClr val="dk1"/>
           </a:fillRef>
-          <a:effectRef idx="2">
+          <a:effectRef idx="1">
             <a:schemeClr val="dk1"/>
           </a:effectRef>
           <a:fontRef idx="minor">
@@ -8866,8 +13211,8 @@
         </p:nvSpPr>
         <p:spPr>
           <a:xfrm>
-            <a:off x="1066800" y="3200400"/>
-            <a:ext cx="1746825" cy="646331"/>
+            <a:off x="1143000" y="2971800"/>
+            <a:ext cx="1770293" cy="923330"/>
           </a:xfrm>
           <a:prstGeom prst="rect">
             <a:avLst/>
@@ -8906,6 +13251,14 @@
               <a:rPr lang="en-US" dirty="0" err="1" smtClean="0"/>
               <a:t>wasQuotedFrom</a:t>
             </a:r>
+            <a:endParaRPr lang="en-US" dirty="0" smtClean="0"/>
+          </a:p>
+          <a:p>
+            <a:pPr algn="ctr"/>
+            <a:r>
+              <a:rPr lang="en-US" dirty="0" err="1" smtClean="0"/>
+              <a:t>wasInfluencedBy</a:t>
+            </a:r>
             <a:endParaRPr lang="en-US" dirty="0"/>
           </a:p>
         </p:txBody>
@@ -8919,7 +13272,7 @@
         <p:spPr>
           <a:xfrm>
             <a:off x="3886200" y="3505200"/>
-            <a:ext cx="1809470" cy="646331"/>
+            <a:ext cx="1809470" cy="923330"/>
           </a:xfrm>
           <a:prstGeom prst="rect">
             <a:avLst/>
@@ -8958,6 +13311,14 @@
               <a:rPr lang="en-US" dirty="0" err="1" smtClean="0"/>
               <a:t>wasInvalidatedBy</a:t>
             </a:r>
+            <a:endParaRPr lang="en-US" dirty="0" smtClean="0"/>
+          </a:p>
+          <a:p>
+            <a:pPr algn="ctr"/>
+            <a:r>
+              <a:rPr lang="en-US" dirty="0" err="1" smtClean="0"/>
+              <a:t>wasInfluencedBy</a:t>
+            </a:r>
             <a:endParaRPr lang="en-US" dirty="0"/>
           </a:p>
         </p:txBody>
@@ -8970,8 +13331,8 @@
         </p:nvSpPr>
         <p:spPr>
           <a:xfrm>
-            <a:off x="4114800" y="1600200"/>
-            <a:ext cx="1766317" cy="646331"/>
+            <a:off x="4038600" y="1295400"/>
+            <a:ext cx="1766316" cy="923330"/>
           </a:xfrm>
           <a:prstGeom prst="rect">
             <a:avLst/>
@@ -9010,6 +13371,14 @@
               <a:rPr lang="en-US" dirty="0" err="1" smtClean="0"/>
               <a:t>wasRevisionOf</a:t>
             </a:r>
+            <a:endParaRPr lang="en-US" dirty="0" smtClean="0"/>
+          </a:p>
+          <a:p>
+            <a:pPr algn="ctr"/>
+            <a:r>
+              <a:rPr lang="en-US" dirty="0" err="1" smtClean="0"/>
+              <a:t>wasInfluencedBy</a:t>
+            </a:r>
             <a:endParaRPr lang="en-US" dirty="0"/>
           </a:p>
         </p:txBody>
@@ -9023,7 +13392,7 @@
         <p:spPr>
           <a:xfrm>
             <a:off x="3048000" y="4572000"/>
-            <a:ext cx="2009717" cy="369332"/>
+            <a:ext cx="1766381" cy="646331"/>
           </a:xfrm>
           <a:prstGeom prst="rect">
             <a:avLst/>
@@ -9051,7 +13420,14 @@
           <a:p>
             <a:r>
               <a:rPr lang="en-US" dirty="0" err="1" smtClean="0"/>
-              <a:t>wasAssociatedWith</a:t>
+              <a:t>wasAssociatedTo</a:t>
+            </a:r>
+            <a:endParaRPr lang="en-US" dirty="0" smtClean="0"/>
+          </a:p>
+          <a:p>
+            <a:r>
+              <a:rPr lang="en-US" dirty="0" err="1" smtClean="0"/>
+              <a:t>wasInfluencedBy</a:t>
             </a:r>
             <a:endParaRPr lang="en-US" dirty="0"/>
           </a:p>
@@ -9065,8 +13441,8 @@
         </p:nvSpPr>
         <p:spPr>
           <a:xfrm>
-            <a:off x="6019800" y="2819400"/>
-            <a:ext cx="1456937" cy="923330"/>
+            <a:off x="5791200" y="2667000"/>
+            <a:ext cx="1770293" cy="1200329"/>
           </a:xfrm>
           <a:prstGeom prst="rect">
             <a:avLst/>
@@ -9113,6 +13489,14 @@
               <a:rPr lang="en-US" dirty="0" smtClean="0"/>
               <a:t>Used</a:t>
             </a:r>
+          </a:p>
+          <a:p>
+            <a:pPr algn="ctr"/>
+            <a:r>
+              <a:rPr lang="en-US" dirty="0" err="1" smtClean="0"/>
+              <a:t>wasInfluencedBy</a:t>
+            </a:r>
+            <a:endParaRPr lang="en-US" dirty="0" smtClean="0"/>
           </a:p>
         </p:txBody>
       </p:sp>
@@ -9164,7 +13548,7 @@
         <p:spPr>
           <a:xfrm>
             <a:off x="6553200" y="5410200"/>
-            <a:ext cx="1770293" cy="646331"/>
+            <a:ext cx="1770292" cy="923330"/>
           </a:xfrm>
           <a:prstGeom prst="rect">
             <a:avLst/>
@@ -9202,6 +13586,14 @@
             <a:r>
               <a:rPr lang="en-US" dirty="0" err="1" smtClean="0"/>
               <a:t>wasInfluencedBy</a:t>
+            </a:r>
+            <a:endParaRPr lang="en-US" dirty="0" smtClean="0"/>
+          </a:p>
+          <a:p>
+            <a:pPr algn="ctr"/>
+            <a:r>
+              <a:rPr lang="en-US" dirty="0" err="1" smtClean="0"/>
+              <a:t>wasStartedBy</a:t>
             </a:r>
             <a:endParaRPr lang="en-US" dirty="0"/>
           </a:p>
@@ -9255,7 +13647,7 @@
         <p:spPr>
           <a:xfrm>
             <a:off x="685800" y="5562600"/>
-            <a:ext cx="1797993" cy="369332"/>
+            <a:ext cx="1797993" cy="646331"/>
           </a:xfrm>
           <a:prstGeom prst="rect">
             <a:avLst/>
@@ -9284,6 +13676,693 @@
             <a:r>
               <a:rPr lang="en-US" dirty="0" err="1" smtClean="0"/>
               <a:t>actedOnBehalfOf</a:t>
+            </a:r>
+            <a:endParaRPr lang="en-US" dirty="0" smtClean="0"/>
+          </a:p>
+          <a:p>
+            <a:r>
+              <a:rPr lang="en-US" dirty="0" err="1" smtClean="0"/>
+              <a:t>wasInfluencedBy</a:t>
+            </a:r>
+            <a:endParaRPr lang="en-US" dirty="0"/>
+          </a:p>
+        </p:txBody>
+      </p:sp>
+    </p:spTree>
+  </p:cSld>
+  <p:clrMapOvr>
+    <a:masterClrMapping/>
+  </p:clrMapOvr>
+</p:sld>
+</file>
+
+<file path=ppt/slides/slide8.xml><?xml version="1.0" encoding="utf-8"?>
+<p:sld xmlns:a="http://schemas.openxmlformats.org/drawingml/2006/main" xmlns:r="http://schemas.openxmlformats.org/officeDocument/2006/relationships" xmlns:p="http://schemas.openxmlformats.org/presentationml/2006/main">
+  <p:cSld>
+    <p:spTree>
+      <p:nvGrpSpPr>
+        <p:cNvPr id="1" name=""/>
+        <p:cNvGrpSpPr/>
+        <p:nvPr/>
+      </p:nvGrpSpPr>
+      <p:grpSpPr>
+        <a:xfrm>
+          <a:off x="0" y="0"/>
+          <a:ext cx="0" cy="0"/>
+          <a:chOff x="0" y="0"/>
+          <a:chExt cx="0" cy="0"/>
+        </a:xfrm>
+      </p:grpSpPr>
+      <p:sp>
+        <p:nvSpPr>
+          <p:cNvPr id="4" name="Rectangle 3"/>
+          <p:cNvSpPr/>
+          <p:nvPr/>
+        </p:nvSpPr>
+        <p:spPr>
+          <a:xfrm>
+            <a:off x="1752600" y="152400"/>
+            <a:ext cx="5410200" cy="914400"/>
+          </a:xfrm>
+          <a:prstGeom prst="rect">
+            <a:avLst/>
+          </a:prstGeom>
+        </p:spPr>
+        <p:style>
+          <a:lnRef idx="1">
+            <a:schemeClr val="accent1"/>
+          </a:lnRef>
+          <a:fillRef idx="2">
+            <a:schemeClr val="accent1"/>
+          </a:fillRef>
+          <a:effectRef idx="1">
+            <a:schemeClr val="accent1"/>
+          </a:effectRef>
+          <a:fontRef idx="minor">
+            <a:schemeClr val="dk1"/>
+          </a:fontRef>
+        </p:style>
+        <p:txBody>
+          <a:bodyPr rtlCol="0" anchor="ctr"/>
+          <a:lstStyle/>
+          <a:p>
+            <a:pPr algn="ctr"/>
+            <a:r>
+              <a:rPr lang="en-US" dirty="0" smtClean="0"/>
+              <a:t>OPM Domain Specialization: Workflow, Web, Biology</a:t>
+            </a:r>
+            <a:endParaRPr lang="en-US" dirty="0"/>
+          </a:p>
+        </p:txBody>
+      </p:sp>
+      <p:sp>
+        <p:nvSpPr>
+          <p:cNvPr id="7" name="Rectangle 6"/>
+          <p:cNvSpPr/>
+          <p:nvPr/>
+        </p:nvSpPr>
+        <p:spPr>
+          <a:xfrm>
+            <a:off x="1752600" y="1219200"/>
+            <a:ext cx="5410200" cy="914400"/>
+          </a:xfrm>
+          <a:prstGeom prst="rect">
+            <a:avLst/>
+          </a:prstGeom>
+        </p:spPr>
+        <p:style>
+          <a:lnRef idx="1">
+            <a:schemeClr val="accent1"/>
+          </a:lnRef>
+          <a:fillRef idx="2">
+            <a:schemeClr val="accent1"/>
+          </a:fillRef>
+          <a:effectRef idx="1">
+            <a:schemeClr val="accent1"/>
+          </a:effectRef>
+          <a:fontRef idx="minor">
+            <a:schemeClr val="dk1"/>
+          </a:fontRef>
+        </p:style>
+        <p:txBody>
+          <a:bodyPr rtlCol="0" anchor="ctr"/>
+          <a:lstStyle/>
+          <a:p>
+            <a:pPr algn="ctr"/>
+            <a:r>
+              <a:rPr lang="en-US" dirty="0" smtClean="0"/>
+              <a:t>OPM Essential Profiles: Collections, Attribution</a:t>
+            </a:r>
+            <a:endParaRPr lang="en-US" dirty="0"/>
+          </a:p>
+        </p:txBody>
+      </p:sp>
+      <p:sp>
+        <p:nvSpPr>
+          <p:cNvPr id="8" name="Rectangle 7"/>
+          <p:cNvSpPr/>
+          <p:nvPr/>
+        </p:nvSpPr>
+        <p:spPr>
+          <a:xfrm>
+            <a:off x="1752600" y="2286000"/>
+            <a:ext cx="5410200" cy="914400"/>
+          </a:xfrm>
+          <a:prstGeom prst="rect">
+            <a:avLst/>
+          </a:prstGeom>
+        </p:spPr>
+        <p:style>
+          <a:lnRef idx="1">
+            <a:schemeClr val="accent1"/>
+          </a:lnRef>
+          <a:fillRef idx="2">
+            <a:schemeClr val="accent1"/>
+          </a:fillRef>
+          <a:effectRef idx="1">
+            <a:schemeClr val="accent1"/>
+          </a:effectRef>
+          <a:fontRef idx="minor">
+            <a:schemeClr val="dk1"/>
+          </a:fontRef>
+        </p:style>
+        <p:txBody>
+          <a:bodyPr rtlCol="0" anchor="ctr"/>
+          <a:lstStyle/>
+          <a:p>
+            <a:pPr algn="ctr"/>
+            <a:r>
+              <a:rPr lang="en-US" dirty="0" smtClean="0"/>
+              <a:t>OPM Abstract Model</a:t>
+            </a:r>
+            <a:endParaRPr lang="en-US" dirty="0"/>
+          </a:p>
+        </p:txBody>
+      </p:sp>
+      <p:sp>
+        <p:nvSpPr>
+          <p:cNvPr id="9" name="Rectangle 8"/>
+          <p:cNvSpPr/>
+          <p:nvPr/>
+        </p:nvSpPr>
+        <p:spPr>
+          <a:xfrm rot="16200000">
+            <a:off x="-304800" y="1219200"/>
+            <a:ext cx="3048000" cy="914400"/>
+          </a:xfrm>
+          <a:prstGeom prst="rect">
+            <a:avLst/>
+          </a:prstGeom>
+        </p:spPr>
+        <p:style>
+          <a:lnRef idx="1">
+            <a:schemeClr val="accent1"/>
+          </a:lnRef>
+          <a:fillRef idx="2">
+            <a:schemeClr val="accent1"/>
+          </a:fillRef>
+          <a:effectRef idx="1">
+            <a:schemeClr val="accent1"/>
+          </a:effectRef>
+          <a:fontRef idx="minor">
+            <a:schemeClr val="dk1"/>
+          </a:fontRef>
+        </p:style>
+        <p:txBody>
+          <a:bodyPr rtlCol="0" anchor="ctr"/>
+          <a:lstStyle/>
+          <a:p>
+            <a:pPr algn="ctr"/>
+            <a:r>
+              <a:rPr lang="en-US" dirty="0" smtClean="0"/>
+              <a:t>Technology Bindings: XML schema, mapping to RDF, and OWL Ontology</a:t>
+            </a:r>
+            <a:endParaRPr lang="en-US" dirty="0"/>
+          </a:p>
+        </p:txBody>
+      </p:sp>
+      <p:sp>
+        <p:nvSpPr>
+          <p:cNvPr id="10" name="Rectangle 9"/>
+          <p:cNvSpPr/>
+          <p:nvPr/>
+        </p:nvSpPr>
+        <p:spPr>
+          <a:xfrm rot="16200000">
+            <a:off x="6172200" y="1219200"/>
+            <a:ext cx="3048000" cy="914400"/>
+          </a:xfrm>
+          <a:prstGeom prst="rect">
+            <a:avLst/>
+          </a:prstGeom>
+        </p:spPr>
+        <p:style>
+          <a:lnRef idx="1">
+            <a:schemeClr val="accent1"/>
+          </a:lnRef>
+          <a:fillRef idx="2">
+            <a:schemeClr val="accent1"/>
+          </a:fillRef>
+          <a:effectRef idx="1">
+            <a:schemeClr val="accent1"/>
+          </a:effectRef>
+          <a:fontRef idx="minor">
+            <a:schemeClr val="dk1"/>
+          </a:fontRef>
+        </p:style>
+        <p:txBody>
+          <a:bodyPr rtlCol="0" anchor="ctr"/>
+          <a:lstStyle/>
+          <a:p>
+            <a:pPr algn="ctr"/>
+            <a:r>
+              <a:rPr lang="en-US" dirty="0" smtClean="0"/>
+              <a:t>OPM based APIs: provenance access, embedding, querying</a:t>
+            </a:r>
+            <a:endParaRPr lang="en-US" dirty="0"/>
+          </a:p>
+        </p:txBody>
+      </p:sp>
+    </p:spTree>
+  </p:cSld>
+  <p:clrMapOvr>
+    <a:masterClrMapping/>
+  </p:clrMapOvr>
+</p:sld>
+</file>
+
+<file path=ppt/slides/slide9.xml><?xml version="1.0" encoding="utf-8"?>
+<p:sld xmlns:a="http://schemas.openxmlformats.org/drawingml/2006/main" xmlns:r="http://schemas.openxmlformats.org/officeDocument/2006/relationships" xmlns:p="http://schemas.openxmlformats.org/presentationml/2006/main">
+  <p:cSld>
+    <p:spTree>
+      <p:nvGrpSpPr>
+        <p:cNvPr id="1" name=""/>
+        <p:cNvGrpSpPr/>
+        <p:nvPr/>
+      </p:nvGrpSpPr>
+      <p:grpSpPr>
+        <a:xfrm>
+          <a:off x="0" y="0"/>
+          <a:ext cx="0" cy="0"/>
+          <a:chOff x="0" y="0"/>
+          <a:chExt cx="0" cy="0"/>
+        </a:xfrm>
+      </p:grpSpPr>
+      <p:sp>
+        <p:nvSpPr>
+          <p:cNvPr id="4" name="Rectangle 3"/>
+          <p:cNvSpPr/>
+          <p:nvPr/>
+        </p:nvSpPr>
+        <p:spPr>
+          <a:xfrm>
+            <a:off x="76200" y="3429000"/>
+            <a:ext cx="5410200" cy="1371600"/>
+          </a:xfrm>
+          <a:prstGeom prst="rect">
+            <a:avLst/>
+          </a:prstGeom>
+        </p:spPr>
+        <p:style>
+          <a:lnRef idx="1">
+            <a:schemeClr val="accent1"/>
+          </a:lnRef>
+          <a:fillRef idx="2">
+            <a:schemeClr val="accent1"/>
+          </a:fillRef>
+          <a:effectRef idx="1">
+            <a:schemeClr val="accent1"/>
+          </a:effectRef>
+          <a:fontRef idx="minor">
+            <a:schemeClr val="dk1"/>
+          </a:fontRef>
+        </p:style>
+        <p:txBody>
+          <a:bodyPr rtlCol="0" anchor="ctr"/>
+          <a:lstStyle/>
+          <a:p>
+            <a:pPr algn="ctr"/>
+            <a:r>
+              <a:rPr lang="en-US" dirty="0" smtClean="0"/>
+              <a:t>PROV-DM</a:t>
+            </a:r>
+            <a:endParaRPr lang="en-US" dirty="0"/>
+          </a:p>
+        </p:txBody>
+      </p:sp>
+      <p:sp>
+        <p:nvSpPr>
+          <p:cNvPr id="7" name="Rectangle 6"/>
+          <p:cNvSpPr/>
+          <p:nvPr/>
+        </p:nvSpPr>
+        <p:spPr>
+          <a:xfrm>
+            <a:off x="76200" y="2438400"/>
+            <a:ext cx="1447800" cy="914400"/>
+          </a:xfrm>
+          <a:prstGeom prst="rect">
+            <a:avLst/>
+          </a:prstGeom>
+        </p:spPr>
+        <p:style>
+          <a:lnRef idx="1">
+            <a:schemeClr val="accent1"/>
+          </a:lnRef>
+          <a:fillRef idx="2">
+            <a:schemeClr val="accent1"/>
+          </a:fillRef>
+          <a:effectRef idx="1">
+            <a:schemeClr val="accent1"/>
+          </a:effectRef>
+          <a:fontRef idx="minor">
+            <a:schemeClr val="dk1"/>
+          </a:fontRef>
+        </p:style>
+        <p:txBody>
+          <a:bodyPr rtlCol="0" anchor="ctr"/>
+          <a:lstStyle/>
+          <a:p>
+            <a:pPr algn="ctr"/>
+            <a:r>
+              <a:rPr lang="en-US" dirty="0" smtClean="0"/>
+              <a:t>PROV-O</a:t>
+            </a:r>
+            <a:endParaRPr lang="en-US" dirty="0"/>
+          </a:p>
+        </p:txBody>
+      </p:sp>
+      <p:sp>
+        <p:nvSpPr>
+          <p:cNvPr id="8" name="Rectangle 7"/>
+          <p:cNvSpPr/>
+          <p:nvPr/>
+        </p:nvSpPr>
+        <p:spPr>
+          <a:xfrm>
+            <a:off x="2057400" y="2438400"/>
+            <a:ext cx="1447800" cy="914400"/>
+          </a:xfrm>
+          <a:prstGeom prst="rect">
+            <a:avLst/>
+          </a:prstGeom>
+        </p:spPr>
+        <p:style>
+          <a:lnRef idx="1">
+            <a:schemeClr val="accent1"/>
+          </a:lnRef>
+          <a:fillRef idx="2">
+            <a:schemeClr val="accent1"/>
+          </a:fillRef>
+          <a:effectRef idx="1">
+            <a:schemeClr val="accent1"/>
+          </a:effectRef>
+          <a:fontRef idx="minor">
+            <a:schemeClr val="dk1"/>
+          </a:fontRef>
+        </p:style>
+        <p:txBody>
+          <a:bodyPr rtlCol="0" anchor="ctr"/>
+          <a:lstStyle/>
+          <a:p>
+            <a:pPr algn="ctr"/>
+            <a:r>
+              <a:rPr lang="en-US" dirty="0" smtClean="0"/>
+              <a:t>PROV-XML</a:t>
+            </a:r>
+            <a:endParaRPr lang="en-US" dirty="0"/>
+          </a:p>
+        </p:txBody>
+      </p:sp>
+      <p:sp>
+        <p:nvSpPr>
+          <p:cNvPr id="9" name="Rectangle 8"/>
+          <p:cNvSpPr/>
+          <p:nvPr/>
+        </p:nvSpPr>
+        <p:spPr>
+          <a:xfrm>
+            <a:off x="4038600" y="2438400"/>
+            <a:ext cx="1447800" cy="914400"/>
+          </a:xfrm>
+          <a:prstGeom prst="rect">
+            <a:avLst/>
+          </a:prstGeom>
+        </p:spPr>
+        <p:style>
+          <a:lnRef idx="1">
+            <a:schemeClr val="accent1"/>
+          </a:lnRef>
+          <a:fillRef idx="2">
+            <a:schemeClr val="accent1"/>
+          </a:fillRef>
+          <a:effectRef idx="1">
+            <a:schemeClr val="accent1"/>
+          </a:effectRef>
+          <a:fontRef idx="minor">
+            <a:schemeClr val="dk1"/>
+          </a:fontRef>
+        </p:style>
+        <p:txBody>
+          <a:bodyPr rtlCol="0" anchor="ctr"/>
+          <a:lstStyle/>
+          <a:p>
+            <a:pPr algn="ctr"/>
+            <a:r>
+              <a:rPr lang="en-US" dirty="0" smtClean="0"/>
+              <a:t>Other Serialization</a:t>
+            </a:r>
+            <a:endParaRPr lang="en-US" dirty="0"/>
+          </a:p>
+        </p:txBody>
+      </p:sp>
+      <p:sp>
+        <p:nvSpPr>
+          <p:cNvPr id="10" name="Rectangle 9"/>
+          <p:cNvSpPr/>
+          <p:nvPr/>
+        </p:nvSpPr>
+        <p:spPr>
+          <a:xfrm>
+            <a:off x="152400" y="3505200"/>
+            <a:ext cx="1524000" cy="533400"/>
+          </a:xfrm>
+          <a:prstGeom prst="rect">
+            <a:avLst/>
+          </a:prstGeom>
+        </p:spPr>
+        <p:style>
+          <a:lnRef idx="1">
+            <a:schemeClr val="accent1"/>
+          </a:lnRef>
+          <a:fillRef idx="2">
+            <a:schemeClr val="accent1"/>
+          </a:fillRef>
+          <a:effectRef idx="1">
+            <a:schemeClr val="accent1"/>
+          </a:effectRef>
+          <a:fontRef idx="minor">
+            <a:schemeClr val="dk1"/>
+          </a:fontRef>
+        </p:style>
+        <p:txBody>
+          <a:bodyPr rtlCol="0" anchor="ctr"/>
+          <a:lstStyle/>
+          <a:p>
+            <a:pPr algn="ctr"/>
+            <a:r>
+              <a:rPr lang="en-US" dirty="0" smtClean="0"/>
+              <a:t>PROV-CONSTRAINTS</a:t>
+            </a:r>
+            <a:endParaRPr lang="en-US" dirty="0"/>
+          </a:p>
+        </p:txBody>
+      </p:sp>
+      <p:sp>
+        <p:nvSpPr>
+          <p:cNvPr id="11" name="Rectangle 10"/>
+          <p:cNvSpPr/>
+          <p:nvPr/>
+        </p:nvSpPr>
+        <p:spPr>
+          <a:xfrm>
+            <a:off x="152400" y="4191000"/>
+            <a:ext cx="1524000" cy="533400"/>
+          </a:xfrm>
+          <a:prstGeom prst="rect">
+            <a:avLst/>
+          </a:prstGeom>
+        </p:spPr>
+        <p:style>
+          <a:lnRef idx="1">
+            <a:schemeClr val="accent1"/>
+          </a:lnRef>
+          <a:fillRef idx="2">
+            <a:schemeClr val="accent1"/>
+          </a:fillRef>
+          <a:effectRef idx="1">
+            <a:schemeClr val="accent1"/>
+          </a:effectRef>
+          <a:fontRef idx="minor">
+            <a:schemeClr val="dk1"/>
+          </a:fontRef>
+        </p:style>
+        <p:txBody>
+          <a:bodyPr rtlCol="0" anchor="ctr"/>
+          <a:lstStyle/>
+          <a:p>
+            <a:pPr algn="ctr"/>
+            <a:r>
+              <a:rPr lang="en-US" dirty="0" smtClean="0"/>
+              <a:t>PROV-SEM</a:t>
+            </a:r>
+            <a:endParaRPr lang="en-US" dirty="0"/>
+          </a:p>
+        </p:txBody>
+      </p:sp>
+      <p:sp>
+        <p:nvSpPr>
+          <p:cNvPr id="12" name="Rectangle 11"/>
+          <p:cNvSpPr/>
+          <p:nvPr/>
+        </p:nvSpPr>
+        <p:spPr>
+          <a:xfrm>
+            <a:off x="4038600" y="3657600"/>
+            <a:ext cx="1219200" cy="838200"/>
+          </a:xfrm>
+          <a:prstGeom prst="rect">
+            <a:avLst/>
+          </a:prstGeom>
+        </p:spPr>
+        <p:style>
+          <a:lnRef idx="1">
+            <a:schemeClr val="accent1"/>
+          </a:lnRef>
+          <a:fillRef idx="2">
+            <a:schemeClr val="accent1"/>
+          </a:fillRef>
+          <a:effectRef idx="1">
+            <a:schemeClr val="accent1"/>
+          </a:effectRef>
+          <a:fontRef idx="minor">
+            <a:schemeClr val="dk1"/>
+          </a:fontRef>
+        </p:style>
+        <p:txBody>
+          <a:bodyPr rtlCol="0" anchor="ctr"/>
+          <a:lstStyle/>
+          <a:p>
+            <a:pPr algn="ctr"/>
+            <a:r>
+              <a:rPr lang="en-US" dirty="0" smtClean="0"/>
+              <a:t>PROV-N</a:t>
+            </a:r>
+            <a:endParaRPr lang="en-US" dirty="0"/>
+          </a:p>
+        </p:txBody>
+      </p:sp>
+      <p:sp>
+        <p:nvSpPr>
+          <p:cNvPr id="14" name="Rectangle 13"/>
+          <p:cNvSpPr/>
+          <p:nvPr/>
+        </p:nvSpPr>
+        <p:spPr>
+          <a:xfrm>
+            <a:off x="6477000" y="2438400"/>
+            <a:ext cx="838200" cy="2362200"/>
+          </a:xfrm>
+          <a:prstGeom prst="rect">
+            <a:avLst/>
+          </a:prstGeom>
+        </p:spPr>
+        <p:style>
+          <a:lnRef idx="1">
+            <a:schemeClr val="accent1"/>
+          </a:lnRef>
+          <a:fillRef idx="2">
+            <a:schemeClr val="accent1"/>
+          </a:fillRef>
+          <a:effectRef idx="1">
+            <a:schemeClr val="accent1"/>
+          </a:effectRef>
+          <a:fontRef idx="minor">
+            <a:schemeClr val="dk1"/>
+          </a:fontRef>
+        </p:style>
+        <p:txBody>
+          <a:bodyPr rtlCol="0" anchor="ctr"/>
+          <a:lstStyle/>
+          <a:p>
+            <a:pPr algn="ctr"/>
+            <a:r>
+              <a:rPr lang="en-US" dirty="0" smtClean="0"/>
+              <a:t>PROV-LINKS</a:t>
+            </a:r>
+            <a:endParaRPr lang="en-US" dirty="0"/>
+          </a:p>
+        </p:txBody>
+      </p:sp>
+      <p:sp>
+        <p:nvSpPr>
+          <p:cNvPr id="16" name="Rectangle 15"/>
+          <p:cNvSpPr/>
+          <p:nvPr/>
+        </p:nvSpPr>
+        <p:spPr>
+          <a:xfrm>
+            <a:off x="5562600" y="2438400"/>
+            <a:ext cx="838200" cy="2362200"/>
+          </a:xfrm>
+          <a:prstGeom prst="rect">
+            <a:avLst/>
+          </a:prstGeom>
+        </p:spPr>
+        <p:style>
+          <a:lnRef idx="1">
+            <a:schemeClr val="accent1"/>
+          </a:lnRef>
+          <a:fillRef idx="2">
+            <a:schemeClr val="accent1"/>
+          </a:fillRef>
+          <a:effectRef idx="1">
+            <a:schemeClr val="accent1"/>
+          </a:effectRef>
+          <a:fontRef idx="minor">
+            <a:schemeClr val="dk1"/>
+          </a:fontRef>
+        </p:style>
+        <p:txBody>
+          <a:bodyPr rtlCol="0" anchor="ctr"/>
+          <a:lstStyle/>
+          <a:p>
+            <a:pPr algn="ctr"/>
+            <a:r>
+              <a:rPr lang="en-US" dirty="0" smtClean="0"/>
+              <a:t>PROV-DC</a:t>
+            </a:r>
+            <a:endParaRPr lang="en-US" dirty="0"/>
+          </a:p>
+        </p:txBody>
+      </p:sp>
+      <p:sp>
+        <p:nvSpPr>
+          <p:cNvPr id="17" name="Rectangle 16"/>
+          <p:cNvSpPr/>
+          <p:nvPr/>
+        </p:nvSpPr>
+        <p:spPr>
+          <a:xfrm>
+            <a:off x="7391400" y="2438400"/>
+            <a:ext cx="838200" cy="2362200"/>
+          </a:xfrm>
+          <a:prstGeom prst="rect">
+            <a:avLst/>
+          </a:prstGeom>
+        </p:spPr>
+        <p:style>
+          <a:lnRef idx="1">
+            <a:schemeClr val="accent1"/>
+          </a:lnRef>
+          <a:fillRef idx="2">
+            <a:schemeClr val="accent1"/>
+          </a:fillRef>
+          <a:effectRef idx="1">
+            <a:schemeClr val="accent1"/>
+          </a:effectRef>
+          <a:fontRef idx="minor">
+            <a:schemeClr val="dk1"/>
+          </a:fontRef>
+        </p:style>
+        <p:txBody>
+          <a:bodyPr rtlCol="0" anchor="ctr"/>
+          <a:lstStyle/>
+          <a:p>
+            <a:pPr algn="ctr"/>
+            <a:r>
+              <a:rPr lang="en-US" dirty="0" smtClean="0"/>
+              <a:t>PROV-AQ</a:t>
             </a:r>
             <a:endParaRPr lang="en-US" dirty="0"/>
           </a:p>
